--- a/Test Driven Development/materials/pptx/2. TDD-XUnit.pptx
+++ b/Test Driven Development/materials/pptx/2. TDD-XUnit.pptx
@@ -6,7 +6,7 @@
     <p:sldMasterId id="2147483694" r:id="rId2"/>
   </p:sldMasterIdLst>
   <p:notesMasterIdLst>
-    <p:notesMasterId r:id="rId25"/>
+    <p:notesMasterId r:id="rId27"/>
   </p:notesMasterIdLst>
   <p:sldIdLst>
     <p:sldId id="355" r:id="rId3"/>
@@ -19,18 +19,20 @@
     <p:sldId id="381" r:id="rId10"/>
     <p:sldId id="382" r:id="rId11"/>
     <p:sldId id="383" r:id="rId12"/>
-    <p:sldId id="384" r:id="rId13"/>
-    <p:sldId id="385" r:id="rId14"/>
-    <p:sldId id="393" r:id="rId15"/>
-    <p:sldId id="386" r:id="rId16"/>
-    <p:sldId id="387" r:id="rId17"/>
-    <p:sldId id="388" r:id="rId18"/>
-    <p:sldId id="389" r:id="rId19"/>
-    <p:sldId id="392" r:id="rId20"/>
-    <p:sldId id="390" r:id="rId21"/>
-    <p:sldId id="391" r:id="rId22"/>
-    <p:sldId id="357" r:id="rId23"/>
-    <p:sldId id="356" r:id="rId24"/>
+    <p:sldId id="394" r:id="rId13"/>
+    <p:sldId id="384" r:id="rId14"/>
+    <p:sldId id="385" r:id="rId15"/>
+    <p:sldId id="393" r:id="rId16"/>
+    <p:sldId id="386" r:id="rId17"/>
+    <p:sldId id="387" r:id="rId18"/>
+    <p:sldId id="395" r:id="rId19"/>
+    <p:sldId id="388" r:id="rId20"/>
+    <p:sldId id="389" r:id="rId21"/>
+    <p:sldId id="392" r:id="rId22"/>
+    <p:sldId id="390" r:id="rId23"/>
+    <p:sldId id="391" r:id="rId24"/>
+    <p:sldId id="357" r:id="rId25"/>
+    <p:sldId id="356" r:id="rId26"/>
   </p:sldIdLst>
   <p:sldSz cx="9144000" cy="6858000" type="screen4x3"/>
   <p:notesSz cx="6858000" cy="9144000"/>
@@ -214,7 +216,7 @@
           <a:p>
             <a:fld id="{B946ECE3-FD69-FE4C-B5B3-E9526994F809}" type="datetimeFigureOut">
               <a:rPr lang="en-US" smtClean="0"/>
-              <a:t>12/7/2012</a:t>
+              <a:t>12/16/12</a:t>
             </a:fld>
             <a:endParaRPr lang="en-US"/>
           </a:p>
@@ -770,6 +772,90 @@
       </p:grpSpPr>
       <p:sp>
         <p:nvSpPr>
+          <p:cNvPr id="2" name="Slide Image Placeholder 1"/>
+          <p:cNvSpPr>
+            <a:spLocks noGrp="1" noRot="1" noChangeAspect="1"/>
+          </p:cNvSpPr>
+          <p:nvPr>
+            <p:ph type="sldImg"/>
+          </p:nvPr>
+        </p:nvSpPr>
+        <p:spPr/>
+      </p:sp>
+      <p:sp>
+        <p:nvSpPr>
+          <p:cNvPr id="3" name="Notes Placeholder 2"/>
+          <p:cNvSpPr>
+            <a:spLocks noGrp="1"/>
+          </p:cNvSpPr>
+          <p:nvPr>
+            <p:ph type="body" idx="1"/>
+          </p:nvPr>
+        </p:nvSpPr>
+        <p:spPr/>
+        <p:txBody>
+          <a:bodyPr/>
+          <a:lstStyle/>
+          <a:p>
+            <a:endParaRPr lang="en-US" dirty="0"/>
+          </a:p>
+        </p:txBody>
+      </p:sp>
+      <p:sp>
+        <p:nvSpPr>
+          <p:cNvPr id="4" name="Slide Number Placeholder 3"/>
+          <p:cNvSpPr>
+            <a:spLocks noGrp="1"/>
+          </p:cNvSpPr>
+          <p:nvPr>
+            <p:ph type="sldNum" sz="quarter" idx="10"/>
+          </p:nvPr>
+        </p:nvSpPr>
+        <p:spPr/>
+        <p:txBody>
+          <a:bodyPr/>
+          <a:lstStyle/>
+          <a:p>
+            <a:fld id="{3A3568CC-110C-4346-A0AE-B1FBECAA9176}" type="slidenum">
+              <a:rPr lang="en-US" smtClean="0"/>
+              <a:t>13</a:t>
+            </a:fld>
+            <a:endParaRPr lang="en-US"/>
+          </a:p>
+        </p:txBody>
+      </p:sp>
+    </p:spTree>
+    <p:extLst>
+      <p:ext uri="{BB962C8B-B14F-4D97-AF65-F5344CB8AC3E}">
+        <p14:creationId xmlns:p14="http://schemas.microsoft.com/office/powerpoint/2010/main" val="599945650"/>
+      </p:ext>
+    </p:extLst>
+  </p:cSld>
+  <p:clrMapOvr>
+    <a:masterClrMapping/>
+  </p:clrMapOvr>
+</p:notes>
+</file>
+
+<file path=ppt/notesSlides/notesSlide13.xml><?xml version="1.0" encoding="utf-8"?>
+<p:notes xmlns:a="http://schemas.openxmlformats.org/drawingml/2006/main" xmlns:r="http://schemas.openxmlformats.org/officeDocument/2006/relationships" xmlns:p="http://schemas.openxmlformats.org/presentationml/2006/main">
+  <p:cSld>
+    <p:spTree>
+      <p:nvGrpSpPr>
+        <p:cNvPr id="1" name=""/>
+        <p:cNvGrpSpPr/>
+        <p:nvPr/>
+      </p:nvGrpSpPr>
+      <p:grpSpPr>
+        <a:xfrm>
+          <a:off x="0" y="0"/>
+          <a:ext cx="0" cy="0"/>
+          <a:chOff x="0" y="0"/>
+          <a:chExt cx="0" cy="0"/>
+        </a:xfrm>
+      </p:grpSpPr>
+      <p:sp>
+        <p:nvSpPr>
           <p:cNvPr id="519170" name="Rectangle 7"/>
           <p:cNvSpPr>
             <a:spLocks noGrp="1" noChangeArrowheads="1"/>
@@ -902,7 +988,7 @@
             <a:fld id="{B77B2974-20B2-7648-871C-93ECFD18121B}" type="slidenum">
               <a:rPr lang="en-US"/>
               <a:pPr eaLnBrk="1" hangingPunct="1"/>
-              <a:t>13</a:t>
+              <a:t>14</a:t>
             </a:fld>
             <a:endParaRPr lang="en-US"/>
           </a:p>
@@ -944,14 +1030,14 @@
           <a:noFill/>
           <a:ln/>
           <a:extLst>
-            <a:ext uri="{909E8E84-426E-40DD-AFC4-6F175D3DCCD1}">
+            <a:ext uri="{909E8E84-426E-40dd-AFC4-6F175D3DCCD1}">
               <a14:hiddenFill xmlns:a14="http://schemas.microsoft.com/office/drawing/2010/main">
                 <a:solidFill>
                   <a:srgbClr val="FFFFFF"/>
                 </a:solidFill>
               </a14:hiddenFill>
             </a:ext>
-            <a:ext uri="{91240B29-F687-4F45-9708-019B960494DF}">
+            <a:ext uri="{91240B29-F687-4f45-9708-019B960494DF}">
               <a14:hiddenLine xmlns:a14="http://schemas.microsoft.com/office/drawing/2010/main" w="9525">
                 <a:solidFill>
                   <a:srgbClr val="000000"/>
@@ -962,7 +1048,7 @@
               </a14:hiddenLine>
             </a:ext>
             <a:ext uri="{FAA26D3D-D897-4be2-8F04-BA451C77F1D7}">
-              <ma14:placeholderFlag xmlns:ma14="http://schemas.microsoft.com/office/mac/drawingml/2011/main" xmlns="" val="1"/>
+              <ma14:placeholderFlag xmlns:ma14="http://schemas.microsoft.com/office/mac/drawingml/2011/main" val="1"/>
             </a:ext>
           </a:extLst>
         </p:spPr>
@@ -1194,90 +1280,6 @@
         </p:txBody>
       </p:sp>
     </p:spTree>
-  </p:cSld>
-  <p:clrMapOvr>
-    <a:masterClrMapping/>
-  </p:clrMapOvr>
-</p:notes>
-</file>
-
-<file path=ppt/notesSlides/notesSlide13.xml><?xml version="1.0" encoding="utf-8"?>
-<p:notes xmlns:a="http://schemas.openxmlformats.org/drawingml/2006/main" xmlns:r="http://schemas.openxmlformats.org/officeDocument/2006/relationships" xmlns:p="http://schemas.openxmlformats.org/presentationml/2006/main">
-  <p:cSld>
-    <p:spTree>
-      <p:nvGrpSpPr>
-        <p:cNvPr id="1" name=""/>
-        <p:cNvGrpSpPr/>
-        <p:nvPr/>
-      </p:nvGrpSpPr>
-      <p:grpSpPr>
-        <a:xfrm>
-          <a:off x="0" y="0"/>
-          <a:ext cx="0" cy="0"/>
-          <a:chOff x="0" y="0"/>
-          <a:chExt cx="0" cy="0"/>
-        </a:xfrm>
-      </p:grpSpPr>
-      <p:sp>
-        <p:nvSpPr>
-          <p:cNvPr id="2" name="Slide Image Placeholder 1"/>
-          <p:cNvSpPr>
-            <a:spLocks noGrp="1" noRot="1" noChangeAspect="1"/>
-          </p:cNvSpPr>
-          <p:nvPr>
-            <p:ph type="sldImg"/>
-          </p:nvPr>
-        </p:nvSpPr>
-        <p:spPr/>
-      </p:sp>
-      <p:sp>
-        <p:nvSpPr>
-          <p:cNvPr id="3" name="Notes Placeholder 2"/>
-          <p:cNvSpPr>
-            <a:spLocks noGrp="1"/>
-          </p:cNvSpPr>
-          <p:nvPr>
-            <p:ph type="body" idx="1"/>
-          </p:nvPr>
-        </p:nvSpPr>
-        <p:spPr/>
-        <p:txBody>
-          <a:bodyPr/>
-          <a:lstStyle/>
-          <a:p>
-            <a:endParaRPr lang="en-US" dirty="0"/>
-          </a:p>
-        </p:txBody>
-      </p:sp>
-      <p:sp>
-        <p:nvSpPr>
-          <p:cNvPr id="4" name="Slide Number Placeholder 3"/>
-          <p:cNvSpPr>
-            <a:spLocks noGrp="1"/>
-          </p:cNvSpPr>
-          <p:nvPr>
-            <p:ph type="sldNum" sz="quarter" idx="10"/>
-          </p:nvPr>
-        </p:nvSpPr>
-        <p:spPr/>
-        <p:txBody>
-          <a:bodyPr/>
-          <a:lstStyle/>
-          <a:p>
-            <a:fld id="{3A3568CC-110C-4346-A0AE-B1FBECAA9176}" type="slidenum">
-              <a:rPr lang="en-US" smtClean="0"/>
-              <a:t>14</a:t>
-            </a:fld>
-            <a:endParaRPr lang="en-US"/>
-          </a:p>
-        </p:txBody>
-      </p:sp>
-    </p:spTree>
-    <p:extLst>
-      <p:ext uri="{BB962C8B-B14F-4D97-AF65-F5344CB8AC3E}">
-        <p14:creationId xmlns:p14="http://schemas.microsoft.com/office/powerpoint/2010/main" val="599945650"/>
-      </p:ext>
-    </p:extLst>
   </p:cSld>
   <p:clrMapOvr>
     <a:masterClrMapping/>
@@ -1855,6 +1857,174 @@
             <a:fld id="{3A3568CC-110C-4346-A0AE-B1FBECAA9176}" type="slidenum">
               <a:rPr lang="en-US" smtClean="0"/>
               <a:t>3</a:t>
+            </a:fld>
+            <a:endParaRPr lang="en-US"/>
+          </a:p>
+        </p:txBody>
+      </p:sp>
+    </p:spTree>
+    <p:extLst>
+      <p:ext uri="{BB962C8B-B14F-4D97-AF65-F5344CB8AC3E}">
+        <p14:creationId xmlns:p14="http://schemas.microsoft.com/office/powerpoint/2010/main" val="599945650"/>
+      </p:ext>
+    </p:extLst>
+  </p:cSld>
+  <p:clrMapOvr>
+    <a:masterClrMapping/>
+  </p:clrMapOvr>
+</p:notes>
+</file>
+
+<file path=ppt/notesSlides/notesSlide20.xml><?xml version="1.0" encoding="utf-8"?>
+<p:notes xmlns:a="http://schemas.openxmlformats.org/drawingml/2006/main" xmlns:r="http://schemas.openxmlformats.org/officeDocument/2006/relationships" xmlns:p="http://schemas.openxmlformats.org/presentationml/2006/main">
+  <p:cSld>
+    <p:spTree>
+      <p:nvGrpSpPr>
+        <p:cNvPr id="1" name=""/>
+        <p:cNvGrpSpPr/>
+        <p:nvPr/>
+      </p:nvGrpSpPr>
+      <p:grpSpPr>
+        <a:xfrm>
+          <a:off x="0" y="0"/>
+          <a:ext cx="0" cy="0"/>
+          <a:chOff x="0" y="0"/>
+          <a:chExt cx="0" cy="0"/>
+        </a:xfrm>
+      </p:grpSpPr>
+      <p:sp>
+        <p:nvSpPr>
+          <p:cNvPr id="2" name="Slide Image Placeholder 1"/>
+          <p:cNvSpPr>
+            <a:spLocks noGrp="1" noRot="1" noChangeAspect="1"/>
+          </p:cNvSpPr>
+          <p:nvPr>
+            <p:ph type="sldImg"/>
+          </p:nvPr>
+        </p:nvSpPr>
+        <p:spPr/>
+      </p:sp>
+      <p:sp>
+        <p:nvSpPr>
+          <p:cNvPr id="3" name="Notes Placeholder 2"/>
+          <p:cNvSpPr>
+            <a:spLocks noGrp="1"/>
+          </p:cNvSpPr>
+          <p:nvPr>
+            <p:ph type="body" idx="1"/>
+          </p:nvPr>
+        </p:nvSpPr>
+        <p:spPr/>
+        <p:txBody>
+          <a:bodyPr/>
+          <a:lstStyle/>
+          <a:p>
+            <a:endParaRPr lang="en-US" dirty="0"/>
+          </a:p>
+        </p:txBody>
+      </p:sp>
+      <p:sp>
+        <p:nvSpPr>
+          <p:cNvPr id="4" name="Slide Number Placeholder 3"/>
+          <p:cNvSpPr>
+            <a:spLocks noGrp="1"/>
+          </p:cNvSpPr>
+          <p:nvPr>
+            <p:ph type="sldNum" sz="quarter" idx="10"/>
+          </p:nvPr>
+        </p:nvSpPr>
+        <p:spPr/>
+        <p:txBody>
+          <a:bodyPr/>
+          <a:lstStyle/>
+          <a:p>
+            <a:fld id="{3A3568CC-110C-4346-A0AE-B1FBECAA9176}" type="slidenum">
+              <a:rPr lang="en-US" smtClean="0"/>
+              <a:t>21</a:t>
+            </a:fld>
+            <a:endParaRPr lang="en-US"/>
+          </a:p>
+        </p:txBody>
+      </p:sp>
+    </p:spTree>
+    <p:extLst>
+      <p:ext uri="{BB962C8B-B14F-4D97-AF65-F5344CB8AC3E}">
+        <p14:creationId xmlns:p14="http://schemas.microsoft.com/office/powerpoint/2010/main" val="599945650"/>
+      </p:ext>
+    </p:extLst>
+  </p:cSld>
+  <p:clrMapOvr>
+    <a:masterClrMapping/>
+  </p:clrMapOvr>
+</p:notes>
+</file>
+
+<file path=ppt/notesSlides/notesSlide21.xml><?xml version="1.0" encoding="utf-8"?>
+<p:notes xmlns:a="http://schemas.openxmlformats.org/drawingml/2006/main" xmlns:r="http://schemas.openxmlformats.org/officeDocument/2006/relationships" xmlns:p="http://schemas.openxmlformats.org/presentationml/2006/main">
+  <p:cSld>
+    <p:spTree>
+      <p:nvGrpSpPr>
+        <p:cNvPr id="1" name=""/>
+        <p:cNvGrpSpPr/>
+        <p:nvPr/>
+      </p:nvGrpSpPr>
+      <p:grpSpPr>
+        <a:xfrm>
+          <a:off x="0" y="0"/>
+          <a:ext cx="0" cy="0"/>
+          <a:chOff x="0" y="0"/>
+          <a:chExt cx="0" cy="0"/>
+        </a:xfrm>
+      </p:grpSpPr>
+      <p:sp>
+        <p:nvSpPr>
+          <p:cNvPr id="2" name="Slide Image Placeholder 1"/>
+          <p:cNvSpPr>
+            <a:spLocks noGrp="1" noRot="1" noChangeAspect="1"/>
+          </p:cNvSpPr>
+          <p:nvPr>
+            <p:ph type="sldImg"/>
+          </p:nvPr>
+        </p:nvSpPr>
+        <p:spPr/>
+      </p:sp>
+      <p:sp>
+        <p:nvSpPr>
+          <p:cNvPr id="3" name="Notes Placeholder 2"/>
+          <p:cNvSpPr>
+            <a:spLocks noGrp="1"/>
+          </p:cNvSpPr>
+          <p:nvPr>
+            <p:ph type="body" idx="1"/>
+          </p:nvPr>
+        </p:nvSpPr>
+        <p:spPr/>
+        <p:txBody>
+          <a:bodyPr/>
+          <a:lstStyle/>
+          <a:p>
+            <a:endParaRPr lang="en-US" dirty="0"/>
+          </a:p>
+        </p:txBody>
+      </p:sp>
+      <p:sp>
+        <p:nvSpPr>
+          <p:cNvPr id="4" name="Slide Number Placeholder 3"/>
+          <p:cNvSpPr>
+            <a:spLocks noGrp="1"/>
+          </p:cNvSpPr>
+          <p:nvPr>
+            <p:ph type="sldNum" sz="quarter" idx="10"/>
+          </p:nvPr>
+        </p:nvSpPr>
+        <p:spPr/>
+        <p:txBody>
+          <a:bodyPr/>
+          <a:lstStyle/>
+          <a:p>
+            <a:fld id="{3A3568CC-110C-4346-A0AE-B1FBECAA9176}" type="slidenum">
+              <a:rPr lang="en-US" smtClean="0"/>
+              <a:t>22</a:t>
             </a:fld>
             <a:endParaRPr lang="en-US"/>
           </a:p>
@@ -2512,14 +2682,14 @@
             <a:noFill/>
           </a:ln>
           <a:extLst>
-            <a:ext uri="{909E8E84-426E-40DD-AFC4-6F175D3DCCD1}">
+            <a:ext uri="{909E8E84-426E-40dd-AFC4-6F175D3DCCD1}">
               <a14:hiddenFill xmlns:a14="http://schemas.microsoft.com/office/drawing/2010/main">
                 <a:solidFill>
                   <a:srgbClr val="FFFFFF"/>
                 </a:solidFill>
               </a14:hiddenFill>
             </a:ext>
-            <a:ext uri="{91240B29-F687-4F45-9708-019B960494DF}">
+            <a:ext uri="{91240B29-F687-4f45-9708-019B960494DF}">
               <a14:hiddenLine xmlns:a14="http://schemas.microsoft.com/office/drawing/2010/main" w="9525">
                 <a:solidFill>
                   <a:srgbClr val="000000"/>
@@ -2566,14 +2736,14 @@
             <a:noFill/>
           </a:ln>
           <a:extLst>
-            <a:ext uri="{909E8E84-426E-40DD-AFC4-6F175D3DCCD1}">
+            <a:ext uri="{909E8E84-426E-40dd-AFC4-6F175D3DCCD1}">
               <a14:hiddenFill xmlns:a14="http://schemas.microsoft.com/office/drawing/2010/main">
                 <a:solidFill>
                   <a:srgbClr val="FFFFFF"/>
                 </a:solidFill>
               </a14:hiddenFill>
             </a:ext>
-            <a:ext uri="{91240B29-F687-4F45-9708-019B960494DF}">
+            <a:ext uri="{91240B29-F687-4f45-9708-019B960494DF}">
               <a14:hiddenLine xmlns:a14="http://schemas.microsoft.com/office/drawing/2010/main" w="9525">
                 <a:solidFill>
                   <a:srgbClr val="000000"/>
@@ -2668,7 +2838,7 @@
   <p:clrMapOvr>
     <a:masterClrMapping/>
   </p:clrMapOvr>
-  <p:transition spd="slow">
+  <p:transition xmlns:p14="http://schemas.microsoft.com/office/powerpoint/2010/main" spd="slow">
     <p:fade/>
   </p:transition>
 </p:sldLayout>
@@ -3078,7 +3248,7 @@
   <p:clrMapOvr>
     <a:masterClrMapping/>
   </p:clrMapOvr>
-  <p:transition spd="slow">
+  <p:transition xmlns:p14="http://schemas.microsoft.com/office/powerpoint/2010/main" spd="slow">
     <p:fade/>
   </p:transition>
 </p:sldLayout>
@@ -3403,7 +3573,7 @@
   <p:clrMapOvr>
     <a:masterClrMapping/>
   </p:clrMapOvr>
-  <p:transition spd="slow">
+  <p:transition xmlns:p14="http://schemas.microsoft.com/office/powerpoint/2010/main" spd="slow">
     <p:fade/>
   </p:transition>
 </p:sldLayout>
@@ -3728,7 +3898,7 @@
   <p:clrMapOvr>
     <a:masterClrMapping/>
   </p:clrMapOvr>
-  <p:transition spd="slow">
+  <p:transition xmlns:p14="http://schemas.microsoft.com/office/powerpoint/2010/main" spd="slow">
     <p:fade/>
   </p:transition>
 </p:sldLayout>
@@ -4138,7 +4308,7 @@
   <p:clrMapOvr>
     <a:masterClrMapping/>
   </p:clrMapOvr>
-  <p:transition spd="slow">
+  <p:transition xmlns:p14="http://schemas.microsoft.com/office/powerpoint/2010/main" spd="slow">
     <p:fade/>
   </p:transition>
 </p:sldLayout>
@@ -4548,7 +4718,7 @@
   <p:clrMapOvr>
     <a:masterClrMapping/>
   </p:clrMapOvr>
-  <p:transition spd="slow">
+  <p:transition xmlns:p14="http://schemas.microsoft.com/office/powerpoint/2010/main" spd="slow">
     <p:fade/>
   </p:transition>
 </p:sldLayout>
@@ -4740,7 +4910,7 @@
   <p:clrMapOvr>
     <a:masterClrMapping/>
   </p:clrMapOvr>
-  <p:transition spd="slow">
+  <p:transition xmlns:p14="http://schemas.microsoft.com/office/powerpoint/2010/main" spd="slow">
     <p:fade/>
   </p:transition>
 </p:sldLayout>
@@ -4826,7 +4996,7 @@
   <p:clrMapOvr>
     <a:masterClrMapping/>
   </p:clrMapOvr>
-  <p:transition spd="slow">
+  <p:transition xmlns:p14="http://schemas.microsoft.com/office/powerpoint/2010/main" spd="slow">
     <p:fade/>
   </p:transition>
 </p:sldLayout>
@@ -4980,7 +5150,7 @@
                   <a:spcPct val="0"/>
                 </a:spcAft>
               </a:pPr>
-              <a:t>07.12.2012</a:t>
+              <a:t>12/16/12</a:t>
             </a:fld>
             <a:endParaRPr lang="ru-RU">
               <a:solidFill>
@@ -5150,7 +5320,7 @@
   <p:clrMapOvr>
     <a:masterClrMapping/>
   </p:clrMapOvr>
-  <p:transition spd="slow">
+  <p:transition xmlns:p14="http://schemas.microsoft.com/office/powerpoint/2010/main" spd="slow">
     <p:fade/>
   </p:transition>
 </p:sldLayout>
@@ -5510,7 +5680,7 @@
   <p:clrMapOvr>
     <a:masterClrMapping/>
   </p:clrMapOvr>
-  <p:transition spd="slow">
+  <p:transition xmlns:p14="http://schemas.microsoft.com/office/powerpoint/2010/main" spd="slow">
     <p:fade/>
   </p:transition>
 </p:sldLayout>
@@ -5567,14 +5737,14 @@
             <a:noFill/>
           </a:ln>
           <a:extLst>
-            <a:ext uri="{909E8E84-426E-40DD-AFC4-6F175D3DCCD1}">
+            <a:ext uri="{909E8E84-426E-40dd-AFC4-6F175D3DCCD1}">
               <a14:hiddenFill xmlns:a14="http://schemas.microsoft.com/office/drawing/2010/main">
                 <a:solidFill>
                   <a:srgbClr val="FFFFFF"/>
                 </a:solidFill>
               </a14:hiddenFill>
             </a:ext>
-            <a:ext uri="{91240B29-F687-4F45-9708-019B960494DF}">
+            <a:ext uri="{91240B29-F687-4f45-9708-019B960494DF}">
               <a14:hiddenLine xmlns:a14="http://schemas.microsoft.com/office/drawing/2010/main" w="9525">
                 <a:solidFill>
                   <a:srgbClr val="000000"/>
@@ -5710,14 +5880,14 @@
             <a:noFill/>
           </a:ln>
           <a:extLst>
-            <a:ext uri="{909E8E84-426E-40DD-AFC4-6F175D3DCCD1}">
+            <a:ext uri="{909E8E84-426E-40dd-AFC4-6F175D3DCCD1}">
               <a14:hiddenFill xmlns:a14="http://schemas.microsoft.com/office/drawing/2010/main">
                 <a:solidFill>
                   <a:srgbClr val="FFFFFF"/>
                 </a:solidFill>
               </a14:hiddenFill>
             </a:ext>
-            <a:ext uri="{91240B29-F687-4F45-9708-019B960494DF}">
+            <a:ext uri="{91240B29-F687-4f45-9708-019B960494DF}">
               <a14:hiddenLine xmlns:a14="http://schemas.microsoft.com/office/drawing/2010/main" w="9525">
                 <a:solidFill>
                   <a:srgbClr val="000000"/>
@@ -5764,14 +5934,14 @@
             <a:noFill/>
           </a:ln>
           <a:extLst>
-            <a:ext uri="{909E8E84-426E-40DD-AFC4-6F175D3DCCD1}">
+            <a:ext uri="{909E8E84-426E-40dd-AFC4-6F175D3DCCD1}">
               <a14:hiddenFill xmlns:a14="http://schemas.microsoft.com/office/drawing/2010/main">
                 <a:solidFill>
                   <a:srgbClr val="FFFFFF"/>
                 </a:solidFill>
               </a14:hiddenFill>
             </a:ext>
-            <a:ext uri="{91240B29-F687-4F45-9708-019B960494DF}">
+            <a:ext uri="{91240B29-F687-4f45-9708-019B960494DF}">
               <a14:hiddenLine xmlns:a14="http://schemas.microsoft.com/office/drawing/2010/main" w="9525">
                 <a:solidFill>
                   <a:srgbClr val="000000"/>
@@ -6040,7 +6210,7 @@
   <p:clrMapOvr>
     <a:masterClrMapping/>
   </p:clrMapOvr>
-  <p:transition>
+  <p:transition xmlns:p14="http://schemas.microsoft.com/office/powerpoint/2010/main">
     <p:zoom/>
   </p:transition>
 </p:sldLayout>
@@ -6269,7 +6439,7 @@
   <p:clrMapOvr>
     <a:masterClrMapping/>
   </p:clrMapOvr>
-  <p:transition spd="slow">
+  <p:transition xmlns:p14="http://schemas.microsoft.com/office/powerpoint/2010/main" spd="slow">
     <p:fade/>
   </p:transition>
 </p:sldLayout>
@@ -6326,14 +6496,14 @@
             <a:noFill/>
           </a:ln>
           <a:extLst>
-            <a:ext uri="{909E8E84-426E-40DD-AFC4-6F175D3DCCD1}">
+            <a:ext uri="{909E8E84-426E-40dd-AFC4-6F175D3DCCD1}">
               <a14:hiddenFill xmlns:a14="http://schemas.microsoft.com/office/drawing/2010/main">
                 <a:solidFill>
                   <a:srgbClr val="FFFFFF"/>
                 </a:solidFill>
               </a14:hiddenFill>
             </a:ext>
-            <a:ext uri="{91240B29-F687-4F45-9708-019B960494DF}">
+            <a:ext uri="{91240B29-F687-4f45-9708-019B960494DF}">
               <a14:hiddenLine xmlns:a14="http://schemas.microsoft.com/office/drawing/2010/main" w="9525">
                 <a:solidFill>
                   <a:srgbClr val="000000"/>
@@ -6469,14 +6639,14 @@
             <a:noFill/>
           </a:ln>
           <a:extLst>
-            <a:ext uri="{909E8E84-426E-40DD-AFC4-6F175D3DCCD1}">
+            <a:ext uri="{909E8E84-426E-40dd-AFC4-6F175D3DCCD1}">
               <a14:hiddenFill xmlns:a14="http://schemas.microsoft.com/office/drawing/2010/main">
                 <a:solidFill>
                   <a:srgbClr val="FFFFFF"/>
                 </a:solidFill>
               </a14:hiddenFill>
             </a:ext>
-            <a:ext uri="{91240B29-F687-4F45-9708-019B960494DF}">
+            <a:ext uri="{91240B29-F687-4f45-9708-019B960494DF}">
               <a14:hiddenLine xmlns:a14="http://schemas.microsoft.com/office/drawing/2010/main" w="9525">
                 <a:solidFill>
                   <a:srgbClr val="000000"/>
@@ -6523,14 +6693,14 @@
             <a:noFill/>
           </a:ln>
           <a:extLst>
-            <a:ext uri="{909E8E84-426E-40DD-AFC4-6F175D3DCCD1}">
+            <a:ext uri="{909E8E84-426E-40dd-AFC4-6F175D3DCCD1}">
               <a14:hiddenFill xmlns:a14="http://schemas.microsoft.com/office/drawing/2010/main">
                 <a:solidFill>
                   <a:srgbClr val="FFFFFF"/>
                 </a:solidFill>
               </a14:hiddenFill>
             </a:ext>
-            <a:ext uri="{91240B29-F687-4F45-9708-019B960494DF}">
+            <a:ext uri="{91240B29-F687-4f45-9708-019B960494DF}">
               <a14:hiddenLine xmlns:a14="http://schemas.microsoft.com/office/drawing/2010/main" w="9525">
                 <a:solidFill>
                   <a:srgbClr val="000000"/>
@@ -6799,7 +6969,7 @@
   <p:clrMapOvr>
     <a:masterClrMapping/>
   </p:clrMapOvr>
-  <p:transition>
+  <p:transition xmlns:p14="http://schemas.microsoft.com/office/powerpoint/2010/main">
     <p:zoom/>
   </p:transition>
 </p:sldLayout>
@@ -6856,14 +7026,14 @@
             <a:noFill/>
           </a:ln>
           <a:extLst>
-            <a:ext uri="{909E8E84-426E-40DD-AFC4-6F175D3DCCD1}">
+            <a:ext uri="{909E8E84-426E-40dd-AFC4-6F175D3DCCD1}">
               <a14:hiddenFill xmlns:a14="http://schemas.microsoft.com/office/drawing/2010/main">
                 <a:solidFill>
                   <a:srgbClr val="FFFFFF"/>
                 </a:solidFill>
               </a14:hiddenFill>
             </a:ext>
-            <a:ext uri="{91240B29-F687-4F45-9708-019B960494DF}">
+            <a:ext uri="{91240B29-F687-4f45-9708-019B960494DF}">
               <a14:hiddenLine xmlns:a14="http://schemas.microsoft.com/office/drawing/2010/main" w="9525">
                 <a:solidFill>
                   <a:srgbClr val="000000"/>
@@ -6999,14 +7169,14 @@
             <a:noFill/>
           </a:ln>
           <a:extLst>
-            <a:ext uri="{909E8E84-426E-40DD-AFC4-6F175D3DCCD1}">
+            <a:ext uri="{909E8E84-426E-40dd-AFC4-6F175D3DCCD1}">
               <a14:hiddenFill xmlns:a14="http://schemas.microsoft.com/office/drawing/2010/main">
                 <a:solidFill>
                   <a:srgbClr val="FFFFFF"/>
                 </a:solidFill>
               </a14:hiddenFill>
             </a:ext>
-            <a:ext uri="{91240B29-F687-4F45-9708-019B960494DF}">
+            <a:ext uri="{91240B29-F687-4f45-9708-019B960494DF}">
               <a14:hiddenLine xmlns:a14="http://schemas.microsoft.com/office/drawing/2010/main" w="9525">
                 <a:solidFill>
                   <a:srgbClr val="000000"/>
@@ -7053,14 +7223,14 @@
             <a:noFill/>
           </a:ln>
           <a:extLst>
-            <a:ext uri="{909E8E84-426E-40DD-AFC4-6F175D3DCCD1}">
+            <a:ext uri="{909E8E84-426E-40dd-AFC4-6F175D3DCCD1}">
               <a14:hiddenFill xmlns:a14="http://schemas.microsoft.com/office/drawing/2010/main">
                 <a:solidFill>
                   <a:srgbClr val="FFFFFF"/>
                 </a:solidFill>
               </a14:hiddenFill>
             </a:ext>
-            <a:ext uri="{91240B29-F687-4F45-9708-019B960494DF}">
+            <a:ext uri="{91240B29-F687-4f45-9708-019B960494DF}">
               <a14:hiddenLine xmlns:a14="http://schemas.microsoft.com/office/drawing/2010/main" w="9525">
                 <a:solidFill>
                   <a:srgbClr val="000000"/>
@@ -7329,7 +7499,7 @@
   <p:clrMapOvr>
     <a:masterClrMapping/>
   </p:clrMapOvr>
-  <p:transition>
+  <p:transition xmlns:p14="http://schemas.microsoft.com/office/powerpoint/2010/main">
     <p:zoom/>
   </p:transition>
   <p:hf hdr="0" ftr="0" dt="0"/>
@@ -7441,14 +7611,14 @@
             <a:noFill/>
           </a:ln>
           <a:extLst>
-            <a:ext uri="{909E8E84-426E-40DD-AFC4-6F175D3DCCD1}">
+            <a:ext uri="{909E8E84-426E-40dd-AFC4-6F175D3DCCD1}">
               <a14:hiddenFill xmlns:a14="http://schemas.microsoft.com/office/drawing/2010/main">
                 <a:solidFill>
                   <a:srgbClr val="FFFFFF"/>
                 </a:solidFill>
               </a14:hiddenFill>
             </a:ext>
-            <a:ext uri="{91240B29-F687-4F45-9708-019B960494DF}">
+            <a:ext uri="{91240B29-F687-4f45-9708-019B960494DF}">
               <a14:hiddenLine xmlns:a14="http://schemas.microsoft.com/office/drawing/2010/main" w="9525">
                 <a:solidFill>
                   <a:srgbClr val="000000"/>
@@ -7495,14 +7665,14 @@
             <a:noFill/>
           </a:ln>
           <a:extLst>
-            <a:ext uri="{909E8E84-426E-40DD-AFC4-6F175D3DCCD1}">
+            <a:ext uri="{909E8E84-426E-40dd-AFC4-6F175D3DCCD1}">
               <a14:hiddenFill xmlns:a14="http://schemas.microsoft.com/office/drawing/2010/main">
                 <a:solidFill>
                   <a:srgbClr val="FFFFFF"/>
                 </a:solidFill>
               </a14:hiddenFill>
             </a:ext>
-            <a:ext uri="{91240B29-F687-4F45-9708-019B960494DF}">
+            <a:ext uri="{91240B29-F687-4f45-9708-019B960494DF}">
               <a14:hiddenLine xmlns:a14="http://schemas.microsoft.com/office/drawing/2010/main" w="9525">
                 <a:solidFill>
                   <a:srgbClr val="000000"/>
@@ -7606,14 +7776,14 @@
             <a:noFill/>
           </a:ln>
           <a:extLst>
-            <a:ext uri="{909E8E84-426E-40DD-AFC4-6F175D3DCCD1}">
+            <a:ext uri="{909E8E84-426E-40dd-AFC4-6F175D3DCCD1}">
               <a14:hiddenFill xmlns:a14="http://schemas.microsoft.com/office/drawing/2010/main">
                 <a:solidFill>
                   <a:srgbClr val="FFFFFF"/>
                 </a:solidFill>
               </a14:hiddenFill>
             </a:ext>
-            <a:ext uri="{91240B29-F687-4F45-9708-019B960494DF}">
+            <a:ext uri="{91240B29-F687-4f45-9708-019B960494DF}">
               <a14:hiddenLine xmlns:a14="http://schemas.microsoft.com/office/drawing/2010/main" w="9525">
                 <a:solidFill>
                   <a:srgbClr val="000000"/>
@@ -7725,7 +7895,7 @@
   <p:clrMapOvr>
     <a:masterClrMapping/>
   </p:clrMapOvr>
-  <p:transition>
+  <p:transition xmlns:p14="http://schemas.microsoft.com/office/powerpoint/2010/main">
     <p:zoom/>
   </p:transition>
   <p:hf hdr="0" ftr="0" dt="0"/>
@@ -7839,7 +8009,7 @@
   <p:clrMapOvr>
     <a:masterClrMapping/>
   </p:clrMapOvr>
-  <p:transition>
+  <p:transition xmlns:p14="http://schemas.microsoft.com/office/powerpoint/2010/main">
     <p:zoom/>
   </p:transition>
   <p:hf hdr="0" ftr="0" dt="0"/>
@@ -9116,7 +9286,7 @@
   <p:clrMapOvr>
     <a:masterClrMapping/>
   </p:clrMapOvr>
-  <p:transition>
+  <p:transition xmlns:p14="http://schemas.microsoft.com/office/powerpoint/2010/main">
     <p:zoom/>
   </p:transition>
   <p:hf hdr="0" ftr="0" dt="0"/>
@@ -9917,7 +10087,7 @@
   <p:clrMapOvr>
     <a:masterClrMapping/>
   </p:clrMapOvr>
-  <p:transition>
+  <p:transition xmlns:p14="http://schemas.microsoft.com/office/powerpoint/2010/main">
     <p:zoom/>
   </p:transition>
   <p:hf hdr="0" ftr="0" dt="0"/>
@@ -10060,7 +10230,7 @@
   <p:clrMapOvr>
     <a:masterClrMapping/>
   </p:clrMapOvr>
-  <p:transition>
+  <p:transition xmlns:p14="http://schemas.microsoft.com/office/powerpoint/2010/main">
     <p:zoom/>
   </p:transition>
   <p:hf hdr="0" ftr="0" dt="0"/>
@@ -10213,7 +10383,7 @@
   <p:clrMapOvr>
     <a:masterClrMapping/>
   </p:clrMapOvr>
-  <p:transition>
+  <p:transition xmlns:p14="http://schemas.microsoft.com/office/powerpoint/2010/main">
     <p:zoom/>
   </p:transition>
   <p:hf hdr="0" ftr="0" dt="0"/>
@@ -10456,7 +10626,7 @@
   <p:clrMapOvr>
     <a:masterClrMapping/>
   </p:clrMapOvr>
-  <p:transition spd="slow">
+  <p:transition xmlns:p14="http://schemas.microsoft.com/office/powerpoint/2010/main" spd="slow">
     <p:fade/>
   </p:transition>
 </p:sldLayout>
@@ -10606,7 +10776,7 @@
   <p:clrMapOvr>
     <a:masterClrMapping/>
   </p:clrMapOvr>
-  <p:transition>
+  <p:transition xmlns:p14="http://schemas.microsoft.com/office/powerpoint/2010/main">
     <p:zoom/>
   </p:transition>
   <p:hf hdr="0" ftr="0" dt="0"/>
@@ -10664,14 +10834,14 @@
             <a:noFill/>
           </a:ln>
           <a:extLst>
-            <a:ext uri="{909E8E84-426E-40DD-AFC4-6F175D3DCCD1}">
+            <a:ext uri="{909E8E84-426E-40dd-AFC4-6F175D3DCCD1}">
               <a14:hiddenFill xmlns:a14="http://schemas.microsoft.com/office/drawing/2010/main">
                 <a:solidFill>
                   <a:srgbClr val="FFFFFF"/>
                 </a:solidFill>
               </a14:hiddenFill>
             </a:ext>
-            <a:ext uri="{91240B29-F687-4F45-9708-019B960494DF}">
+            <a:ext uri="{91240B29-F687-4f45-9708-019B960494DF}">
               <a14:hiddenLine xmlns:a14="http://schemas.microsoft.com/office/drawing/2010/main" w="9525">
                 <a:solidFill>
                   <a:srgbClr val="000000"/>
@@ -10774,14 +10944,14 @@
             <a:noFill/>
           </a:ln>
           <a:extLst>
-            <a:ext uri="{909E8E84-426E-40DD-AFC4-6F175D3DCCD1}">
+            <a:ext uri="{909E8E84-426E-40dd-AFC4-6F175D3DCCD1}">
               <a14:hiddenFill xmlns:a14="http://schemas.microsoft.com/office/drawing/2010/main">
                 <a:solidFill>
                   <a:srgbClr val="FFFFFF"/>
                 </a:solidFill>
               </a14:hiddenFill>
             </a:ext>
-            <a:ext uri="{91240B29-F687-4F45-9708-019B960494DF}">
+            <a:ext uri="{91240B29-F687-4f45-9708-019B960494DF}">
               <a14:hiddenLine xmlns:a14="http://schemas.microsoft.com/office/drawing/2010/main" w="9525">
                 <a:solidFill>
                   <a:srgbClr val="000000"/>
@@ -10828,14 +10998,14 @@
             <a:noFill/>
           </a:ln>
           <a:extLst>
-            <a:ext uri="{909E8E84-426E-40DD-AFC4-6F175D3DCCD1}">
+            <a:ext uri="{909E8E84-426E-40dd-AFC4-6F175D3DCCD1}">
               <a14:hiddenFill xmlns:a14="http://schemas.microsoft.com/office/drawing/2010/main">
                 <a:solidFill>
                   <a:srgbClr val="FFFFFF"/>
                 </a:solidFill>
               </a14:hiddenFill>
             </a:ext>
-            <a:ext uri="{91240B29-F687-4F45-9708-019B960494DF}">
+            <a:ext uri="{91240B29-F687-4f45-9708-019B960494DF}">
               <a14:hiddenLine xmlns:a14="http://schemas.microsoft.com/office/drawing/2010/main" w="9525">
                 <a:solidFill>
                   <a:srgbClr val="000000"/>
@@ -11138,7 +11308,7 @@
   <p:clrMapOvr>
     <a:masterClrMapping/>
   </p:clrMapOvr>
-  <p:transition>
+  <p:transition xmlns:p14="http://schemas.microsoft.com/office/powerpoint/2010/main">
     <p:zoom/>
   </p:transition>
   <p:hf hdr="0" ftr="0" dt="0"/>
@@ -11368,7 +11538,7 @@
   <p:clrMapOvr>
     <a:masterClrMapping/>
   </p:clrMapOvr>
-  <p:transition spd="slow">
+  <p:transition xmlns:p14="http://schemas.microsoft.com/office/powerpoint/2010/main" spd="slow">
     <p:fade/>
   </p:transition>
 </p:sldLayout>
@@ -11913,7 +12083,7 @@
   <p:clrMapOvr>
     <a:masterClrMapping/>
   </p:clrMapOvr>
-  <p:transition spd="slow">
+  <p:transition xmlns:p14="http://schemas.microsoft.com/office/powerpoint/2010/main" spd="slow">
     <p:fade/>
   </p:transition>
 </p:sldLayout>
@@ -12283,7 +12453,7 @@
   <p:clrMapOvr>
     <a:masterClrMapping/>
   </p:clrMapOvr>
-  <p:transition spd="slow">
+  <p:transition xmlns:p14="http://schemas.microsoft.com/office/powerpoint/2010/main" spd="slow">
     <p:fade/>
   </p:transition>
 </p:sldLayout>
@@ -12953,7 +13123,7 @@
   <p:clrMapOvr>
     <a:masterClrMapping/>
   </p:clrMapOvr>
-  <p:transition spd="slow">
+  <p:transition xmlns:p14="http://schemas.microsoft.com/office/powerpoint/2010/main" spd="slow">
     <p:fade/>
   </p:transition>
 </p:sldLayout>
@@ -13278,7 +13448,7 @@
   <p:clrMapOvr>
     <a:masterClrMapping/>
   </p:clrMapOvr>
-  <p:transition spd="slow">
+  <p:transition xmlns:p14="http://schemas.microsoft.com/office/powerpoint/2010/main" spd="slow">
     <p:fade/>
   </p:transition>
 </p:sldLayout>
@@ -13688,7 +13858,7 @@
   <p:clrMapOvr>
     <a:masterClrMapping/>
   </p:clrMapOvr>
-  <p:transition spd="slow">
+  <p:transition xmlns:p14="http://schemas.microsoft.com/office/powerpoint/2010/main" spd="slow">
     <p:fade/>
   </p:transition>
 </p:sldLayout>
@@ -14013,7 +14183,7 @@
   <p:clrMapOvr>
     <a:masterClrMapping/>
   </p:clrMapOvr>
-  <p:transition spd="slow">
+  <p:transition xmlns:p14="http://schemas.microsoft.com/office/powerpoint/2010/main" spd="slow">
     <p:fade/>
   </p:transition>
 </p:sldLayout>
@@ -14078,14 +14248,14 @@
             <a:noFill/>
           </a:ln>
           <a:extLst>
-            <a:ext uri="{909E8E84-426E-40DD-AFC4-6F175D3DCCD1}">
+            <a:ext uri="{909E8E84-426E-40dd-AFC4-6F175D3DCCD1}">
               <a14:hiddenFill xmlns:a14="http://schemas.microsoft.com/office/drawing/2010/main">
                 <a:solidFill>
                   <a:srgbClr val="FFFFFF"/>
                 </a:solidFill>
               </a14:hiddenFill>
             </a:ext>
-            <a:ext uri="{91240B29-F687-4F45-9708-019B960494DF}">
+            <a:ext uri="{91240B29-F687-4f45-9708-019B960494DF}">
               <a14:hiddenLine xmlns:a14="http://schemas.microsoft.com/office/drawing/2010/main" w="9525">
                 <a:solidFill>
                   <a:srgbClr val="000000"/>
@@ -14121,14 +14291,14 @@
             <a:noFill/>
           </a:ln>
           <a:extLst>
-            <a:ext uri="{909E8E84-426E-40DD-AFC4-6F175D3DCCD1}">
+            <a:ext uri="{909E8E84-426E-40dd-AFC4-6F175D3DCCD1}">
               <a14:hiddenFill xmlns:a14="http://schemas.microsoft.com/office/drawing/2010/main">
                 <a:solidFill>
                   <a:srgbClr val="FFFFFF"/>
                 </a:solidFill>
               </a14:hiddenFill>
             </a:ext>
-            <a:ext uri="{91240B29-F687-4F45-9708-019B960494DF}">
+            <a:ext uri="{91240B29-F687-4f45-9708-019B960494DF}">
               <a14:hiddenLine xmlns:a14="http://schemas.microsoft.com/office/drawing/2010/main" w="9525">
                 <a:solidFill>
                   <a:srgbClr val="000000"/>
@@ -14139,7 +14309,7 @@
               </a14:hiddenLine>
             </a:ext>
             <a:ext uri="{FAA26D3D-D897-4be2-8F04-BA451C77F1D7}">
-              <ma14:placeholderFlag xmlns:ma14="http://schemas.microsoft.com/office/mac/drawingml/2011/main" xmlns="" val="1"/>
+              <ma14:placeholderFlag xmlns:ma14="http://schemas.microsoft.com/office/mac/drawingml/2011/main" val="1"/>
             </a:ext>
           </a:extLst>
         </p:spPr>
@@ -14182,14 +14352,14 @@
             <a:noFill/>
           </a:ln>
           <a:extLst>
-            <a:ext uri="{909E8E84-426E-40DD-AFC4-6F175D3DCCD1}">
+            <a:ext uri="{909E8E84-426E-40dd-AFC4-6F175D3DCCD1}">
               <a14:hiddenFill xmlns:a14="http://schemas.microsoft.com/office/drawing/2010/main">
                 <a:solidFill>
                   <a:srgbClr val="FFFFFF"/>
                 </a:solidFill>
               </a14:hiddenFill>
             </a:ext>
-            <a:ext uri="{91240B29-F687-4F45-9708-019B960494DF}">
+            <a:ext uri="{91240B29-F687-4f45-9708-019B960494DF}">
               <a14:hiddenLine xmlns:a14="http://schemas.microsoft.com/office/drawing/2010/main" w="9525">
                 <a:solidFill>
                   <a:srgbClr val="000000"/>
@@ -14200,7 +14370,7 @@
               </a14:hiddenLine>
             </a:ext>
             <a:ext uri="{FAA26D3D-D897-4be2-8F04-BA451C77F1D7}">
-              <ma14:placeholderFlag xmlns:ma14="http://schemas.microsoft.com/office/mac/drawingml/2011/main" xmlns="" val="1"/>
+              <ma14:placeholderFlag xmlns:ma14="http://schemas.microsoft.com/office/mac/drawingml/2011/main" val="1"/>
             </a:ext>
           </a:extLst>
         </p:spPr>
@@ -14282,14 +14452,14 @@
             <a:noFill/>
           </a:ln>
           <a:extLst>
-            <a:ext uri="{909E8E84-426E-40DD-AFC4-6F175D3DCCD1}">
+            <a:ext uri="{909E8E84-426E-40dd-AFC4-6F175D3DCCD1}">
               <a14:hiddenFill xmlns:a14="http://schemas.microsoft.com/office/drawing/2010/main">
                 <a:solidFill>
                   <a:srgbClr val="FFFFFF"/>
                 </a:solidFill>
               </a14:hiddenFill>
             </a:ext>
-            <a:ext uri="{91240B29-F687-4F45-9708-019B960494DF}">
+            <a:ext uri="{91240B29-F687-4f45-9708-019B960494DF}">
               <a14:hiddenLine xmlns:a14="http://schemas.microsoft.com/office/drawing/2010/main" w="9525">
                 <a:solidFill>
                   <a:srgbClr val="000000"/>
@@ -14515,14 +14685,14 @@
             <a:noFill/>
           </a:ln>
           <a:extLst>
-            <a:ext uri="{909E8E84-426E-40DD-AFC4-6F175D3DCCD1}">
+            <a:ext uri="{909E8E84-426E-40dd-AFC4-6F175D3DCCD1}">
               <a14:hiddenFill xmlns:a14="http://schemas.microsoft.com/office/drawing/2010/main">
                 <a:solidFill>
                   <a:srgbClr val="FFFFFF"/>
                 </a:solidFill>
               </a14:hiddenFill>
             </a:ext>
-            <a:ext uri="{91240B29-F687-4F45-9708-019B960494DF}">
+            <a:ext uri="{91240B29-F687-4f45-9708-019B960494DF}">
               <a14:hiddenLine xmlns:a14="http://schemas.microsoft.com/office/drawing/2010/main" w="9525">
                 <a:solidFill>
                   <a:srgbClr val="000000"/>
@@ -14566,7 +14736,7 @@
     <p:sldLayoutId id="2147483681" r:id="rId20"/>
     <p:sldLayoutId id="2147483693" r:id="rId21"/>
   </p:sldLayoutIdLst>
-  <p:transition spd="slow">
+  <p:transition xmlns:p14="http://schemas.microsoft.com/office/powerpoint/2010/main" spd="slow">
     <p:fade/>
   </p:transition>
   <p:hf hdr="0" ftr="0" dt="0"/>
@@ -15108,14 +15278,14 @@
             <a:noFill/>
           </a:ln>
           <a:extLst>
-            <a:ext uri="{909E8E84-426E-40DD-AFC4-6F175D3DCCD1}">
+            <a:ext uri="{909E8E84-426E-40dd-AFC4-6F175D3DCCD1}">
               <a14:hiddenFill xmlns:a14="http://schemas.microsoft.com/office/drawing/2010/main">
                 <a:solidFill>
                   <a:srgbClr val="FFFFFF"/>
                 </a:solidFill>
               </a14:hiddenFill>
             </a:ext>
-            <a:ext uri="{91240B29-F687-4F45-9708-019B960494DF}">
+            <a:ext uri="{91240B29-F687-4f45-9708-019B960494DF}">
               <a14:hiddenLine xmlns:a14="http://schemas.microsoft.com/office/drawing/2010/main" w="9525">
                 <a:solidFill>
                   <a:srgbClr val="000000"/>
@@ -15126,7 +15296,7 @@
               </a14:hiddenLine>
             </a:ext>
             <a:ext uri="{FAA26D3D-D897-4be2-8F04-BA451C77F1D7}">
-              <ma14:placeholderFlag xmlns:ma14="http://schemas.microsoft.com/office/mac/drawingml/2011/main" xmlns="" val="1"/>
+              <ma14:placeholderFlag xmlns:ma14="http://schemas.microsoft.com/office/mac/drawingml/2011/main" val="1"/>
             </a:ext>
           </a:extLst>
         </p:spPr>
@@ -15347,14 +15517,14 @@
             <a:noFill/>
           </a:ln>
           <a:extLst>
-            <a:ext uri="{909E8E84-426E-40DD-AFC4-6F175D3DCCD1}">
+            <a:ext uri="{909E8E84-426E-40dd-AFC4-6F175D3DCCD1}">
               <a14:hiddenFill xmlns:a14="http://schemas.microsoft.com/office/drawing/2010/main">
                 <a:solidFill>
                   <a:srgbClr val="FFFFFF"/>
                 </a:solidFill>
               </a14:hiddenFill>
             </a:ext>
-            <a:ext uri="{91240B29-F687-4F45-9708-019B960494DF}">
+            <a:ext uri="{91240B29-F687-4f45-9708-019B960494DF}">
               <a14:hiddenLine xmlns:a14="http://schemas.microsoft.com/office/drawing/2010/main" w="9525">
                 <a:solidFill>
                   <a:srgbClr val="000000"/>
@@ -15516,14 +15686,14 @@
             <a:noFill/>
           </a:ln>
           <a:extLst>
-            <a:ext uri="{909E8E84-426E-40DD-AFC4-6F175D3DCCD1}">
+            <a:ext uri="{909E8E84-426E-40dd-AFC4-6F175D3DCCD1}">
               <a14:hiddenFill xmlns:a14="http://schemas.microsoft.com/office/drawing/2010/main">
                 <a:solidFill>
                   <a:srgbClr val="FFFFFF"/>
                 </a:solidFill>
               </a14:hiddenFill>
             </a:ext>
-            <a:ext uri="{91240B29-F687-4F45-9708-019B960494DF}">
+            <a:ext uri="{91240B29-F687-4f45-9708-019B960494DF}">
               <a14:hiddenLine xmlns:a14="http://schemas.microsoft.com/office/drawing/2010/main" w="9525">
                 <a:solidFill>
                   <a:srgbClr val="000000"/>
@@ -15534,7 +15704,7 @@
               </a14:hiddenLine>
             </a:ext>
             <a:ext uri="{FAA26D3D-D897-4be2-8F04-BA451C77F1D7}">
-              <ma14:placeholderFlag xmlns:ma14="http://schemas.microsoft.com/office/mac/drawingml/2011/main" xmlns="" val="1"/>
+              <ma14:placeholderFlag xmlns:ma14="http://schemas.microsoft.com/office/mac/drawingml/2011/main" val="1"/>
             </a:ext>
           </a:extLst>
         </p:spPr>
@@ -15768,14 +15938,14 @@
             <a:noFill/>
           </a:ln>
           <a:extLst>
-            <a:ext uri="{909E8E84-426E-40DD-AFC4-6F175D3DCCD1}">
+            <a:ext uri="{909E8E84-426E-40dd-AFC4-6F175D3DCCD1}">
               <a14:hiddenFill xmlns:a14="http://schemas.microsoft.com/office/drawing/2010/main">
                 <a:solidFill>
                   <a:srgbClr val="FFFFFF"/>
                 </a:solidFill>
               </a14:hiddenFill>
             </a:ext>
-            <a:ext uri="{91240B29-F687-4F45-9708-019B960494DF}">
+            <a:ext uri="{91240B29-F687-4f45-9708-019B960494DF}">
               <a14:hiddenLine xmlns:a14="http://schemas.microsoft.com/office/drawing/2010/main" w="9525">
                 <a:solidFill>
                   <a:srgbClr val="000000"/>
@@ -15805,13 +15975,13 @@
     <p:sldLayoutId id="2147483705" r:id="rId11"/>
     <p:sldLayoutId id="2147483706" r:id="rId12"/>
   </p:sldLayoutIdLst>
-  <p:transition spd="slow">
+  <p:transition xmlns:p14="http://schemas.microsoft.com/office/powerpoint/2010/main" spd="slow">
     <p:fade/>
   </p:transition>
   <p:timing>
     <p:tnLst>
       <p:par>
-        <p:cTn id="1" dur="indefinite" restart="never" nodeType="tmRoot"/>
+        <p:cTn xmlns:p14="http://schemas.microsoft.com/office/powerpoint/2010/main" id="1" dur="indefinite" restart="never" nodeType="tmRoot"/>
       </p:par>
     </p:tnLst>
   </p:timing>
@@ -16319,18 +16489,18 @@
   <p:clrMapOvr>
     <a:masterClrMapping/>
   </p:clrMapOvr>
-  <mc:AlternateContent xmlns:mc="http://schemas.openxmlformats.org/markup-compatibility/2006">
-    <mc:Choice xmlns:p14="http://schemas.microsoft.com/office/powerpoint/2010/main" Requires="p14">
+  <mc:AlternateContent xmlns:mc="http://schemas.openxmlformats.org/markup-compatibility/2006" xmlns:p14="http://schemas.microsoft.com/office/powerpoint/2010/main">
+    <mc:Choice Requires="p14">
       <p:transition p14:dur="0"/>
     </mc:Choice>
-    <mc:Fallback>
+    <mc:Fallback xmlns="">
       <p:transition/>
     </mc:Fallback>
   </mc:AlternateContent>
   <p:timing>
     <p:tnLst>
       <p:par>
-        <p:cTn id="1" dur="indefinite" restart="never" nodeType="tmRoot"/>
+        <p:cTn xmlns:p14="http://schemas.microsoft.com/office/powerpoint/2010/main" id="1" dur="indefinite" restart="never" nodeType="tmRoot"/>
       </p:par>
     </p:tnLst>
   </p:timing>
@@ -16379,59 +16549,813 @@
       </p:sp>
       <p:sp>
         <p:nvSpPr>
-          <p:cNvPr id="5" name="Rectangle 4"/>
-          <p:cNvSpPr>
-            <a:spLocks noChangeArrowheads="1"/>
-          </p:cNvSpPr>
-          <p:nvPr>
-            <p:custDataLst>
-              <p:tags r:id="rId1"/>
-            </p:custDataLst>
-          </p:nvPr>
+          <p:cNvPr id="7" name="Rectangle 6"/>
+          <p:cNvSpPr/>
+          <p:nvPr/>
         </p:nvSpPr>
-        <p:spPr bwMode="auto">
+        <p:spPr>
           <a:xfrm>
-            <a:off x="2000878" y="2478197"/>
-            <a:ext cx="5023841" cy="516612"/>
+            <a:off x="381000" y="1143000"/>
+            <a:ext cx="9699625" cy="5755423"/>
           </a:xfrm>
           <a:prstGeom prst="rect">
             <a:avLst/>
           </a:prstGeom>
-          <a:noFill/>
-          <a:ln w="19050">
-            <a:noFill/>
-            <a:miter lim="800000"/>
-            <a:headEnd/>
-            <a:tailEnd/>
-          </a:ln>
         </p:spPr>
         <p:txBody>
-          <a:bodyPr wrap="square" lIns="93296" tIns="144000" rIns="93296" bIns="93296">
+          <a:bodyPr wrap="square">
             <a:spAutoFit/>
           </a:bodyPr>
           <a:lstStyle/>
           <a:p>
-            <a:pPr marL="287338" indent="-287338" defTabSz="803275">
-              <a:buClr>
-                <a:srgbClr val="FF6600"/>
-              </a:buClr>
-              <a:buSzPct val="125000"/>
-              <a:buFont typeface="Wingdings" charset="0"/>
-              <a:buChar char="§"/>
-            </a:pPr>
-            <a:r>
-              <a:rPr lang="en-US" dirty="0" smtClean="0">
-                <a:solidFill>
-                  <a:schemeClr val="accent4"/>
-                </a:solidFill>
-              </a:rPr>
-              <a:t>TBD</a:t>
-            </a:r>
-            <a:endParaRPr lang="ru-RU" dirty="0">
+            <a:r>
+              <a:rPr lang="en-US" sz="1600" b="1" dirty="0">
+                <a:solidFill>
+                  <a:srgbClr val="000080"/>
+                </a:solidFill>
+                <a:latin typeface="Menlo"/>
+              </a:rPr>
+              <a:t>public class</a:t>
+            </a:r>
+            <a:r>
+              <a:rPr lang="en-US" sz="1600" dirty="0">
+                <a:solidFill>
+                  <a:srgbClr val="000080"/>
+                </a:solidFill>
+                <a:latin typeface="Menlo"/>
+              </a:rPr>
+              <a:t> </a:t>
+            </a:r>
+            <a:r>
+              <a:rPr lang="en-US" sz="1600" dirty="0" err="1">
+                <a:solidFill>
+                  <a:srgbClr val="000000"/>
+                </a:solidFill>
+                <a:latin typeface="Menlo"/>
+              </a:rPr>
+              <a:t>MathTest</a:t>
+            </a:r>
+            <a:r>
+              <a:rPr lang="en-US" sz="1600" dirty="0">
+                <a:solidFill>
+                  <a:srgbClr val="000000"/>
+                </a:solidFill>
+                <a:latin typeface="Menlo"/>
+              </a:rPr>
+              <a:t> </a:t>
+            </a:r>
+            <a:r>
+              <a:rPr lang="en-US" sz="1600" dirty="0" smtClean="0">
+                <a:solidFill>
+                  <a:srgbClr val="000000"/>
+                </a:solidFill>
+                <a:latin typeface="Menlo"/>
+              </a:rPr>
+              <a:t>{</a:t>
+            </a:r>
+          </a:p>
+          <a:p>
+            <a:endParaRPr lang="en-US" sz="1600" dirty="0">
               <a:solidFill>
-                <a:schemeClr val="accent4"/>
+                <a:srgbClr val="000000"/>
               </a:solidFill>
+              <a:latin typeface="Menlo"/>
             </a:endParaRPr>
+          </a:p>
+          <a:p>
+            <a:r>
+              <a:rPr lang="en-US" sz="1600" dirty="0">
+                <a:latin typeface="Menlo"/>
+              </a:rPr>
+              <a:t>    </a:t>
+            </a:r>
+            <a:r>
+              <a:rPr lang="en-US" sz="1600" dirty="0">
+                <a:solidFill>
+                  <a:srgbClr val="808000"/>
+                </a:solidFill>
+                <a:latin typeface="Menlo"/>
+              </a:rPr>
+              <a:t>@</a:t>
+            </a:r>
+            <a:r>
+              <a:rPr lang="en-US" sz="1600" dirty="0" err="1">
+                <a:solidFill>
+                  <a:srgbClr val="808000"/>
+                </a:solidFill>
+                <a:latin typeface="Menlo"/>
+              </a:rPr>
+              <a:t>BeforeClass</a:t>
+            </a:r>
+            <a:endParaRPr lang="en-US" sz="1600" dirty="0">
+              <a:solidFill>
+                <a:srgbClr val="808000"/>
+              </a:solidFill>
+              <a:latin typeface="Menlo"/>
+            </a:endParaRPr>
+          </a:p>
+          <a:p>
+            <a:r>
+              <a:rPr lang="en-US" sz="1600" dirty="0">
+                <a:latin typeface="Menlo"/>
+              </a:rPr>
+              <a:t>    </a:t>
+            </a:r>
+            <a:r>
+              <a:rPr lang="en-US" sz="1600" b="1" dirty="0">
+                <a:solidFill>
+                  <a:srgbClr val="000080"/>
+                </a:solidFill>
+                <a:latin typeface="Menlo"/>
+              </a:rPr>
+              <a:t>public static</a:t>
+            </a:r>
+            <a:r>
+              <a:rPr lang="en-US" sz="1600" dirty="0">
+                <a:solidFill>
+                  <a:srgbClr val="000080"/>
+                </a:solidFill>
+                <a:latin typeface="Menlo"/>
+              </a:rPr>
+              <a:t> </a:t>
+            </a:r>
+            <a:r>
+              <a:rPr lang="en-US" sz="1600" dirty="0">
+                <a:solidFill>
+                  <a:srgbClr val="4C73A6"/>
+                </a:solidFill>
+                <a:latin typeface="Menlo"/>
+              </a:rPr>
+              <a:t>void </a:t>
+            </a:r>
+            <a:r>
+              <a:rPr lang="en-US" sz="1600" dirty="0" err="1">
+                <a:solidFill>
+                  <a:srgbClr val="000000"/>
+                </a:solidFill>
+                <a:latin typeface="Menlo"/>
+              </a:rPr>
+              <a:t>runsBeforeSuite</a:t>
+            </a:r>
+            <a:r>
+              <a:rPr lang="en-US" sz="1600" dirty="0">
+                <a:solidFill>
+                  <a:srgbClr val="000000"/>
+                </a:solidFill>
+                <a:latin typeface="Menlo"/>
+              </a:rPr>
+              <a:t>() {</a:t>
+            </a:r>
+          </a:p>
+          <a:p>
+            <a:r>
+              <a:rPr lang="ro-RO" sz="1600" dirty="0">
+                <a:latin typeface="Menlo"/>
+              </a:rPr>
+              <a:t>        </a:t>
+            </a:r>
+            <a:r>
+              <a:rPr lang="ro-RO" sz="1600" dirty="0">
+                <a:solidFill>
+                  <a:srgbClr val="0000B3"/>
+                </a:solidFill>
+                <a:latin typeface="Menlo"/>
+              </a:rPr>
+              <a:t>System</a:t>
+            </a:r>
+            <a:r>
+              <a:rPr lang="ro-RO" sz="1600" dirty="0">
+                <a:solidFill>
+                  <a:srgbClr val="000000"/>
+                </a:solidFill>
+                <a:latin typeface="Menlo"/>
+              </a:rPr>
+              <a:t>.out.println(</a:t>
+            </a:r>
+            <a:r>
+              <a:rPr lang="ro-RO" sz="1600" b="1" dirty="0" smtClean="0">
+                <a:solidFill>
+                  <a:srgbClr val="009900"/>
+                </a:solidFill>
+                <a:latin typeface="Menlo"/>
+              </a:rPr>
+              <a:t>"</a:t>
+            </a:r>
+            <a:r>
+              <a:rPr lang="ru-RU" sz="1600" b="1" dirty="0">
+                <a:solidFill>
+                  <a:srgbClr val="009900"/>
+                </a:solidFill>
+                <a:latin typeface="Menlo"/>
+              </a:rPr>
+              <a:t>Я запустился перед выполнением </a:t>
+            </a:r>
+            <a:r>
+              <a:rPr lang="ru-RU" sz="1600" b="1" dirty="0" smtClean="0">
+                <a:solidFill>
+                  <a:srgbClr val="009900"/>
+                </a:solidFill>
+                <a:latin typeface="Menlo"/>
+              </a:rPr>
+              <a:t>тестов</a:t>
+            </a:r>
+            <a:r>
+              <a:rPr lang="ro-RO" sz="1600" b="1" dirty="0" smtClean="0">
+                <a:solidFill>
+                  <a:srgbClr val="009900"/>
+                </a:solidFill>
+                <a:latin typeface="Menlo"/>
+              </a:rPr>
+              <a:t>"</a:t>
+            </a:r>
+            <a:r>
+              <a:rPr lang="ro-RO" sz="1600" dirty="0">
+                <a:solidFill>
+                  <a:srgbClr val="000000"/>
+                </a:solidFill>
+                <a:latin typeface="Menlo"/>
+              </a:rPr>
+              <a:t>);</a:t>
+            </a:r>
+          </a:p>
+          <a:p>
+            <a:r>
+              <a:rPr lang="en-US" sz="1600" dirty="0">
+                <a:latin typeface="Menlo"/>
+              </a:rPr>
+              <a:t>    </a:t>
+            </a:r>
+            <a:r>
+              <a:rPr lang="en-US" sz="1600" dirty="0">
+                <a:solidFill>
+                  <a:srgbClr val="000000"/>
+                </a:solidFill>
+                <a:latin typeface="Menlo"/>
+              </a:rPr>
+              <a:t>}</a:t>
+            </a:r>
+          </a:p>
+          <a:p>
+            <a:endParaRPr lang="en-US" sz="1600" dirty="0">
+              <a:latin typeface="Menlo"/>
+            </a:endParaRPr>
+          </a:p>
+          <a:p>
+            <a:r>
+              <a:rPr lang="en-US" sz="1600" dirty="0">
+                <a:latin typeface="Menlo"/>
+              </a:rPr>
+              <a:t>    </a:t>
+            </a:r>
+            <a:r>
+              <a:rPr lang="en-US" sz="1600" dirty="0">
+                <a:solidFill>
+                  <a:srgbClr val="808000"/>
+                </a:solidFill>
+                <a:latin typeface="Menlo"/>
+              </a:rPr>
+              <a:t>@Before</a:t>
+            </a:r>
+          </a:p>
+          <a:p>
+            <a:r>
+              <a:rPr lang="en-US" sz="1600" dirty="0">
+                <a:latin typeface="Menlo"/>
+              </a:rPr>
+              <a:t>    </a:t>
+            </a:r>
+            <a:r>
+              <a:rPr lang="en-US" sz="1600" b="1" dirty="0">
+                <a:solidFill>
+                  <a:srgbClr val="000080"/>
+                </a:solidFill>
+                <a:latin typeface="Menlo"/>
+              </a:rPr>
+              <a:t>public</a:t>
+            </a:r>
+            <a:r>
+              <a:rPr lang="en-US" sz="1600" dirty="0">
+                <a:solidFill>
+                  <a:srgbClr val="000080"/>
+                </a:solidFill>
+                <a:latin typeface="Menlo"/>
+              </a:rPr>
+              <a:t> </a:t>
+            </a:r>
+            <a:r>
+              <a:rPr lang="en-US" sz="1600" dirty="0">
+                <a:solidFill>
+                  <a:srgbClr val="4C73A6"/>
+                </a:solidFill>
+                <a:latin typeface="Menlo"/>
+              </a:rPr>
+              <a:t>void </a:t>
+            </a:r>
+            <a:r>
+              <a:rPr lang="en-US" sz="1600" dirty="0" err="1">
+                <a:solidFill>
+                  <a:srgbClr val="000000"/>
+                </a:solidFill>
+                <a:latin typeface="Menlo"/>
+              </a:rPr>
+              <a:t>runsBeforeTest</a:t>
+            </a:r>
+            <a:r>
+              <a:rPr lang="en-US" sz="1600" dirty="0">
+                <a:solidFill>
+                  <a:srgbClr val="000000"/>
+                </a:solidFill>
+                <a:latin typeface="Menlo"/>
+              </a:rPr>
+              <a:t>() {</a:t>
+            </a:r>
+          </a:p>
+          <a:p>
+            <a:r>
+              <a:rPr lang="ro-RO" sz="1600" dirty="0">
+                <a:latin typeface="Menlo"/>
+              </a:rPr>
+              <a:t>        </a:t>
+            </a:r>
+            <a:r>
+              <a:rPr lang="ro-RO" sz="1600" dirty="0">
+                <a:solidFill>
+                  <a:srgbClr val="0000B3"/>
+                </a:solidFill>
+                <a:latin typeface="Menlo"/>
+              </a:rPr>
+              <a:t>System</a:t>
+            </a:r>
+            <a:r>
+              <a:rPr lang="ro-RO" sz="1600" dirty="0">
+                <a:solidFill>
+                  <a:srgbClr val="000000"/>
+                </a:solidFill>
+                <a:latin typeface="Menlo"/>
+              </a:rPr>
+              <a:t>.out.println(</a:t>
+            </a:r>
+            <a:r>
+              <a:rPr lang="ro-RO" sz="1600" b="1" dirty="0" smtClean="0">
+                <a:solidFill>
+                  <a:srgbClr val="009900"/>
+                </a:solidFill>
+                <a:latin typeface="Menlo"/>
+              </a:rPr>
+              <a:t>"</a:t>
+            </a:r>
+            <a:r>
+              <a:rPr lang="ru-RU" sz="1600" b="1" dirty="0">
+                <a:solidFill>
+                  <a:srgbClr val="009900"/>
+                </a:solidFill>
+                <a:latin typeface="Menlo"/>
+              </a:rPr>
+              <a:t>Я запускаюсь перед каждым тестом</a:t>
+            </a:r>
+            <a:r>
+              <a:rPr lang="ro-RO" sz="1600" b="1" dirty="0" smtClean="0">
+                <a:solidFill>
+                  <a:srgbClr val="009900"/>
+                </a:solidFill>
+                <a:latin typeface="Menlo"/>
+              </a:rPr>
+              <a:t>"</a:t>
+            </a:r>
+            <a:r>
+              <a:rPr lang="ro-RO" sz="1600" dirty="0">
+                <a:solidFill>
+                  <a:srgbClr val="000000"/>
+                </a:solidFill>
+                <a:latin typeface="Menlo"/>
+              </a:rPr>
+              <a:t>);</a:t>
+            </a:r>
+          </a:p>
+          <a:p>
+            <a:r>
+              <a:rPr lang="en-US" sz="1600" dirty="0">
+                <a:latin typeface="Menlo"/>
+              </a:rPr>
+              <a:t>    </a:t>
+            </a:r>
+            <a:r>
+              <a:rPr lang="en-US" sz="1600" dirty="0">
+                <a:solidFill>
+                  <a:srgbClr val="000000"/>
+                </a:solidFill>
+                <a:latin typeface="Menlo"/>
+              </a:rPr>
+              <a:t>}</a:t>
+            </a:r>
+          </a:p>
+          <a:p>
+            <a:endParaRPr lang="en-US" sz="1600" dirty="0">
+              <a:latin typeface="Menlo"/>
+            </a:endParaRPr>
+          </a:p>
+          <a:p>
+            <a:r>
+              <a:rPr lang="en-US" sz="1600" dirty="0">
+                <a:latin typeface="Menlo"/>
+              </a:rPr>
+              <a:t>    </a:t>
+            </a:r>
+            <a:r>
+              <a:rPr lang="en-US" sz="1600" dirty="0">
+                <a:solidFill>
+                  <a:srgbClr val="808000"/>
+                </a:solidFill>
+                <a:latin typeface="Menlo"/>
+              </a:rPr>
+              <a:t>@Test</a:t>
+            </a:r>
+          </a:p>
+          <a:p>
+            <a:r>
+              <a:rPr lang="en-US" sz="1600" dirty="0">
+                <a:latin typeface="Menlo"/>
+              </a:rPr>
+              <a:t>    </a:t>
+            </a:r>
+            <a:r>
+              <a:rPr lang="en-US" sz="1600" b="1" dirty="0">
+                <a:solidFill>
+                  <a:srgbClr val="000080"/>
+                </a:solidFill>
+                <a:latin typeface="Menlo"/>
+              </a:rPr>
+              <a:t>public static</a:t>
+            </a:r>
+            <a:r>
+              <a:rPr lang="en-US" sz="1600" dirty="0">
+                <a:solidFill>
+                  <a:srgbClr val="000080"/>
+                </a:solidFill>
+                <a:latin typeface="Menlo"/>
+              </a:rPr>
+              <a:t> </a:t>
+            </a:r>
+            <a:r>
+              <a:rPr lang="en-US" sz="1600" dirty="0">
+                <a:solidFill>
+                  <a:srgbClr val="4C73A6"/>
+                </a:solidFill>
+                <a:latin typeface="Menlo"/>
+              </a:rPr>
+              <a:t>void </a:t>
+            </a:r>
+            <a:r>
+              <a:rPr lang="en-US" sz="1600" dirty="0" err="1">
+                <a:solidFill>
+                  <a:srgbClr val="000000"/>
+                </a:solidFill>
+                <a:latin typeface="Menlo"/>
+              </a:rPr>
+              <a:t>someTestMethod</a:t>
+            </a:r>
+            <a:r>
+              <a:rPr lang="en-US" sz="1600" dirty="0">
+                <a:solidFill>
+                  <a:srgbClr val="000000"/>
+                </a:solidFill>
+                <a:latin typeface="Menlo"/>
+              </a:rPr>
+              <a:t>() {</a:t>
+            </a:r>
+          </a:p>
+          <a:p>
+            <a:r>
+              <a:rPr lang="it-IT" sz="1600" dirty="0">
+                <a:latin typeface="Menlo"/>
+              </a:rPr>
+              <a:t>        </a:t>
+            </a:r>
+            <a:r>
+              <a:rPr lang="it-IT" sz="1600" dirty="0" err="1">
+                <a:solidFill>
+                  <a:srgbClr val="000000"/>
+                </a:solidFill>
+                <a:latin typeface="Menlo"/>
+              </a:rPr>
+              <a:t>assertEquals</a:t>
+            </a:r>
+            <a:r>
+              <a:rPr lang="it-IT" sz="1600" dirty="0">
+                <a:solidFill>
+                  <a:srgbClr val="000000"/>
+                </a:solidFill>
+                <a:latin typeface="Menlo"/>
+              </a:rPr>
+              <a:t>(</a:t>
+            </a:r>
+            <a:r>
+              <a:rPr lang="it-IT" sz="1600" dirty="0">
+                <a:solidFill>
+                  <a:srgbClr val="0000FF"/>
+                </a:solidFill>
+                <a:latin typeface="Menlo"/>
+              </a:rPr>
+              <a:t>4</a:t>
+            </a:r>
+            <a:r>
+              <a:rPr lang="it-IT" sz="1600" dirty="0">
+                <a:solidFill>
+                  <a:srgbClr val="000000"/>
+                </a:solidFill>
+                <a:latin typeface="Menlo"/>
+              </a:rPr>
+              <a:t>, </a:t>
+            </a:r>
+            <a:r>
+              <a:rPr lang="it-IT" sz="1600" dirty="0">
+                <a:solidFill>
+                  <a:srgbClr val="0000FF"/>
+                </a:solidFill>
+                <a:latin typeface="Menlo"/>
+              </a:rPr>
+              <a:t>2 </a:t>
+            </a:r>
+            <a:r>
+              <a:rPr lang="it-IT" sz="1600" dirty="0">
+                <a:solidFill>
+                  <a:srgbClr val="000000"/>
+                </a:solidFill>
+                <a:latin typeface="Menlo"/>
+              </a:rPr>
+              <a:t>+ </a:t>
+            </a:r>
+            <a:r>
+              <a:rPr lang="it-IT" sz="1600" dirty="0">
+                <a:solidFill>
+                  <a:srgbClr val="0000FF"/>
+                </a:solidFill>
+                <a:latin typeface="Menlo"/>
+              </a:rPr>
+              <a:t>2</a:t>
+            </a:r>
+            <a:r>
+              <a:rPr lang="it-IT" sz="1600" dirty="0">
+                <a:solidFill>
+                  <a:srgbClr val="000000"/>
+                </a:solidFill>
+                <a:latin typeface="Menlo"/>
+              </a:rPr>
+              <a:t>);</a:t>
+            </a:r>
+          </a:p>
+          <a:p>
+            <a:r>
+              <a:rPr lang="ro-RO" sz="1600" dirty="0">
+                <a:latin typeface="Menlo"/>
+              </a:rPr>
+              <a:t>        </a:t>
+            </a:r>
+            <a:r>
+              <a:rPr lang="ro-RO" sz="1600" dirty="0">
+                <a:solidFill>
+                  <a:srgbClr val="0000B3"/>
+                </a:solidFill>
+                <a:latin typeface="Menlo"/>
+              </a:rPr>
+              <a:t>System</a:t>
+            </a:r>
+            <a:r>
+              <a:rPr lang="ro-RO" sz="1600" dirty="0">
+                <a:solidFill>
+                  <a:srgbClr val="000000"/>
+                </a:solidFill>
+                <a:latin typeface="Menlo"/>
+              </a:rPr>
+              <a:t>.out.println(</a:t>
+            </a:r>
+            <a:r>
+              <a:rPr lang="ro-RO" sz="1600" b="1" dirty="0" smtClean="0">
+                <a:solidFill>
+                  <a:srgbClr val="009900"/>
+                </a:solidFill>
+                <a:latin typeface="Menlo"/>
+              </a:rPr>
+              <a:t>"</a:t>
+            </a:r>
+            <a:r>
+              <a:rPr lang="ru-RU" sz="1600" b="1" dirty="0">
+                <a:solidFill>
+                  <a:srgbClr val="009900"/>
+                </a:solidFill>
+                <a:latin typeface="Menlo"/>
+              </a:rPr>
+              <a:t>Я тестовый метод </a:t>
+            </a:r>
+            <a:r>
+              <a:rPr lang="ru-RU" sz="1600" b="1" dirty="0" err="1">
+                <a:solidFill>
+                  <a:srgbClr val="009900"/>
+                </a:solidFill>
+                <a:latin typeface="Menlo"/>
+              </a:rPr>
+              <a:t>О.о</a:t>
+            </a:r>
+            <a:r>
+              <a:rPr lang="ro-RO" sz="1600" b="1" dirty="0" smtClean="0">
+                <a:solidFill>
+                  <a:srgbClr val="009900"/>
+                </a:solidFill>
+                <a:latin typeface="Menlo"/>
+              </a:rPr>
+              <a:t>"</a:t>
+            </a:r>
+            <a:r>
+              <a:rPr lang="ro-RO" sz="1600" dirty="0">
+                <a:solidFill>
+                  <a:srgbClr val="000000"/>
+                </a:solidFill>
+                <a:latin typeface="Menlo"/>
+              </a:rPr>
+              <a:t>);</a:t>
+            </a:r>
+          </a:p>
+          <a:p>
+            <a:r>
+              <a:rPr lang="en-US" sz="1600" dirty="0">
+                <a:latin typeface="Menlo"/>
+              </a:rPr>
+              <a:t>    </a:t>
+            </a:r>
+            <a:r>
+              <a:rPr lang="en-US" sz="1600" dirty="0">
+                <a:solidFill>
+                  <a:srgbClr val="000000"/>
+                </a:solidFill>
+                <a:latin typeface="Menlo"/>
+              </a:rPr>
+              <a:t>}</a:t>
+            </a:r>
+          </a:p>
+          <a:p>
+            <a:endParaRPr lang="en-US" sz="1600" dirty="0">
+              <a:latin typeface="Menlo"/>
+            </a:endParaRPr>
+          </a:p>
+          <a:p>
+            <a:r>
+              <a:rPr lang="en-US" sz="1600" dirty="0">
+                <a:latin typeface="Menlo"/>
+              </a:rPr>
+              <a:t>    </a:t>
+            </a:r>
+            <a:r>
+              <a:rPr lang="en-US" sz="1600" dirty="0">
+                <a:solidFill>
+                  <a:srgbClr val="808000"/>
+                </a:solidFill>
+                <a:latin typeface="Menlo"/>
+              </a:rPr>
+              <a:t>@After</a:t>
+            </a:r>
+          </a:p>
+          <a:p>
+            <a:r>
+              <a:rPr lang="en-US" sz="1600" dirty="0">
+                <a:latin typeface="Menlo"/>
+              </a:rPr>
+              <a:t>    </a:t>
+            </a:r>
+            <a:r>
+              <a:rPr lang="en-US" sz="1600" b="1" dirty="0">
+                <a:solidFill>
+                  <a:srgbClr val="000080"/>
+                </a:solidFill>
+                <a:latin typeface="Menlo"/>
+              </a:rPr>
+              <a:t>public</a:t>
+            </a:r>
+            <a:r>
+              <a:rPr lang="en-US" sz="1600" dirty="0">
+                <a:solidFill>
+                  <a:srgbClr val="000080"/>
+                </a:solidFill>
+                <a:latin typeface="Menlo"/>
+              </a:rPr>
+              <a:t> </a:t>
+            </a:r>
+            <a:r>
+              <a:rPr lang="en-US" sz="1600" dirty="0">
+                <a:solidFill>
+                  <a:srgbClr val="4C73A6"/>
+                </a:solidFill>
+                <a:latin typeface="Menlo"/>
+              </a:rPr>
+              <a:t>void </a:t>
+            </a:r>
+            <a:r>
+              <a:rPr lang="en-US" sz="1600" dirty="0" err="1">
+                <a:solidFill>
+                  <a:srgbClr val="000000"/>
+                </a:solidFill>
+                <a:latin typeface="Menlo"/>
+              </a:rPr>
+              <a:t>runsAfterTest</a:t>
+            </a:r>
+            <a:r>
+              <a:rPr lang="en-US" sz="1600" dirty="0">
+                <a:solidFill>
+                  <a:srgbClr val="000000"/>
+                </a:solidFill>
+                <a:latin typeface="Menlo"/>
+              </a:rPr>
+              <a:t>() {</a:t>
+            </a:r>
+          </a:p>
+          <a:p>
+            <a:r>
+              <a:rPr lang="ro-RO" sz="1600" dirty="0">
+                <a:latin typeface="Menlo"/>
+              </a:rPr>
+              <a:t>        </a:t>
+            </a:r>
+            <a:r>
+              <a:rPr lang="ro-RO" sz="1600" dirty="0">
+                <a:solidFill>
+                  <a:srgbClr val="0000B3"/>
+                </a:solidFill>
+                <a:latin typeface="Menlo"/>
+              </a:rPr>
+              <a:t>System</a:t>
+            </a:r>
+            <a:r>
+              <a:rPr lang="ro-RO" sz="1600" dirty="0">
+                <a:solidFill>
+                  <a:srgbClr val="000000"/>
+                </a:solidFill>
+                <a:latin typeface="Menlo"/>
+              </a:rPr>
+              <a:t>.out.println(</a:t>
+            </a:r>
+            <a:r>
+              <a:rPr lang="ro-RO" sz="1600" b="1" dirty="0" smtClean="0">
+                <a:solidFill>
+                  <a:srgbClr val="009900"/>
+                </a:solidFill>
+                <a:latin typeface="Menlo"/>
+              </a:rPr>
+              <a:t>"</a:t>
+            </a:r>
+            <a:r>
+              <a:rPr lang="ru-RU" sz="1600" b="1" dirty="0">
+                <a:solidFill>
+                  <a:srgbClr val="009900"/>
+                </a:solidFill>
+                <a:latin typeface="Menlo"/>
+              </a:rPr>
+              <a:t>Я запускаюсь после каждого теста</a:t>
+            </a:r>
+            <a:r>
+              <a:rPr lang="ro-RO" sz="1600" b="1" dirty="0" smtClean="0">
+                <a:solidFill>
+                  <a:srgbClr val="009900"/>
+                </a:solidFill>
+                <a:latin typeface="Menlo"/>
+              </a:rPr>
+              <a:t>"</a:t>
+            </a:r>
+            <a:r>
+              <a:rPr lang="ro-RO" sz="1600" dirty="0">
+                <a:solidFill>
+                  <a:srgbClr val="000000"/>
+                </a:solidFill>
+                <a:latin typeface="Menlo"/>
+              </a:rPr>
+              <a:t>);</a:t>
+            </a:r>
+          </a:p>
+          <a:p>
+            <a:r>
+              <a:rPr lang="en-US" sz="1600" dirty="0">
+                <a:latin typeface="Menlo"/>
+              </a:rPr>
+              <a:t>    </a:t>
+            </a:r>
+            <a:r>
+              <a:rPr lang="en-US" sz="1600" dirty="0">
+                <a:solidFill>
+                  <a:srgbClr val="000000"/>
+                </a:solidFill>
+                <a:latin typeface="Menlo"/>
+              </a:rPr>
+              <a:t>}</a:t>
+            </a:r>
+          </a:p>
+          <a:p>
+            <a:r>
+              <a:rPr lang="en-US" sz="1600" dirty="0">
+                <a:solidFill>
+                  <a:srgbClr val="000000"/>
+                </a:solidFill>
+                <a:latin typeface="Menlo"/>
+              </a:rPr>
+              <a:t>}</a:t>
+            </a:r>
           </a:p>
         </p:txBody>
       </p:sp>
@@ -16445,18 +17369,18 @@
   <p:clrMapOvr>
     <a:masterClrMapping/>
   </p:clrMapOvr>
-  <mc:AlternateContent xmlns:mc="http://schemas.openxmlformats.org/markup-compatibility/2006">
-    <mc:Choice xmlns:p14="http://schemas.microsoft.com/office/powerpoint/2010/main" Requires="p14">
+  <mc:AlternateContent xmlns:mc="http://schemas.openxmlformats.org/markup-compatibility/2006" xmlns:p14="http://schemas.microsoft.com/office/powerpoint/2010/main">
+    <mc:Choice Requires="p14">
       <p:transition p14:dur="0"/>
     </mc:Choice>
-    <mc:Fallback>
+    <mc:Fallback xmlns="">
       <p:transition/>
     </mc:Fallback>
   </mc:AlternateContent>
   <p:timing>
     <p:tnLst>
       <p:par>
-        <p:cTn id="1" dur="indefinite" restart="never" nodeType="tmRoot"/>
+        <p:cTn xmlns:p14="http://schemas.microsoft.com/office/powerpoint/2010/main" id="1" dur="indefinite" restart="never" nodeType="tmRoot"/>
       </p:par>
     </p:tnLst>
   </p:timing>
@@ -16464,6 +17388,593 @@
 </file>
 
 <file path=ppt/slides/slide11.xml><?xml version="1.0" encoding="utf-8"?>
+<p:sld xmlns:a="http://schemas.openxmlformats.org/drawingml/2006/main" xmlns:r="http://schemas.openxmlformats.org/officeDocument/2006/relationships" xmlns:p="http://schemas.openxmlformats.org/presentationml/2006/main">
+  <p:cSld>
+    <p:spTree>
+      <p:nvGrpSpPr>
+        <p:cNvPr id="1" name=""/>
+        <p:cNvGrpSpPr/>
+        <p:nvPr/>
+      </p:nvGrpSpPr>
+      <p:grpSpPr>
+        <a:xfrm>
+          <a:off x="0" y="0"/>
+          <a:ext cx="0" cy="0"/>
+          <a:chOff x="0" y="0"/>
+          <a:chExt cx="0" cy="0"/>
+        </a:xfrm>
+      </p:grpSpPr>
+      <p:sp>
+        <p:nvSpPr>
+          <p:cNvPr id="7" name="Rounded Rectangle 6"/>
+          <p:cNvSpPr/>
+          <p:nvPr/>
+        </p:nvSpPr>
+        <p:spPr>
+          <a:xfrm>
+            <a:off x="381000" y="2209800"/>
+            <a:ext cx="6705600" cy="2819400"/>
+          </a:xfrm>
+          <a:prstGeom prst="roundRect">
+            <a:avLst>
+              <a:gd name="adj" fmla="val 6710"/>
+            </a:avLst>
+          </a:prstGeom>
+          <a:solidFill>
+            <a:schemeClr val="accent4">
+              <a:alpha val="18000"/>
+            </a:schemeClr>
+          </a:solidFill>
+          <a:ln>
+            <a:noFill/>
+          </a:ln>
+        </p:spPr>
+        <p:style>
+          <a:lnRef idx="2">
+            <a:schemeClr val="accent1"/>
+          </a:lnRef>
+          <a:fillRef idx="1">
+            <a:schemeClr val="lt1"/>
+          </a:fillRef>
+          <a:effectRef idx="0">
+            <a:schemeClr val="accent1"/>
+          </a:effectRef>
+          <a:fontRef idx="minor">
+            <a:schemeClr val="dk1"/>
+          </a:fontRef>
+        </p:style>
+        <p:txBody>
+          <a:bodyPr rtlCol="0" anchor="ctr"/>
+          <a:lstStyle/>
+          <a:p>
+            <a:pPr algn="ctr"/>
+            <a:endParaRPr lang="en-US"/>
+          </a:p>
+        </p:txBody>
+      </p:sp>
+      <p:sp>
+        <p:nvSpPr>
+          <p:cNvPr id="2" name="Title 1"/>
+          <p:cNvSpPr>
+            <a:spLocks noGrp="1"/>
+          </p:cNvSpPr>
+          <p:nvPr>
+            <p:ph type="title"/>
+          </p:nvPr>
+        </p:nvSpPr>
+        <p:spPr/>
+        <p:txBody>
+          <a:bodyPr/>
+          <a:lstStyle/>
+          <a:p>
+            <a:r>
+              <a:rPr lang="ru-RU" dirty="0" smtClean="0"/>
+              <a:t>Пример</a:t>
+            </a:r>
+            <a:endParaRPr lang="en-US" dirty="0"/>
+          </a:p>
+        </p:txBody>
+      </p:sp>
+      <p:sp>
+        <p:nvSpPr>
+          <p:cNvPr id="4" name="Rectangle 3"/>
+          <p:cNvSpPr/>
+          <p:nvPr/>
+        </p:nvSpPr>
+        <p:spPr>
+          <a:xfrm>
+            <a:off x="386347" y="1143000"/>
+            <a:ext cx="6558046" cy="646331"/>
+          </a:xfrm>
+          <a:prstGeom prst="rect">
+            <a:avLst/>
+          </a:prstGeom>
+        </p:spPr>
+        <p:txBody>
+          <a:bodyPr wrap="square">
+            <a:spAutoFit/>
+          </a:bodyPr>
+          <a:lstStyle/>
+          <a:p>
+            <a:pPr>
+              <a:spcBef>
+                <a:spcPct val="0"/>
+              </a:spcBef>
+              <a:buClrTx/>
+              <a:buFontTx/>
+              <a:buNone/>
+            </a:pPr>
+            <a:r>
+              <a:rPr lang="ru-RU" dirty="0" smtClean="0">
+                <a:solidFill>
+                  <a:schemeClr val="accent4"/>
+                </a:solidFill>
+                <a:latin typeface="Arial"/>
+                <a:cs typeface="Arial"/>
+              </a:rPr>
+              <a:t>Для создания тестовых наборов, используются аннотации </a:t>
+            </a:r>
+            <a:r>
+              <a:rPr lang="en-US" dirty="0" smtClean="0">
+                <a:solidFill>
+                  <a:schemeClr val="accent4"/>
+                </a:solidFill>
+                <a:latin typeface="Arial"/>
+                <a:cs typeface="Arial"/>
+              </a:rPr>
+              <a:t>@</a:t>
+            </a:r>
+            <a:r>
+              <a:rPr lang="en-US" dirty="0" err="1" smtClean="0">
+                <a:solidFill>
+                  <a:schemeClr val="accent4"/>
+                </a:solidFill>
+                <a:latin typeface="Arial"/>
+                <a:cs typeface="Arial"/>
+              </a:rPr>
+              <a:t>RunWith</a:t>
+            </a:r>
+            <a:r>
+              <a:rPr lang="en-US" dirty="0" smtClean="0">
+                <a:solidFill>
+                  <a:schemeClr val="accent4"/>
+                </a:solidFill>
+                <a:latin typeface="Arial"/>
+                <a:cs typeface="Arial"/>
+              </a:rPr>
+              <a:t> </a:t>
+            </a:r>
+            <a:r>
+              <a:rPr lang="ru-RU" dirty="0" smtClean="0">
+                <a:solidFill>
+                  <a:schemeClr val="accent4"/>
+                </a:solidFill>
+                <a:latin typeface="Arial"/>
+                <a:cs typeface="Arial"/>
+              </a:rPr>
+              <a:t>и </a:t>
+            </a:r>
+            <a:r>
+              <a:rPr lang="en-US" dirty="0" smtClean="0">
+                <a:solidFill>
+                  <a:schemeClr val="accent4"/>
+                </a:solidFill>
+                <a:latin typeface="Arial"/>
+                <a:cs typeface="Arial"/>
+              </a:rPr>
+              <a:t>@</a:t>
+            </a:r>
+            <a:r>
+              <a:rPr lang="en-US" dirty="0" err="1" smtClean="0">
+                <a:solidFill>
+                  <a:schemeClr val="accent4"/>
+                </a:solidFill>
+                <a:latin typeface="Arial"/>
+                <a:cs typeface="Arial"/>
+              </a:rPr>
+              <a:t>SuiteClasses</a:t>
+            </a:r>
+            <a:r>
+              <a:rPr lang="en-US" dirty="0" smtClean="0">
+                <a:solidFill>
+                  <a:schemeClr val="accent4"/>
+                </a:solidFill>
+                <a:latin typeface="Arial"/>
+                <a:cs typeface="Arial"/>
+              </a:rPr>
+              <a:t>, </a:t>
+            </a:r>
+            <a:r>
+              <a:rPr lang="ru-RU" dirty="0" smtClean="0">
+                <a:solidFill>
+                  <a:schemeClr val="accent4"/>
+                </a:solidFill>
+                <a:latin typeface="Arial"/>
+                <a:cs typeface="Arial"/>
+              </a:rPr>
+              <a:t>например:</a:t>
+            </a:r>
+            <a:endParaRPr lang="en-US" dirty="0">
+              <a:solidFill>
+                <a:schemeClr val="accent4"/>
+              </a:solidFill>
+              <a:latin typeface="Arial"/>
+              <a:cs typeface="Arial"/>
+            </a:endParaRPr>
+          </a:p>
+        </p:txBody>
+      </p:sp>
+      <p:sp>
+        <p:nvSpPr>
+          <p:cNvPr id="5" name="Rectangle 4"/>
+          <p:cNvSpPr/>
+          <p:nvPr/>
+        </p:nvSpPr>
+        <p:spPr>
+          <a:xfrm>
+            <a:off x="533400" y="2362200"/>
+            <a:ext cx="7848600" cy="2862323"/>
+          </a:xfrm>
+          <a:prstGeom prst="rect">
+            <a:avLst/>
+          </a:prstGeom>
+        </p:spPr>
+        <p:txBody>
+          <a:bodyPr wrap="square">
+            <a:spAutoFit/>
+          </a:bodyPr>
+          <a:lstStyle/>
+          <a:p>
+            <a:r>
+              <a:rPr lang="en-US" b="1" dirty="0">
+                <a:solidFill>
+                  <a:srgbClr val="000080"/>
+                </a:solidFill>
+                <a:latin typeface="Menlo"/>
+              </a:rPr>
+              <a:t>import</a:t>
+            </a:r>
+            <a:r>
+              <a:rPr lang="en-US" dirty="0">
+                <a:solidFill>
+                  <a:srgbClr val="000080"/>
+                </a:solidFill>
+                <a:latin typeface="Menlo"/>
+              </a:rPr>
+              <a:t> </a:t>
+            </a:r>
+            <a:r>
+              <a:rPr lang="en-US" dirty="0" err="1">
+                <a:solidFill>
+                  <a:srgbClr val="000000"/>
+                </a:solidFill>
+                <a:latin typeface="Menlo"/>
+              </a:rPr>
+              <a:t>org.junit.runner.RunWith</a:t>
+            </a:r>
+            <a:r>
+              <a:rPr lang="en-US" dirty="0">
+                <a:solidFill>
+                  <a:srgbClr val="000000"/>
+                </a:solidFill>
+                <a:latin typeface="Menlo"/>
+              </a:rPr>
+              <a:t>;</a:t>
+            </a:r>
+          </a:p>
+          <a:p>
+            <a:r>
+              <a:rPr lang="en-US" b="1" dirty="0">
+                <a:solidFill>
+                  <a:srgbClr val="000080"/>
+                </a:solidFill>
+                <a:latin typeface="Menlo"/>
+              </a:rPr>
+              <a:t>import</a:t>
+            </a:r>
+            <a:r>
+              <a:rPr lang="en-US" dirty="0">
+                <a:solidFill>
+                  <a:srgbClr val="000080"/>
+                </a:solidFill>
+                <a:latin typeface="Menlo"/>
+              </a:rPr>
+              <a:t> </a:t>
+            </a:r>
+            <a:r>
+              <a:rPr lang="en-US" dirty="0" err="1">
+                <a:solidFill>
+                  <a:srgbClr val="000000"/>
+                </a:solidFill>
+                <a:latin typeface="Menlo"/>
+              </a:rPr>
+              <a:t>org.junit.runners.Suite</a:t>
+            </a:r>
+            <a:r>
+              <a:rPr lang="en-US" dirty="0">
+                <a:solidFill>
+                  <a:srgbClr val="000000"/>
+                </a:solidFill>
+                <a:latin typeface="Menlo"/>
+              </a:rPr>
+              <a:t>;</a:t>
+            </a:r>
+          </a:p>
+          <a:p>
+            <a:r>
+              <a:rPr lang="en-US" b="1" dirty="0">
+                <a:solidFill>
+                  <a:srgbClr val="000080"/>
+                </a:solidFill>
+                <a:latin typeface="Menlo"/>
+              </a:rPr>
+              <a:t>import</a:t>
+            </a:r>
+            <a:r>
+              <a:rPr lang="en-US" dirty="0">
+                <a:solidFill>
+                  <a:srgbClr val="000080"/>
+                </a:solidFill>
+                <a:latin typeface="Menlo"/>
+              </a:rPr>
+              <a:t> </a:t>
+            </a:r>
+            <a:r>
+              <a:rPr lang="en-US" dirty="0" err="1">
+                <a:solidFill>
+                  <a:srgbClr val="000000"/>
+                </a:solidFill>
+                <a:latin typeface="Menlo"/>
+              </a:rPr>
+              <a:t>org.junit.runners.Suite.SuiteClasses</a:t>
+            </a:r>
+            <a:r>
+              <a:rPr lang="en-US" dirty="0">
+                <a:solidFill>
+                  <a:srgbClr val="000000"/>
+                </a:solidFill>
+                <a:latin typeface="Menlo"/>
+              </a:rPr>
+              <a:t>;</a:t>
+            </a:r>
+          </a:p>
+          <a:p>
+            <a:endParaRPr lang="en-US" dirty="0">
+              <a:latin typeface="Menlo"/>
+            </a:endParaRPr>
+          </a:p>
+          <a:p>
+            <a:r>
+              <a:rPr lang="en-US" dirty="0">
+                <a:solidFill>
+                  <a:srgbClr val="808000"/>
+                </a:solidFill>
+                <a:latin typeface="Menlo"/>
+              </a:rPr>
+              <a:t>@</a:t>
+            </a:r>
+            <a:r>
+              <a:rPr lang="en-US" dirty="0" err="1">
+                <a:solidFill>
+                  <a:srgbClr val="808000"/>
+                </a:solidFill>
+                <a:latin typeface="Menlo"/>
+              </a:rPr>
+              <a:t>RunWith</a:t>
+            </a:r>
+            <a:r>
+              <a:rPr lang="en-US" dirty="0">
+                <a:solidFill>
+                  <a:srgbClr val="000000"/>
+                </a:solidFill>
+                <a:latin typeface="Menlo"/>
+              </a:rPr>
+              <a:t>(</a:t>
+            </a:r>
+            <a:r>
+              <a:rPr lang="en-US" dirty="0" err="1">
+                <a:solidFill>
+                  <a:srgbClr val="000000"/>
+                </a:solidFill>
+                <a:latin typeface="Menlo"/>
+              </a:rPr>
+              <a:t>Suite.</a:t>
+            </a:r>
+            <a:r>
+              <a:rPr lang="en-US" b="1" dirty="0" err="1">
+                <a:solidFill>
+                  <a:srgbClr val="000080"/>
+                </a:solidFill>
+                <a:latin typeface="Menlo"/>
+              </a:rPr>
+              <a:t>class</a:t>
+            </a:r>
+            <a:r>
+              <a:rPr lang="en-US" dirty="0">
+                <a:solidFill>
+                  <a:srgbClr val="000000"/>
+                </a:solidFill>
+                <a:latin typeface="Menlo"/>
+              </a:rPr>
+              <a:t>)</a:t>
+            </a:r>
+          </a:p>
+          <a:p>
+            <a:r>
+              <a:rPr lang="en-US" dirty="0">
+                <a:solidFill>
+                  <a:srgbClr val="808000"/>
+                </a:solidFill>
+                <a:latin typeface="Menlo"/>
+              </a:rPr>
+              <a:t>@</a:t>
+            </a:r>
+            <a:r>
+              <a:rPr lang="en-US" dirty="0" err="1">
+                <a:solidFill>
+                  <a:srgbClr val="808000"/>
+                </a:solidFill>
+                <a:latin typeface="Menlo"/>
+              </a:rPr>
+              <a:t>SuiteClasses</a:t>
+            </a:r>
+            <a:r>
+              <a:rPr lang="en-US" dirty="0">
+                <a:solidFill>
+                  <a:srgbClr val="000000"/>
+                </a:solidFill>
+                <a:latin typeface="Menlo"/>
+              </a:rPr>
+              <a:t>( {</a:t>
+            </a:r>
+            <a:r>
+              <a:rPr lang="en-US" dirty="0" err="1">
+                <a:solidFill>
+                  <a:srgbClr val="000000"/>
+                </a:solidFill>
+                <a:latin typeface="Menlo"/>
+              </a:rPr>
+              <a:t>FirstTest.</a:t>
+            </a:r>
+            <a:r>
+              <a:rPr lang="en-US" b="1" dirty="0" err="1">
+                <a:solidFill>
+                  <a:srgbClr val="000080"/>
+                </a:solidFill>
+                <a:latin typeface="Menlo"/>
+              </a:rPr>
+              <a:t>class</a:t>
+            </a:r>
+            <a:r>
+              <a:rPr lang="en-US" dirty="0">
+                <a:solidFill>
+                  <a:srgbClr val="000000"/>
+                </a:solidFill>
+                <a:latin typeface="Menlo"/>
+              </a:rPr>
+              <a:t>,</a:t>
+            </a:r>
+          </a:p>
+          <a:p>
+            <a:r>
+              <a:rPr lang="it-IT" dirty="0">
+                <a:solidFill>
+                  <a:srgbClr val="000000"/>
+                </a:solidFill>
+                <a:latin typeface="Menlo"/>
+              </a:rPr>
+              <a:t>                </a:t>
+            </a:r>
+            <a:r>
+              <a:rPr lang="it-IT" dirty="0" err="1">
+                <a:solidFill>
+                  <a:srgbClr val="000000"/>
+                </a:solidFill>
+                <a:latin typeface="Menlo"/>
+              </a:rPr>
+              <a:t>SecondTest.</a:t>
+            </a:r>
+            <a:r>
+              <a:rPr lang="it-IT" b="1" dirty="0" err="1">
+                <a:solidFill>
+                  <a:srgbClr val="000080"/>
+                </a:solidFill>
+                <a:latin typeface="Menlo"/>
+              </a:rPr>
+              <a:t>class</a:t>
+            </a:r>
+            <a:r>
+              <a:rPr lang="it-IT" dirty="0">
+                <a:solidFill>
+                  <a:srgbClr val="000000"/>
+                </a:solidFill>
+                <a:latin typeface="Menlo"/>
+              </a:rPr>
+              <a:t>,</a:t>
+            </a:r>
+          </a:p>
+          <a:p>
+            <a:r>
+              <a:rPr lang="en-US" dirty="0">
+                <a:latin typeface="Menlo"/>
+              </a:rPr>
+              <a:t>               </a:t>
+            </a:r>
+            <a:r>
+              <a:rPr lang="en-US" dirty="0">
+                <a:solidFill>
+                  <a:srgbClr val="000000"/>
+                </a:solidFill>
+                <a:latin typeface="Menlo"/>
+              </a:rPr>
+              <a:t>})</a:t>
+            </a:r>
+          </a:p>
+          <a:p>
+            <a:r>
+              <a:rPr lang="en-US" b="1" dirty="0">
+                <a:solidFill>
+                  <a:srgbClr val="000080"/>
+                </a:solidFill>
+                <a:latin typeface="Menlo"/>
+              </a:rPr>
+              <a:t>public class</a:t>
+            </a:r>
+            <a:r>
+              <a:rPr lang="en-US" dirty="0">
+                <a:solidFill>
+                  <a:srgbClr val="000080"/>
+                </a:solidFill>
+                <a:latin typeface="Menlo"/>
+              </a:rPr>
+              <a:t> </a:t>
+            </a:r>
+            <a:r>
+              <a:rPr lang="en-US" dirty="0">
+                <a:solidFill>
+                  <a:srgbClr val="000000"/>
+                </a:solidFill>
+                <a:latin typeface="Menlo"/>
+              </a:rPr>
+              <a:t>JUnit4Suite {}</a:t>
+            </a:r>
+          </a:p>
+          <a:p>
+            <a:endParaRPr lang="en-US" dirty="0">
+              <a:latin typeface="Menlo"/>
+            </a:endParaRPr>
+          </a:p>
+        </p:txBody>
+      </p:sp>
+    </p:spTree>
+    <p:extLst>
+      <p:ext uri="{BB962C8B-B14F-4D97-AF65-F5344CB8AC3E}">
+        <p14:creationId xmlns:p14="http://schemas.microsoft.com/office/powerpoint/2010/main" val="2185476697"/>
+      </p:ext>
+    </p:extLst>
+  </p:cSld>
+  <p:clrMapOvr>
+    <a:masterClrMapping/>
+  </p:clrMapOvr>
+  <mc:AlternateContent xmlns:mc="http://schemas.openxmlformats.org/markup-compatibility/2006" xmlns:p14="http://schemas.microsoft.com/office/powerpoint/2010/main">
+    <mc:Choice Requires="p14">
+      <p:transition p14:dur="0"/>
+    </mc:Choice>
+    <mc:Fallback xmlns="">
+      <p:transition/>
+    </mc:Fallback>
+  </mc:AlternateContent>
+  <p:timing>
+    <p:tnLst>
+      <p:par>
+        <p:cTn xmlns:p14="http://schemas.microsoft.com/office/powerpoint/2010/main" id="1" dur="indefinite" restart="never" nodeType="tmRoot"/>
+      </p:par>
+    </p:tnLst>
+  </p:timing>
+</p:sld>
+</file>
+
+<file path=ppt/slides/slide12.xml><?xml version="1.0" encoding="utf-8"?>
 <p:sld xmlns:a="http://schemas.openxmlformats.org/drawingml/2006/main" xmlns:r="http://schemas.openxmlformats.org/officeDocument/2006/relationships" xmlns:p="http://schemas.openxmlformats.org/presentationml/2006/main">
   <p:cSld>
     <p:spTree>
@@ -16827,25 +18338,25 @@
   <p:clrMapOvr>
     <a:masterClrMapping/>
   </p:clrMapOvr>
-  <mc:AlternateContent xmlns:mc="http://schemas.openxmlformats.org/markup-compatibility/2006">
-    <mc:Choice xmlns:p14="http://schemas.microsoft.com/office/powerpoint/2010/main" Requires="p14">
+  <mc:AlternateContent xmlns:mc="http://schemas.openxmlformats.org/markup-compatibility/2006" xmlns:p14="http://schemas.microsoft.com/office/powerpoint/2010/main">
+    <mc:Choice Requires="p14">
       <p:transition p14:dur="0"/>
     </mc:Choice>
-    <mc:Fallback>
+    <mc:Fallback xmlns="">
       <p:transition/>
     </mc:Fallback>
   </mc:AlternateContent>
   <p:timing>
     <p:tnLst>
       <p:par>
-        <p:cTn id="1" dur="indefinite" restart="never" nodeType="tmRoot"/>
+        <p:cTn xmlns:p14="http://schemas.microsoft.com/office/powerpoint/2010/main" id="1" dur="indefinite" restart="never" nodeType="tmRoot"/>
       </p:par>
     </p:tnLst>
   </p:timing>
 </p:sld>
 </file>
 
-<file path=ppt/slides/slide12.xml><?xml version="1.0" encoding="utf-8"?>
+<file path=ppt/slides/slide13.xml><?xml version="1.0" encoding="utf-8"?>
 <p:sld xmlns:a="http://schemas.openxmlformats.org/drawingml/2006/main" xmlns:r="http://schemas.openxmlformats.org/officeDocument/2006/relationships" xmlns:p="http://schemas.openxmlformats.org/presentationml/2006/main">
   <p:cSld>
     <p:spTree>
@@ -17359,25 +18870,25 @@
   <p:clrMapOvr>
     <a:masterClrMapping/>
   </p:clrMapOvr>
-  <mc:AlternateContent xmlns:mc="http://schemas.openxmlformats.org/markup-compatibility/2006">
-    <mc:Choice xmlns:p14="http://schemas.microsoft.com/office/powerpoint/2010/main" Requires="p14">
+  <mc:AlternateContent xmlns:mc="http://schemas.openxmlformats.org/markup-compatibility/2006" xmlns:p14="http://schemas.microsoft.com/office/powerpoint/2010/main">
+    <mc:Choice Requires="p14">
       <p:transition p14:dur="0"/>
     </mc:Choice>
-    <mc:Fallback>
+    <mc:Fallback xmlns="">
       <p:transition/>
     </mc:Fallback>
   </mc:AlternateContent>
   <p:timing>
     <p:tnLst>
       <p:par>
-        <p:cTn id="1" dur="indefinite" restart="never" nodeType="tmRoot"/>
+        <p:cTn xmlns:p14="http://schemas.microsoft.com/office/powerpoint/2010/main" id="1" dur="indefinite" restart="never" nodeType="tmRoot"/>
       </p:par>
     </p:tnLst>
   </p:timing>
 </p:sld>
 </file>
 
-<file path=ppt/slides/slide13.xml><?xml version="1.0" encoding="utf-8"?>
+<file path=ppt/slides/slide14.xml><?xml version="1.0" encoding="utf-8"?>
 <p:sld xmlns:a="http://schemas.openxmlformats.org/drawingml/2006/main" xmlns:r="http://schemas.openxmlformats.org/officeDocument/2006/relationships" xmlns:p="http://schemas.openxmlformats.org/presentationml/2006/main">
   <p:cSld>
     <p:bg>
@@ -18277,371 +19788,18 @@
   <p:clrMapOvr>
     <a:overrideClrMapping bg1="lt1" tx1="dk1" bg2="lt2" tx2="dk2" accent1="accent1" accent2="accent2" accent3="accent3" accent4="accent4" accent5="accent5" accent6="accent6" hlink="hlink" folHlink="folHlink"/>
   </p:clrMapOvr>
-  <mc:AlternateContent xmlns:mc="http://schemas.openxmlformats.org/markup-compatibility/2006">
-    <mc:Choice xmlns:p14="http://schemas.microsoft.com/office/powerpoint/2010/main" Requires="p14">
+  <mc:AlternateContent xmlns:mc="http://schemas.openxmlformats.org/markup-compatibility/2006" xmlns:p14="http://schemas.microsoft.com/office/powerpoint/2010/main">
+    <mc:Choice Requires="p14">
       <p:transition p14:dur="0"/>
     </mc:Choice>
-    <mc:Fallback>
+    <mc:Fallback xmlns="">
       <p:transition/>
     </mc:Fallback>
   </mc:AlternateContent>
   <p:timing>
     <p:tnLst>
       <p:par>
-        <p:cTn id="1" dur="indefinite" restart="never" nodeType="tmRoot"/>
-      </p:par>
-    </p:tnLst>
-  </p:timing>
-</p:sld>
-</file>
-
-<file path=ppt/slides/slide14.xml><?xml version="1.0" encoding="utf-8"?>
-<p:sld xmlns:a="http://schemas.openxmlformats.org/drawingml/2006/main" xmlns:r="http://schemas.openxmlformats.org/officeDocument/2006/relationships" xmlns:p="http://schemas.openxmlformats.org/presentationml/2006/main">
-  <p:cSld>
-    <p:spTree>
-      <p:nvGrpSpPr>
-        <p:cNvPr id="1" name=""/>
-        <p:cNvGrpSpPr/>
-        <p:nvPr/>
-      </p:nvGrpSpPr>
-      <p:grpSpPr>
-        <a:xfrm>
-          <a:off x="0" y="0"/>
-          <a:ext cx="0" cy="0"/>
-          <a:chOff x="0" y="0"/>
-          <a:chExt cx="0" cy="0"/>
-        </a:xfrm>
-      </p:grpSpPr>
-      <p:sp>
-        <p:nvSpPr>
-          <p:cNvPr id="2" name="Title 1"/>
-          <p:cNvSpPr>
-            <a:spLocks noGrp="1"/>
-          </p:cNvSpPr>
-          <p:nvPr>
-            <p:ph type="title"/>
-          </p:nvPr>
-        </p:nvSpPr>
-        <p:spPr/>
-        <p:txBody>
-          <a:bodyPr/>
-          <a:lstStyle/>
-          <a:p>
-            <a:r>
-              <a:rPr lang="ru-RU" dirty="0"/>
-              <a:t>Использование </a:t>
-            </a:r>
-            <a:r>
-              <a:rPr lang="en-US" dirty="0" err="1"/>
-              <a:t>JUnit</a:t>
-            </a:r>
-            <a:endParaRPr lang="en-US" dirty="0"/>
-          </a:p>
-        </p:txBody>
-      </p:sp>
-      <p:sp>
-        <p:nvSpPr>
-          <p:cNvPr id="5" name="Rectangle 4"/>
-          <p:cNvSpPr>
-            <a:spLocks noChangeArrowheads="1"/>
-          </p:cNvSpPr>
-          <p:nvPr>
-            <p:custDataLst>
-              <p:tags r:id="rId1"/>
-            </p:custDataLst>
-          </p:nvPr>
-        </p:nvSpPr>
-        <p:spPr bwMode="auto">
-          <a:xfrm>
-            <a:off x="1028700" y="1508700"/>
-            <a:ext cx="7086600" cy="3840600"/>
-          </a:xfrm>
-          <a:prstGeom prst="rect">
-            <a:avLst/>
-          </a:prstGeom>
-          <a:noFill/>
-          <a:ln w="19050">
-            <a:noFill/>
-            <a:miter lim="800000"/>
-            <a:headEnd/>
-            <a:tailEnd/>
-          </a:ln>
-        </p:spPr>
-        <p:txBody>
-          <a:bodyPr wrap="square" lIns="93296" tIns="144000" rIns="93296" bIns="93296">
-            <a:spAutoFit/>
-          </a:bodyPr>
-          <a:lstStyle/>
-          <a:p>
-            <a:pPr marL="285750" indent="-285750" defTabSz="803275">
-              <a:buClr>
-                <a:srgbClr val="FF6600"/>
-              </a:buClr>
-              <a:buSzPct val="125000"/>
-              <a:buFont typeface="Wingdings" pitchFamily="2" charset="2"/>
-              <a:buChar char="§"/>
-            </a:pPr>
-            <a:r>
-              <a:rPr lang="ru-RU" dirty="0" smtClean="0">
-                <a:solidFill>
-                  <a:schemeClr val="accent4"/>
-                </a:solidFill>
-                <a:latin typeface="Arial" pitchFamily="34" charset="0"/>
-                <a:cs typeface="Arial" pitchFamily="34" charset="0"/>
-              </a:rPr>
-              <a:t>Итак</a:t>
-            </a:r>
-            <a:r>
-              <a:rPr lang="ru-RU" dirty="0">
-                <a:solidFill>
-                  <a:schemeClr val="accent4"/>
-                </a:solidFill>
-                <a:latin typeface="Arial" pitchFamily="34" charset="0"/>
-                <a:cs typeface="Arial" pitchFamily="34" charset="0"/>
-              </a:rPr>
-              <a:t>, для написания модульного теста в среде JUnit нам необходимо</a:t>
-            </a:r>
-            <a:r>
-              <a:rPr lang="ru-RU" dirty="0" smtClean="0">
-                <a:solidFill>
-                  <a:schemeClr val="accent4"/>
-                </a:solidFill>
-                <a:latin typeface="Arial" pitchFamily="34" charset="0"/>
-                <a:cs typeface="Arial" pitchFamily="34" charset="0"/>
-              </a:rPr>
-              <a:t>:</a:t>
-            </a:r>
-            <a:endParaRPr lang="en-US" dirty="0" smtClean="0">
-              <a:solidFill>
-                <a:schemeClr val="accent4"/>
-              </a:solidFill>
-              <a:latin typeface="Arial" pitchFamily="34" charset="0"/>
-              <a:cs typeface="Arial" pitchFamily="34" charset="0"/>
-            </a:endParaRPr>
-          </a:p>
-          <a:p>
-            <a:pPr marL="285750" indent="-285750" defTabSz="803275">
-              <a:buClr>
-                <a:srgbClr val="FF6600"/>
-              </a:buClr>
-              <a:buSzPct val="125000"/>
-              <a:buFont typeface="Wingdings" pitchFamily="2" charset="2"/>
-              <a:buChar char="§"/>
-            </a:pPr>
-            <a:endParaRPr lang="ru-RU" dirty="0">
-              <a:solidFill>
-                <a:schemeClr val="accent4"/>
-              </a:solidFill>
-              <a:latin typeface="Arial" pitchFamily="34" charset="0"/>
-              <a:cs typeface="Arial" pitchFamily="34" charset="0"/>
-            </a:endParaRPr>
-          </a:p>
-          <a:p>
-            <a:pPr marL="742950" lvl="1" indent="-285750" defTabSz="803275">
-              <a:buClr>
-                <a:srgbClr val="FF6600"/>
-              </a:buClr>
-              <a:buSzPct val="125000"/>
-              <a:buFont typeface="Arial"/>
-              <a:buChar char="•"/>
-            </a:pPr>
-            <a:r>
-              <a:rPr lang="ru-RU" dirty="0">
-                <a:solidFill>
-                  <a:schemeClr val="accent4"/>
-                </a:solidFill>
-                <a:latin typeface="Arial" pitchFamily="34" charset="0"/>
-                <a:cs typeface="Arial" pitchFamily="34" charset="0"/>
-              </a:rPr>
-              <a:t>создать </a:t>
-            </a:r>
-            <a:r>
-              <a:rPr lang="ru-RU" dirty="0" smtClean="0">
-                <a:solidFill>
-                  <a:schemeClr val="accent4"/>
-                </a:solidFill>
-                <a:latin typeface="Arial" pitchFamily="34" charset="0"/>
-                <a:cs typeface="Arial" pitchFamily="34" charset="0"/>
-              </a:rPr>
-              <a:t>класс</a:t>
-            </a:r>
-            <a:endParaRPr lang="en-US" dirty="0" smtClean="0">
-              <a:solidFill>
-                <a:schemeClr val="accent4"/>
-              </a:solidFill>
-              <a:latin typeface="Arial" pitchFamily="34" charset="0"/>
-              <a:cs typeface="Arial" pitchFamily="34" charset="0"/>
-            </a:endParaRPr>
-          </a:p>
-          <a:p>
-            <a:pPr marL="742950" lvl="1" indent="-285750" defTabSz="803275">
-              <a:buClr>
-                <a:srgbClr val="FF6600"/>
-              </a:buClr>
-              <a:buSzPct val="125000"/>
-              <a:buFont typeface="Arial"/>
-              <a:buChar char="•"/>
-            </a:pPr>
-            <a:endParaRPr lang="ru-RU" dirty="0">
-              <a:solidFill>
-                <a:schemeClr val="accent4"/>
-              </a:solidFill>
-              <a:latin typeface="Arial" pitchFamily="34" charset="0"/>
-              <a:cs typeface="Arial" pitchFamily="34" charset="0"/>
-            </a:endParaRPr>
-          </a:p>
-          <a:p>
-            <a:pPr marL="742950" lvl="1" indent="-285750" defTabSz="803275">
-              <a:buClr>
-                <a:srgbClr val="FF6600"/>
-              </a:buClr>
-              <a:buSzPct val="125000"/>
-              <a:buFont typeface="Arial"/>
-              <a:buChar char="•"/>
-            </a:pPr>
-            <a:r>
-              <a:rPr lang="ru-RU" dirty="0">
-                <a:solidFill>
-                  <a:schemeClr val="accent4"/>
-                </a:solidFill>
-                <a:latin typeface="Arial" pitchFamily="34" charset="0"/>
-                <a:cs typeface="Arial" pitchFamily="34" charset="0"/>
-              </a:rPr>
-              <a:t>каждый тестовый случай описать в отдельном методе (с аннотацией @Test</a:t>
-            </a:r>
-            <a:r>
-              <a:rPr lang="ru-RU" dirty="0" smtClean="0">
-                <a:solidFill>
-                  <a:schemeClr val="accent4"/>
-                </a:solidFill>
-                <a:latin typeface="Arial" pitchFamily="34" charset="0"/>
-                <a:cs typeface="Arial" pitchFamily="34" charset="0"/>
-              </a:rPr>
-              <a:t>)</a:t>
-            </a:r>
-            <a:endParaRPr lang="en-US" dirty="0" smtClean="0">
-              <a:solidFill>
-                <a:schemeClr val="accent4"/>
-              </a:solidFill>
-              <a:latin typeface="Arial" pitchFamily="34" charset="0"/>
-              <a:cs typeface="Arial" pitchFamily="34" charset="0"/>
-            </a:endParaRPr>
-          </a:p>
-          <a:p>
-            <a:pPr marL="742950" lvl="1" indent="-285750" defTabSz="803275">
-              <a:buClr>
-                <a:srgbClr val="FF6600"/>
-              </a:buClr>
-              <a:buSzPct val="125000"/>
-              <a:buFont typeface="Arial"/>
-              <a:buChar char="•"/>
-            </a:pPr>
-            <a:endParaRPr lang="ru-RU" dirty="0">
-              <a:solidFill>
-                <a:schemeClr val="accent4"/>
-              </a:solidFill>
-              <a:latin typeface="Arial" pitchFamily="34" charset="0"/>
-              <a:cs typeface="Arial" pitchFamily="34" charset="0"/>
-            </a:endParaRPr>
-          </a:p>
-          <a:p>
-            <a:pPr marL="742950" lvl="1" indent="-285750" defTabSz="803275">
-              <a:buClr>
-                <a:srgbClr val="FF6600"/>
-              </a:buClr>
-              <a:buSzPct val="125000"/>
-              <a:buFont typeface="Arial"/>
-              <a:buChar char="•"/>
-            </a:pPr>
-            <a:r>
-              <a:rPr lang="ru-RU" dirty="0">
-                <a:solidFill>
-                  <a:schemeClr val="accent4"/>
-                </a:solidFill>
-                <a:latin typeface="Arial" pitchFamily="34" charset="0"/>
-                <a:cs typeface="Arial" pitchFamily="34" charset="0"/>
-              </a:rPr>
-              <a:t>при необходимости написать методы инициализации /очистки (с аннотациями @Before/After[Class</a:t>
-            </a:r>
-            <a:r>
-              <a:rPr lang="ru-RU" dirty="0" smtClean="0">
-                <a:solidFill>
-                  <a:schemeClr val="accent4"/>
-                </a:solidFill>
-                <a:latin typeface="Arial" pitchFamily="34" charset="0"/>
-                <a:cs typeface="Arial" pitchFamily="34" charset="0"/>
-              </a:rPr>
-              <a:t>])</a:t>
-            </a:r>
-            <a:endParaRPr lang="en-US" dirty="0" smtClean="0">
-              <a:solidFill>
-                <a:schemeClr val="accent4"/>
-              </a:solidFill>
-              <a:latin typeface="Arial" pitchFamily="34" charset="0"/>
-              <a:cs typeface="Arial" pitchFamily="34" charset="0"/>
-            </a:endParaRPr>
-          </a:p>
-          <a:p>
-            <a:pPr marL="742950" lvl="1" indent="-285750" defTabSz="803275">
-              <a:buClr>
-                <a:srgbClr val="FF6600"/>
-              </a:buClr>
-              <a:buSzPct val="125000"/>
-              <a:buFont typeface="Wingdings" pitchFamily="2" charset="2"/>
-              <a:buChar char="ü"/>
-            </a:pPr>
-            <a:endParaRPr lang="ru-RU" dirty="0">
-              <a:solidFill>
-                <a:schemeClr val="accent4"/>
-              </a:solidFill>
-              <a:latin typeface="Arial" pitchFamily="34" charset="0"/>
-              <a:cs typeface="Arial" pitchFamily="34" charset="0"/>
-            </a:endParaRPr>
-          </a:p>
-          <a:p>
-            <a:pPr marL="285750" indent="-285750" defTabSz="803275">
-              <a:buClr>
-                <a:srgbClr val="FF6600"/>
-              </a:buClr>
-              <a:buSzPct val="125000"/>
-              <a:buFont typeface="Wingdings" pitchFamily="2" charset="2"/>
-              <a:buChar char="§"/>
-            </a:pPr>
-            <a:r>
-              <a:rPr lang="ru-RU" dirty="0">
-                <a:solidFill>
-                  <a:schemeClr val="accent4"/>
-                </a:solidFill>
-                <a:latin typeface="Arial" pitchFamily="34" charset="0"/>
-                <a:cs typeface="Arial" pitchFamily="34" charset="0"/>
-              </a:rPr>
-              <a:t>Рассмотрим небольшой пример тестирования математических операций</a:t>
-            </a:r>
-          </a:p>
-        </p:txBody>
-      </p:sp>
-    </p:spTree>
-    <p:extLst>
-      <p:ext uri="{BB962C8B-B14F-4D97-AF65-F5344CB8AC3E}">
-        <p14:creationId xmlns:p14="http://schemas.microsoft.com/office/powerpoint/2010/main" val="4060783892"/>
-      </p:ext>
-    </p:extLst>
-  </p:cSld>
-  <p:clrMapOvr>
-    <a:masterClrMapping/>
-  </p:clrMapOvr>
-  <mc:AlternateContent xmlns:mc="http://schemas.openxmlformats.org/markup-compatibility/2006">
-    <mc:Choice xmlns:p14="http://schemas.microsoft.com/office/powerpoint/2010/main" Requires="p14">
-      <p:transition p14:dur="0"/>
-    </mc:Choice>
-    <mc:Fallback>
-      <p:transition/>
-    </mc:Fallback>
-  </mc:AlternateContent>
-  <p:timing>
-    <p:tnLst>
-      <p:par>
-        <p:cTn id="1" dur="indefinite" restart="never" nodeType="tmRoot"/>
+        <p:cTn xmlns:p14="http://schemas.microsoft.com/office/powerpoint/2010/main" id="1" dur="indefinite" restart="never" nodeType="tmRoot"/>
       </p:par>
     </p:tnLst>
   </p:timing>
@@ -18682,7 +19840,7 @@
           <a:p>
             <a:r>
               <a:rPr lang="ru-RU" dirty="0"/>
-              <a:t>Пример использования </a:t>
+              <a:t>Использование </a:t>
             </a:r>
             <a:r>
               <a:rPr lang="en-US" dirty="0" err="1"/>
@@ -18706,8 +19864,8 @@
         </p:nvSpPr>
         <p:spPr bwMode="auto">
           <a:xfrm>
-            <a:off x="2000878" y="1370201"/>
-            <a:ext cx="5023841" cy="516612"/>
+            <a:off x="1028700" y="1508700"/>
+            <a:ext cx="7086600" cy="3840600"/>
           </a:xfrm>
           <a:prstGeom prst="rect">
             <a:avLst/>
@@ -18735,43 +19893,266 @@
               <a:buChar char="§"/>
             </a:pPr>
             <a:r>
-              <a:rPr lang="en-US" dirty="0" smtClean="0">
+              <a:rPr lang="ru-RU" dirty="0" smtClean="0">
                 <a:solidFill>
                   <a:schemeClr val="accent4"/>
                 </a:solidFill>
-              </a:rPr>
-              <a:t>TBD</a:t>
-            </a:r>
+                <a:latin typeface="Arial" pitchFamily="34" charset="0"/>
+                <a:cs typeface="Arial" pitchFamily="34" charset="0"/>
+              </a:rPr>
+              <a:t>Итак</a:t>
+            </a:r>
+            <a:r>
+              <a:rPr lang="ru-RU" dirty="0">
+                <a:solidFill>
+                  <a:schemeClr val="accent4"/>
+                </a:solidFill>
+                <a:latin typeface="Arial" pitchFamily="34" charset="0"/>
+                <a:cs typeface="Arial" pitchFamily="34" charset="0"/>
+              </a:rPr>
+              <a:t>, для написания модульного теста в среде JUnit нам необходимо</a:t>
+            </a:r>
+            <a:r>
+              <a:rPr lang="ru-RU" dirty="0" smtClean="0">
+                <a:solidFill>
+                  <a:schemeClr val="accent4"/>
+                </a:solidFill>
+                <a:latin typeface="Arial" pitchFamily="34" charset="0"/>
+                <a:cs typeface="Arial" pitchFamily="34" charset="0"/>
+              </a:rPr>
+              <a:t>:</a:t>
+            </a:r>
+            <a:endParaRPr lang="en-US" dirty="0" smtClean="0">
+              <a:solidFill>
+                <a:schemeClr val="accent4"/>
+              </a:solidFill>
+              <a:latin typeface="Arial" pitchFamily="34" charset="0"/>
+              <a:cs typeface="Arial" pitchFamily="34" charset="0"/>
+            </a:endParaRPr>
+          </a:p>
+          <a:p>
+            <a:pPr marL="285750" indent="-285750" defTabSz="803275">
+              <a:buClr>
+                <a:srgbClr val="FF6600"/>
+              </a:buClr>
+              <a:buSzPct val="125000"/>
+              <a:buFont typeface="Wingdings" pitchFamily="2" charset="2"/>
+              <a:buChar char="§"/>
+            </a:pPr>
             <a:endParaRPr lang="ru-RU" dirty="0">
               <a:solidFill>
                 <a:schemeClr val="accent4"/>
               </a:solidFill>
+              <a:latin typeface="Arial" pitchFamily="34" charset="0"/>
+              <a:cs typeface="Arial" pitchFamily="34" charset="0"/>
             </a:endParaRPr>
+          </a:p>
+          <a:p>
+            <a:pPr marL="742950" lvl="1" indent="-285750" defTabSz="803275">
+              <a:buClr>
+                <a:srgbClr val="FF6600"/>
+              </a:buClr>
+              <a:buSzPct val="125000"/>
+              <a:buFont typeface="Arial"/>
+              <a:buChar char="•"/>
+            </a:pPr>
+            <a:r>
+              <a:rPr lang="ru-RU" dirty="0">
+                <a:solidFill>
+                  <a:schemeClr val="accent4"/>
+                </a:solidFill>
+                <a:latin typeface="Arial" pitchFamily="34" charset="0"/>
+                <a:cs typeface="Arial" pitchFamily="34" charset="0"/>
+              </a:rPr>
+              <a:t>создать </a:t>
+            </a:r>
+            <a:r>
+              <a:rPr lang="ru-RU" dirty="0" smtClean="0">
+                <a:solidFill>
+                  <a:schemeClr val="accent4"/>
+                </a:solidFill>
+                <a:latin typeface="Arial" pitchFamily="34" charset="0"/>
+                <a:cs typeface="Arial" pitchFamily="34" charset="0"/>
+              </a:rPr>
+              <a:t>класс</a:t>
+            </a:r>
+            <a:endParaRPr lang="en-US" dirty="0" smtClean="0">
+              <a:solidFill>
+                <a:schemeClr val="accent4"/>
+              </a:solidFill>
+              <a:latin typeface="Arial" pitchFamily="34" charset="0"/>
+              <a:cs typeface="Arial" pitchFamily="34" charset="0"/>
+            </a:endParaRPr>
+          </a:p>
+          <a:p>
+            <a:pPr marL="742950" lvl="1" indent="-285750" defTabSz="803275">
+              <a:buClr>
+                <a:srgbClr val="FF6600"/>
+              </a:buClr>
+              <a:buSzPct val="125000"/>
+              <a:buFont typeface="Arial"/>
+              <a:buChar char="•"/>
+            </a:pPr>
+            <a:endParaRPr lang="ru-RU" dirty="0">
+              <a:solidFill>
+                <a:schemeClr val="accent4"/>
+              </a:solidFill>
+              <a:latin typeface="Arial" pitchFamily="34" charset="0"/>
+              <a:cs typeface="Arial" pitchFamily="34" charset="0"/>
+            </a:endParaRPr>
+          </a:p>
+          <a:p>
+            <a:pPr marL="742950" lvl="1" indent="-285750" defTabSz="803275">
+              <a:buClr>
+                <a:srgbClr val="FF6600"/>
+              </a:buClr>
+              <a:buSzPct val="125000"/>
+              <a:buFont typeface="Arial"/>
+              <a:buChar char="•"/>
+            </a:pPr>
+            <a:r>
+              <a:rPr lang="ru-RU" dirty="0">
+                <a:solidFill>
+                  <a:schemeClr val="accent4"/>
+                </a:solidFill>
+                <a:latin typeface="Arial" pitchFamily="34" charset="0"/>
+                <a:cs typeface="Arial" pitchFamily="34" charset="0"/>
+              </a:rPr>
+              <a:t>каждый тестовый случай описать в отдельном методе (с аннотацией @Test</a:t>
+            </a:r>
+            <a:r>
+              <a:rPr lang="ru-RU" dirty="0" smtClean="0">
+                <a:solidFill>
+                  <a:schemeClr val="accent4"/>
+                </a:solidFill>
+                <a:latin typeface="Arial" pitchFamily="34" charset="0"/>
+                <a:cs typeface="Arial" pitchFamily="34" charset="0"/>
+              </a:rPr>
+              <a:t>)</a:t>
+            </a:r>
+            <a:endParaRPr lang="en-US" dirty="0" smtClean="0">
+              <a:solidFill>
+                <a:schemeClr val="accent4"/>
+              </a:solidFill>
+              <a:latin typeface="Arial" pitchFamily="34" charset="0"/>
+              <a:cs typeface="Arial" pitchFamily="34" charset="0"/>
+            </a:endParaRPr>
+          </a:p>
+          <a:p>
+            <a:pPr marL="742950" lvl="1" indent="-285750" defTabSz="803275">
+              <a:buClr>
+                <a:srgbClr val="FF6600"/>
+              </a:buClr>
+              <a:buSzPct val="125000"/>
+              <a:buFont typeface="Arial"/>
+              <a:buChar char="•"/>
+            </a:pPr>
+            <a:endParaRPr lang="ru-RU" dirty="0">
+              <a:solidFill>
+                <a:schemeClr val="accent4"/>
+              </a:solidFill>
+              <a:latin typeface="Arial" pitchFamily="34" charset="0"/>
+              <a:cs typeface="Arial" pitchFamily="34" charset="0"/>
+            </a:endParaRPr>
+          </a:p>
+          <a:p>
+            <a:pPr marL="742950" lvl="1" indent="-285750" defTabSz="803275">
+              <a:buClr>
+                <a:srgbClr val="FF6600"/>
+              </a:buClr>
+              <a:buSzPct val="125000"/>
+              <a:buFont typeface="Arial"/>
+              <a:buChar char="•"/>
+            </a:pPr>
+            <a:r>
+              <a:rPr lang="ru-RU" dirty="0">
+                <a:solidFill>
+                  <a:schemeClr val="accent4"/>
+                </a:solidFill>
+                <a:latin typeface="Arial" pitchFamily="34" charset="0"/>
+                <a:cs typeface="Arial" pitchFamily="34" charset="0"/>
+              </a:rPr>
+              <a:t>при необходимости написать методы инициализации /очистки (с аннотациями @Before/After[Class</a:t>
+            </a:r>
+            <a:r>
+              <a:rPr lang="ru-RU" dirty="0" smtClean="0">
+                <a:solidFill>
+                  <a:schemeClr val="accent4"/>
+                </a:solidFill>
+                <a:latin typeface="Arial" pitchFamily="34" charset="0"/>
+                <a:cs typeface="Arial" pitchFamily="34" charset="0"/>
+              </a:rPr>
+              <a:t>])</a:t>
+            </a:r>
+            <a:endParaRPr lang="en-US" dirty="0" smtClean="0">
+              <a:solidFill>
+                <a:schemeClr val="accent4"/>
+              </a:solidFill>
+              <a:latin typeface="Arial" pitchFamily="34" charset="0"/>
+              <a:cs typeface="Arial" pitchFamily="34" charset="0"/>
+            </a:endParaRPr>
+          </a:p>
+          <a:p>
+            <a:pPr marL="742950" lvl="1" indent="-285750" defTabSz="803275">
+              <a:buClr>
+                <a:srgbClr val="FF6600"/>
+              </a:buClr>
+              <a:buSzPct val="125000"/>
+              <a:buFont typeface="Wingdings" pitchFamily="2" charset="2"/>
+              <a:buChar char="ü"/>
+            </a:pPr>
+            <a:endParaRPr lang="ru-RU" dirty="0">
+              <a:solidFill>
+                <a:schemeClr val="accent4"/>
+              </a:solidFill>
+              <a:latin typeface="Arial" pitchFamily="34" charset="0"/>
+              <a:cs typeface="Arial" pitchFamily="34" charset="0"/>
+            </a:endParaRPr>
+          </a:p>
+          <a:p>
+            <a:pPr marL="285750" indent="-285750" defTabSz="803275">
+              <a:buClr>
+                <a:srgbClr val="FF6600"/>
+              </a:buClr>
+              <a:buSzPct val="125000"/>
+              <a:buFont typeface="Wingdings" pitchFamily="2" charset="2"/>
+              <a:buChar char="§"/>
+            </a:pPr>
+            <a:r>
+              <a:rPr lang="ru-RU" dirty="0">
+                <a:solidFill>
+                  <a:schemeClr val="accent4"/>
+                </a:solidFill>
+                <a:latin typeface="Arial" pitchFamily="34" charset="0"/>
+                <a:cs typeface="Arial" pitchFamily="34" charset="0"/>
+              </a:rPr>
+              <a:t>Рассмотрим небольшой пример тестирования математических операций</a:t>
+            </a:r>
           </a:p>
         </p:txBody>
       </p:sp>
     </p:spTree>
     <p:extLst>
       <p:ext uri="{BB962C8B-B14F-4D97-AF65-F5344CB8AC3E}">
-        <p14:creationId xmlns:p14="http://schemas.microsoft.com/office/powerpoint/2010/main" val="538900468"/>
+        <p14:creationId xmlns:p14="http://schemas.microsoft.com/office/powerpoint/2010/main" val="4060783892"/>
       </p:ext>
     </p:extLst>
   </p:cSld>
   <p:clrMapOvr>
     <a:masterClrMapping/>
   </p:clrMapOvr>
-  <mc:AlternateContent xmlns:mc="http://schemas.openxmlformats.org/markup-compatibility/2006">
-    <mc:Choice xmlns:p14="http://schemas.microsoft.com/office/powerpoint/2010/main" Requires="p14">
+  <mc:AlternateContent xmlns:mc="http://schemas.openxmlformats.org/markup-compatibility/2006" xmlns:p14="http://schemas.microsoft.com/office/powerpoint/2010/main">
+    <mc:Choice Requires="p14">
       <p:transition p14:dur="0"/>
     </mc:Choice>
-    <mc:Fallback>
+    <mc:Fallback xmlns="">
       <p:transition/>
     </mc:Fallback>
   </mc:AlternateContent>
   <p:timing>
     <p:tnLst>
       <p:par>
-        <p:cTn id="1" dur="indefinite" restart="never" nodeType="tmRoot"/>
+        <p:cTn xmlns:p14="http://schemas.microsoft.com/office/powerpoint/2010/main" id="1" dur="indefinite" restart="never" nodeType="tmRoot"/>
       </p:par>
     </p:tnLst>
   </p:timing>
@@ -18812,7 +20193,7 @@
           <a:p>
             <a:r>
               <a:rPr lang="ru-RU" dirty="0"/>
-              <a:t>Использование </a:t>
+              <a:t>Пример использования </a:t>
             </a:r>
             <a:r>
               <a:rPr lang="en-US" dirty="0" err="1"/>
@@ -18824,109 +20205,399 @@
       </p:sp>
       <p:sp>
         <p:nvSpPr>
-          <p:cNvPr id="5" name="Rectangle 4"/>
-          <p:cNvSpPr>
-            <a:spLocks noChangeArrowheads="1"/>
-          </p:cNvSpPr>
-          <p:nvPr>
-            <p:custDataLst>
-              <p:tags r:id="rId1"/>
-            </p:custDataLst>
-          </p:nvPr>
+          <p:cNvPr id="7" name="Rectangle 6"/>
+          <p:cNvSpPr/>
+          <p:nvPr/>
         </p:nvSpPr>
-        <p:spPr bwMode="auto">
+        <p:spPr>
           <a:xfrm>
-            <a:off x="1409700" y="2478197"/>
-            <a:ext cx="6324600" cy="2178606"/>
+            <a:off x="381000" y="1447800"/>
+            <a:ext cx="8763000" cy="1815882"/>
           </a:xfrm>
           <a:prstGeom prst="rect">
             <a:avLst/>
           </a:prstGeom>
-          <a:noFill/>
-          <a:ln w="19050">
-            <a:noFill/>
-            <a:miter lim="800000"/>
-            <a:headEnd/>
-            <a:tailEnd/>
-          </a:ln>
         </p:spPr>
         <p:txBody>
-          <a:bodyPr wrap="square" lIns="93296" tIns="144000" rIns="93296" bIns="93296">
+          <a:bodyPr wrap="square">
             <a:spAutoFit/>
           </a:bodyPr>
           <a:lstStyle/>
           <a:p>
-            <a:pPr marL="285750" indent="-285750" defTabSz="803275">
-              <a:buClr>
-                <a:srgbClr val="FF6600"/>
-              </a:buClr>
-              <a:buSzPct val="125000"/>
-              <a:buFont typeface="Wingdings" pitchFamily="2" charset="2"/>
-              <a:buChar char="§"/>
-            </a:pPr>
-            <a:r>
-              <a:rPr lang="ru-RU" dirty="0">
-                <a:solidFill>
-                  <a:schemeClr val="accent4"/>
-                </a:solidFill>
-                <a:latin typeface="Arial" pitchFamily="34" charset="0"/>
-                <a:cs typeface="Arial" pitchFamily="34" charset="0"/>
-              </a:rPr>
-              <a:t>Как мы видим, в последнем тестовом методе используется метод fail([message</a:t>
-            </a:r>
-            <a:r>
-              <a:rPr lang="ru-RU" dirty="0" smtClean="0">
-                <a:solidFill>
-                  <a:schemeClr val="accent4"/>
-                </a:solidFill>
-                <a:latin typeface="Arial" pitchFamily="34" charset="0"/>
-                <a:cs typeface="Arial" pitchFamily="34" charset="0"/>
-              </a:rPr>
-              <a:t>]);</a:t>
-            </a:r>
-            <a:endParaRPr lang="en-US" dirty="0" smtClean="0">
-              <a:solidFill>
-                <a:schemeClr val="accent4"/>
-              </a:solidFill>
-              <a:latin typeface="Arial" pitchFamily="34" charset="0"/>
-              <a:cs typeface="Arial" pitchFamily="34" charset="0"/>
-            </a:endParaRPr>
-          </a:p>
-          <a:p>
-            <a:pPr marL="285750" indent="-285750" defTabSz="803275">
-              <a:buClr>
-                <a:srgbClr val="FF6600"/>
-              </a:buClr>
-              <a:buSzPct val="125000"/>
-              <a:buFont typeface="Wingdings" pitchFamily="2" charset="2"/>
-              <a:buChar char="§"/>
-            </a:pPr>
-            <a:endParaRPr lang="ru-RU" dirty="0">
-              <a:solidFill>
-                <a:schemeClr val="accent4"/>
-              </a:solidFill>
-              <a:latin typeface="Arial" pitchFamily="34" charset="0"/>
-              <a:cs typeface="Arial" pitchFamily="34" charset="0"/>
-            </a:endParaRPr>
-          </a:p>
-          <a:p>
-            <a:pPr marL="285750" indent="-285750" defTabSz="803275">
-              <a:buClr>
-                <a:srgbClr val="FF6600"/>
-              </a:buClr>
-              <a:buSzPct val="125000"/>
-              <a:buFont typeface="Wingdings" pitchFamily="2" charset="2"/>
-              <a:buChar char="§"/>
-            </a:pPr>
-            <a:r>
-              <a:rPr lang="ru-RU" dirty="0">
-                <a:solidFill>
-                  <a:schemeClr val="accent4"/>
-                </a:solidFill>
-                <a:latin typeface="Arial" pitchFamily="34" charset="0"/>
-                <a:cs typeface="Arial" pitchFamily="34" charset="0"/>
-              </a:rPr>
-              <a:t>Этот метод используется для прямого сообщения фреймворку об ошибке (в данном случае – если не было вызвано ожидаемое исключение, или оно не того типа)</a:t>
+            <a:r>
+              <a:rPr lang="en-US" sz="1600" b="1" dirty="0">
+                <a:solidFill>
+                  <a:srgbClr val="000080"/>
+                </a:solidFill>
+                <a:latin typeface="Menlo"/>
+              </a:rPr>
+              <a:t>public class</a:t>
+            </a:r>
+            <a:r>
+              <a:rPr lang="en-US" sz="1600" dirty="0">
+                <a:solidFill>
+                  <a:srgbClr val="000080"/>
+                </a:solidFill>
+                <a:latin typeface="Menlo"/>
+              </a:rPr>
+              <a:t> </a:t>
+            </a:r>
+            <a:r>
+              <a:rPr lang="en-US" sz="1600" dirty="0" err="1">
+                <a:solidFill>
+                  <a:srgbClr val="000000"/>
+                </a:solidFill>
+                <a:latin typeface="Menlo"/>
+              </a:rPr>
+              <a:t>MathTest</a:t>
+            </a:r>
+            <a:r>
+              <a:rPr lang="en-US" sz="1600" dirty="0">
+                <a:solidFill>
+                  <a:srgbClr val="000000"/>
+                </a:solidFill>
+                <a:latin typeface="Menlo"/>
+              </a:rPr>
+              <a:t> {</a:t>
+            </a:r>
+          </a:p>
+          <a:p>
+            <a:r>
+              <a:rPr lang="en-US" sz="1600" dirty="0">
+                <a:latin typeface="Menlo"/>
+              </a:rPr>
+              <a:t>    </a:t>
+            </a:r>
+            <a:r>
+              <a:rPr lang="en-US" sz="1600" dirty="0">
+                <a:solidFill>
+                  <a:srgbClr val="808000"/>
+                </a:solidFill>
+                <a:latin typeface="Menlo"/>
+              </a:rPr>
+              <a:t>@Test</a:t>
+            </a:r>
+          </a:p>
+          <a:p>
+            <a:r>
+              <a:rPr lang="fi-FI" sz="1600" dirty="0">
+                <a:latin typeface="Menlo"/>
+              </a:rPr>
+              <a:t>    </a:t>
+            </a:r>
+            <a:r>
+              <a:rPr lang="fi-FI" sz="1600" b="1" dirty="0" err="1">
+                <a:solidFill>
+                  <a:srgbClr val="000080"/>
+                </a:solidFill>
+                <a:latin typeface="Menlo"/>
+              </a:rPr>
+              <a:t>public</a:t>
+            </a:r>
+            <a:r>
+              <a:rPr lang="fi-FI" sz="1600" dirty="0">
+                <a:solidFill>
+                  <a:srgbClr val="000080"/>
+                </a:solidFill>
+                <a:latin typeface="Menlo"/>
+              </a:rPr>
+              <a:t> </a:t>
+            </a:r>
+            <a:r>
+              <a:rPr lang="fi-FI" sz="1600" dirty="0" err="1">
+                <a:solidFill>
+                  <a:srgbClr val="4C73A6"/>
+                </a:solidFill>
+                <a:latin typeface="Menlo"/>
+              </a:rPr>
+              <a:t>void</a:t>
+            </a:r>
+            <a:r>
+              <a:rPr lang="fi-FI" sz="1600" dirty="0">
+                <a:solidFill>
+                  <a:srgbClr val="4C73A6"/>
+                </a:solidFill>
+                <a:latin typeface="Menlo"/>
+              </a:rPr>
+              <a:t> </a:t>
+            </a:r>
+            <a:r>
+              <a:rPr lang="en-US" sz="1600" dirty="0">
+                <a:solidFill>
+                  <a:srgbClr val="000000"/>
+                </a:solidFill>
+                <a:latin typeface="Menlo"/>
+              </a:rPr>
+              <a:t>t</a:t>
+            </a:r>
+            <a:r>
+              <a:rPr lang="fi-FI" sz="1600" dirty="0" err="1" smtClean="0">
+                <a:solidFill>
+                  <a:srgbClr val="000000"/>
+                </a:solidFill>
+                <a:latin typeface="Menlo"/>
+              </a:rPr>
+              <a:t>estEquals</a:t>
+            </a:r>
+            <a:r>
+              <a:rPr lang="fi-FI" sz="1600" dirty="0">
+                <a:solidFill>
+                  <a:srgbClr val="000000"/>
+                </a:solidFill>
+                <a:latin typeface="Menlo"/>
+              </a:rPr>
+              <a:t>() {</a:t>
+            </a:r>
+          </a:p>
+          <a:p>
+            <a:r>
+              <a:rPr lang="it-IT" sz="1600" dirty="0">
+                <a:latin typeface="Menlo"/>
+              </a:rPr>
+              <a:t>        </a:t>
+            </a:r>
+            <a:r>
+              <a:rPr lang="it-IT" sz="1600" dirty="0" err="1">
+                <a:solidFill>
+                  <a:srgbClr val="000000"/>
+                </a:solidFill>
+                <a:latin typeface="Menlo"/>
+              </a:rPr>
+              <a:t>assertEquals</a:t>
+            </a:r>
+            <a:r>
+              <a:rPr lang="it-IT" sz="1600" dirty="0" smtClean="0">
+                <a:solidFill>
+                  <a:srgbClr val="000000"/>
+                </a:solidFill>
+                <a:latin typeface="Menlo"/>
+              </a:rPr>
+              <a:t>(</a:t>
+            </a:r>
+            <a:r>
+              <a:rPr lang="it-IT" sz="1600" b="1" dirty="0" smtClean="0">
+                <a:solidFill>
+                  <a:srgbClr val="009900"/>
+                </a:solidFill>
+                <a:latin typeface="Menlo"/>
+              </a:rPr>
+              <a:t>”</a:t>
+            </a:r>
+            <a:r>
+              <a:rPr lang="ru-RU" sz="1600" b="1" dirty="0">
+                <a:solidFill>
+                  <a:srgbClr val="009900"/>
+                </a:solidFill>
+                <a:latin typeface="Menlo"/>
+              </a:rPr>
+              <a:t>П</a:t>
+            </a:r>
+            <a:r>
+              <a:rPr lang="ru-RU" sz="1600" b="1" dirty="0" smtClean="0">
+                <a:solidFill>
+                  <a:srgbClr val="009900"/>
+                </a:solidFill>
+                <a:latin typeface="Menlo"/>
+              </a:rPr>
+              <a:t>равильный </a:t>
+            </a:r>
+            <a:r>
+              <a:rPr lang="ru-RU" sz="1600" b="1" dirty="0">
+                <a:solidFill>
+                  <a:srgbClr val="009900"/>
+                </a:solidFill>
+                <a:latin typeface="Menlo"/>
+              </a:rPr>
+              <a:t>результат </a:t>
+            </a:r>
+            <a:r>
+              <a:rPr lang="ru-RU" sz="1600" b="1" dirty="0" smtClean="0">
+                <a:solidFill>
+                  <a:srgbClr val="009900"/>
+                </a:solidFill>
+                <a:latin typeface="Menlo"/>
+              </a:rPr>
+              <a:t>сложения</a:t>
+            </a:r>
+            <a:r>
+              <a:rPr lang="it-IT" sz="1600" b="1" dirty="0" smtClean="0">
+                <a:solidFill>
+                  <a:srgbClr val="009900"/>
+                </a:solidFill>
+                <a:latin typeface="Menlo"/>
+              </a:rPr>
+              <a:t>"</a:t>
+            </a:r>
+            <a:r>
+              <a:rPr lang="it-IT" sz="1600" dirty="0">
+                <a:solidFill>
+                  <a:srgbClr val="000000"/>
+                </a:solidFill>
+                <a:latin typeface="Menlo"/>
+              </a:rPr>
+              <a:t>, </a:t>
+            </a:r>
+            <a:r>
+              <a:rPr lang="it-IT" sz="1600" dirty="0">
+                <a:solidFill>
+                  <a:srgbClr val="0000FF"/>
+                </a:solidFill>
+                <a:latin typeface="Menlo"/>
+              </a:rPr>
+              <a:t>4</a:t>
+            </a:r>
+            <a:r>
+              <a:rPr lang="it-IT" sz="1600" dirty="0">
+                <a:solidFill>
+                  <a:srgbClr val="000000"/>
+                </a:solidFill>
+                <a:latin typeface="Menlo"/>
+              </a:rPr>
+              <a:t>, </a:t>
+            </a:r>
+            <a:r>
+              <a:rPr lang="it-IT" sz="1600" dirty="0">
+                <a:solidFill>
+                  <a:srgbClr val="0000FF"/>
+                </a:solidFill>
+                <a:latin typeface="Menlo"/>
+              </a:rPr>
+              <a:t>2 </a:t>
+            </a:r>
+            <a:r>
+              <a:rPr lang="it-IT" sz="1600" dirty="0">
+                <a:solidFill>
+                  <a:srgbClr val="000000"/>
+                </a:solidFill>
+                <a:latin typeface="Menlo"/>
+              </a:rPr>
+              <a:t>+ </a:t>
+            </a:r>
+            <a:r>
+              <a:rPr lang="it-IT" sz="1600" dirty="0">
+                <a:solidFill>
+                  <a:srgbClr val="0000FF"/>
+                </a:solidFill>
+                <a:latin typeface="Menlo"/>
+              </a:rPr>
+              <a:t>2</a:t>
+            </a:r>
+            <a:r>
+              <a:rPr lang="it-IT" sz="1600" dirty="0">
+                <a:solidFill>
+                  <a:srgbClr val="000000"/>
+                </a:solidFill>
+                <a:latin typeface="Menlo"/>
+              </a:rPr>
+              <a:t>);</a:t>
+            </a:r>
+          </a:p>
+          <a:p>
+            <a:r>
+              <a:rPr lang="nb-NO" sz="1600" dirty="0">
+                <a:latin typeface="Menlo"/>
+              </a:rPr>
+              <a:t>        </a:t>
+            </a:r>
+            <a:r>
+              <a:rPr lang="nb-NO" sz="1600" dirty="0" err="1">
+                <a:solidFill>
+                  <a:srgbClr val="000000"/>
+                </a:solidFill>
+                <a:latin typeface="Menlo"/>
+              </a:rPr>
+              <a:t>assertTrue</a:t>
+            </a:r>
+            <a:r>
+              <a:rPr lang="nb-NO" sz="1600" dirty="0">
+                <a:solidFill>
+                  <a:srgbClr val="000000"/>
+                </a:solidFill>
+                <a:latin typeface="Menlo"/>
+              </a:rPr>
+              <a:t>(</a:t>
+            </a:r>
+            <a:r>
+              <a:rPr lang="nb-NO" sz="1600" dirty="0">
+                <a:solidFill>
+                  <a:srgbClr val="0000FF"/>
+                </a:solidFill>
+                <a:latin typeface="Menlo"/>
+              </a:rPr>
+              <a:t>4 </a:t>
+            </a:r>
+            <a:r>
+              <a:rPr lang="nb-NO" sz="1600" dirty="0">
+                <a:solidFill>
+                  <a:srgbClr val="000000"/>
+                </a:solidFill>
+                <a:latin typeface="Menlo"/>
+              </a:rPr>
+              <a:t>== </a:t>
+            </a:r>
+            <a:r>
+              <a:rPr lang="nb-NO" sz="1600" dirty="0">
+                <a:solidFill>
+                  <a:srgbClr val="0000FF"/>
+                </a:solidFill>
+                <a:latin typeface="Menlo"/>
+              </a:rPr>
+              <a:t>2 </a:t>
+            </a:r>
+            <a:r>
+              <a:rPr lang="nb-NO" sz="1600" dirty="0">
+                <a:solidFill>
+                  <a:srgbClr val="000000"/>
+                </a:solidFill>
+                <a:latin typeface="Menlo"/>
+              </a:rPr>
+              <a:t>+ </a:t>
+            </a:r>
+            <a:r>
+              <a:rPr lang="nb-NO" sz="1600" dirty="0">
+                <a:solidFill>
+                  <a:srgbClr val="0000FF"/>
+                </a:solidFill>
+                <a:latin typeface="Menlo"/>
+              </a:rPr>
+              <a:t>2</a:t>
+            </a:r>
+            <a:r>
+              <a:rPr lang="nb-NO" sz="1600" dirty="0">
+                <a:solidFill>
+                  <a:srgbClr val="000000"/>
+                </a:solidFill>
+                <a:latin typeface="Menlo"/>
+              </a:rPr>
+              <a:t>);</a:t>
+            </a:r>
+          </a:p>
+          <a:p>
+            <a:r>
+              <a:rPr lang="en-US" sz="1600" dirty="0">
+                <a:latin typeface="Menlo"/>
+              </a:rPr>
+              <a:t>    </a:t>
+            </a:r>
+            <a:r>
+              <a:rPr lang="en-US" sz="1600" dirty="0">
+                <a:solidFill>
+                  <a:srgbClr val="000000"/>
+                </a:solidFill>
+                <a:latin typeface="Menlo"/>
+              </a:rPr>
+              <a:t>}</a:t>
+            </a:r>
+          </a:p>
+          <a:p>
+            <a:r>
+              <a:rPr lang="en-US" sz="1600" dirty="0">
+                <a:solidFill>
+                  <a:srgbClr val="000000"/>
+                </a:solidFill>
+                <a:latin typeface="Menlo"/>
+              </a:rPr>
+              <a:t>}</a:t>
             </a:r>
           </a:p>
         </p:txBody>
@@ -18934,25 +20605,25 @@
     </p:spTree>
     <p:extLst>
       <p:ext uri="{BB962C8B-B14F-4D97-AF65-F5344CB8AC3E}">
-        <p14:creationId xmlns:p14="http://schemas.microsoft.com/office/powerpoint/2010/main" val="2978130282"/>
+        <p14:creationId xmlns:p14="http://schemas.microsoft.com/office/powerpoint/2010/main" val="538900468"/>
       </p:ext>
     </p:extLst>
   </p:cSld>
   <p:clrMapOvr>
     <a:masterClrMapping/>
   </p:clrMapOvr>
-  <mc:AlternateContent xmlns:mc="http://schemas.openxmlformats.org/markup-compatibility/2006">
-    <mc:Choice xmlns:p14="http://schemas.microsoft.com/office/powerpoint/2010/main" Requires="p14">
+  <mc:AlternateContent xmlns:mc="http://schemas.openxmlformats.org/markup-compatibility/2006" xmlns:p14="http://schemas.microsoft.com/office/powerpoint/2010/main">
+    <mc:Choice Requires="p14">
       <p:transition p14:dur="0"/>
     </mc:Choice>
-    <mc:Fallback>
+    <mc:Fallback xmlns="">
       <p:transition/>
     </mc:Fallback>
   </mc:AlternateContent>
   <p:timing>
     <p:tnLst>
       <p:par>
-        <p:cTn id="1" dur="indefinite" restart="never" nodeType="tmRoot"/>
+        <p:cTn xmlns:p14="http://schemas.microsoft.com/office/powerpoint/2010/main" id="1" dur="indefinite" restart="never" nodeType="tmRoot"/>
       </p:par>
     </p:tnLst>
   </p:timing>
@@ -18993,7 +20664,11 @@
           <a:p>
             <a:r>
               <a:rPr lang="ru-RU" dirty="0"/>
-              <a:t>Запуск тестов из консоли</a:t>
+              <a:t>Пример использования </a:t>
+            </a:r>
+            <a:r>
+              <a:rPr lang="en-US" dirty="0" err="1"/>
+              <a:t>JUnit</a:t>
             </a:r>
             <a:endParaRPr lang="en-US" dirty="0"/>
           </a:p>
@@ -19001,230 +20676,692 @@
       </p:sp>
       <p:sp>
         <p:nvSpPr>
-          <p:cNvPr id="5" name="Rectangle 4"/>
-          <p:cNvSpPr>
-            <a:spLocks noChangeArrowheads="1"/>
-          </p:cNvSpPr>
-          <p:nvPr>
-            <p:custDataLst>
-              <p:tags r:id="rId1"/>
-            </p:custDataLst>
-          </p:nvPr>
+          <p:cNvPr id="7" name="Rectangle 6"/>
+          <p:cNvSpPr/>
+          <p:nvPr/>
         </p:nvSpPr>
-        <p:spPr bwMode="auto">
+        <p:spPr>
           <a:xfrm>
-            <a:off x="381000" y="985400"/>
-            <a:ext cx="5023841" cy="1347609"/>
+            <a:off x="381000" y="1447800"/>
+            <a:ext cx="8763000" cy="4031873"/>
           </a:xfrm>
           <a:prstGeom prst="rect">
             <a:avLst/>
           </a:prstGeom>
-          <a:noFill/>
-          <a:ln w="19050">
-            <a:noFill/>
-            <a:miter lim="800000"/>
-            <a:headEnd/>
-            <a:tailEnd/>
-          </a:ln>
         </p:spPr>
         <p:txBody>
-          <a:bodyPr wrap="square" lIns="93296" tIns="144000" rIns="93296" bIns="93296">
+          <a:bodyPr wrap="square">
             <a:spAutoFit/>
           </a:bodyPr>
           <a:lstStyle/>
           <a:p>
-            <a:pPr defTabSz="803275">
-              <a:buClr>
-                <a:srgbClr val="FF6600"/>
-              </a:buClr>
-              <a:buSzPct val="125000"/>
-            </a:pPr>
-            <a:r>
-              <a:rPr lang="en-US" dirty="0">
-                <a:solidFill>
-                  <a:schemeClr val="accent4"/>
-                </a:solidFill>
-                <a:latin typeface="Arial" pitchFamily="34" charset="0"/>
-                <a:cs typeface="Arial" pitchFamily="34" charset="0"/>
-              </a:rPr>
-              <a:t>java -</a:t>
-            </a:r>
-            <a:r>
-              <a:rPr lang="en-US" dirty="0" err="1">
-                <a:solidFill>
-                  <a:schemeClr val="accent4"/>
-                </a:solidFill>
-                <a:latin typeface="Arial" pitchFamily="34" charset="0"/>
-                <a:cs typeface="Arial" pitchFamily="34" charset="0"/>
-              </a:rPr>
-              <a:t>cp</a:t>
-            </a:r>
-            <a:r>
-              <a:rPr lang="en-US" dirty="0">
-                <a:solidFill>
-                  <a:schemeClr val="accent4"/>
-                </a:solidFill>
-                <a:latin typeface="Arial" pitchFamily="34" charset="0"/>
-                <a:cs typeface="Arial" pitchFamily="34" charset="0"/>
+            <a:r>
+              <a:rPr lang="en-US" sz="1600" b="1" dirty="0">
+                <a:solidFill>
+                  <a:srgbClr val="000080"/>
+                </a:solidFill>
+                <a:latin typeface="Menlo"/>
+              </a:rPr>
+              <a:t>public class</a:t>
+            </a:r>
+            <a:r>
+              <a:rPr lang="en-US" sz="1600" dirty="0">
+                <a:solidFill>
+                  <a:srgbClr val="000080"/>
+                </a:solidFill>
+                <a:latin typeface="Menlo"/>
               </a:rPr>
               <a:t> </a:t>
             </a:r>
             <a:r>
-              <a:rPr lang="en-US" dirty="0" smtClean="0">
-                <a:solidFill>
-                  <a:schemeClr val="accent4"/>
-                </a:solidFill>
-                <a:latin typeface="Arial" pitchFamily="34" charset="0"/>
-                <a:cs typeface="Arial" pitchFamily="34" charset="0"/>
-              </a:rPr>
-              <a:t>\</a:t>
-            </a:r>
-          </a:p>
-          <a:p>
-            <a:pPr defTabSz="803275">
-              <a:buClr>
-                <a:srgbClr val="FF6600"/>
-              </a:buClr>
-              <a:buSzPct val="125000"/>
-            </a:pPr>
-            <a:r>
-              <a:rPr lang="en-US" dirty="0" smtClean="0">
-                <a:solidFill>
-                  <a:schemeClr val="accent4"/>
-                </a:solidFill>
-                <a:latin typeface="Arial" pitchFamily="34" charset="0"/>
-                <a:cs typeface="Arial" pitchFamily="34" charset="0"/>
-              </a:rPr>
-              <a:t>C</a:t>
-            </a:r>
-            <a:r>
-              <a:rPr lang="en-US" dirty="0">
-                <a:solidFill>
-                  <a:schemeClr val="accent4"/>
-                </a:solidFill>
-                <a:latin typeface="Arial" pitchFamily="34" charset="0"/>
-                <a:cs typeface="Arial" pitchFamily="34" charset="0"/>
-              </a:rPr>
-              <a:t>:\</a:t>
-            </a:r>
-            <a:r>
-              <a:rPr lang="en-US" dirty="0" smtClean="0">
-                <a:solidFill>
-                  <a:schemeClr val="accent4"/>
-                </a:solidFill>
-                <a:latin typeface="Arial" pitchFamily="34" charset="0"/>
-                <a:cs typeface="Arial" pitchFamily="34" charset="0"/>
-              </a:rPr>
-              <a:t>testing\lib\junit-4.5.jar; \</a:t>
-            </a:r>
-          </a:p>
-          <a:p>
-            <a:pPr defTabSz="803275">
-              <a:buClr>
-                <a:srgbClr val="FF6600"/>
-              </a:buClr>
-              <a:buSzPct val="125000"/>
-            </a:pPr>
-            <a:r>
-              <a:rPr lang="en-US" dirty="0" smtClean="0">
-                <a:solidFill>
-                  <a:schemeClr val="accent4"/>
-                </a:solidFill>
-                <a:latin typeface="Arial" pitchFamily="34" charset="0"/>
-                <a:cs typeface="Arial" pitchFamily="34" charset="0"/>
-              </a:rPr>
-              <a:t>C</a:t>
-            </a:r>
-            <a:r>
-              <a:rPr lang="en-US" dirty="0">
-                <a:solidFill>
-                  <a:schemeClr val="accent4"/>
-                </a:solidFill>
-                <a:latin typeface="Arial" pitchFamily="34" charset="0"/>
-                <a:cs typeface="Arial" pitchFamily="34" charset="0"/>
-              </a:rPr>
-              <a:t>:\testing\bin </a:t>
-            </a:r>
-            <a:r>
-              <a:rPr lang="en-US" dirty="0" err="1">
-                <a:solidFill>
-                  <a:schemeClr val="accent4"/>
-                </a:solidFill>
-                <a:latin typeface="Arial" pitchFamily="34" charset="0"/>
-                <a:cs typeface="Arial" pitchFamily="34" charset="0"/>
-              </a:rPr>
-              <a:t>org.junit.runner.JUnitCore</a:t>
-            </a:r>
-            <a:r>
-              <a:rPr lang="en-US" dirty="0">
-                <a:solidFill>
-                  <a:schemeClr val="accent4"/>
-                </a:solidFill>
-                <a:latin typeface="Arial" pitchFamily="34" charset="0"/>
-                <a:cs typeface="Arial" pitchFamily="34" charset="0"/>
+              <a:rPr lang="en-US" sz="1600" dirty="0" err="1">
+                <a:solidFill>
+                  <a:srgbClr val="000000"/>
+                </a:solidFill>
+                <a:latin typeface="Menlo"/>
+              </a:rPr>
+              <a:t>MathTest</a:t>
+            </a:r>
+            <a:r>
+              <a:rPr lang="en-US" sz="1600" dirty="0">
+                <a:solidFill>
+                  <a:srgbClr val="000000"/>
+                </a:solidFill>
+                <a:latin typeface="Menlo"/>
+              </a:rPr>
+              <a:t> {</a:t>
+            </a:r>
+          </a:p>
+          <a:p>
+            <a:r>
+              <a:rPr lang="en-US" sz="1600" dirty="0">
+                <a:latin typeface="Menlo"/>
+              </a:rPr>
+              <a:t>    </a:t>
+            </a:r>
+            <a:r>
+              <a:rPr lang="en-US" sz="1600" dirty="0">
+                <a:solidFill>
+                  <a:srgbClr val="808000"/>
+                </a:solidFill>
+                <a:latin typeface="Menlo"/>
+              </a:rPr>
+              <a:t>@Test</a:t>
+            </a:r>
+          </a:p>
+          <a:p>
+            <a:r>
+              <a:rPr lang="fi-FI" sz="1600" dirty="0">
+                <a:latin typeface="Menlo"/>
+              </a:rPr>
+              <a:t>    </a:t>
+            </a:r>
+            <a:r>
+              <a:rPr lang="fi-FI" sz="1600" b="1" dirty="0" err="1">
+                <a:solidFill>
+                  <a:srgbClr val="000080"/>
+                </a:solidFill>
+                <a:latin typeface="Menlo"/>
+              </a:rPr>
+              <a:t>public</a:t>
+            </a:r>
+            <a:r>
+              <a:rPr lang="fi-FI" sz="1600" dirty="0">
+                <a:solidFill>
+                  <a:srgbClr val="000080"/>
+                </a:solidFill>
+                <a:latin typeface="Menlo"/>
               </a:rPr>
               <a:t> </a:t>
             </a:r>
             <a:r>
-              <a:rPr lang="en-US" dirty="0" smtClean="0">
-                <a:solidFill>
-                  <a:schemeClr val="accent4"/>
-                </a:solidFill>
-                <a:latin typeface="Arial" pitchFamily="34" charset="0"/>
-                <a:cs typeface="Arial" pitchFamily="34" charset="0"/>
-              </a:rPr>
-              <a:t>\</a:t>
-            </a:r>
-          </a:p>
-          <a:p>
-            <a:pPr defTabSz="803275">
-              <a:buClr>
-                <a:srgbClr val="FF6600"/>
-              </a:buClr>
-              <a:buSzPct val="125000"/>
-            </a:pPr>
-            <a:r>
-              <a:rPr lang="en-US" dirty="0" err="1" smtClean="0">
-                <a:solidFill>
-                  <a:schemeClr val="accent4"/>
-                </a:solidFill>
-                <a:latin typeface="Arial" pitchFamily="34" charset="0"/>
-                <a:cs typeface="Arial" pitchFamily="34" charset="0"/>
-              </a:rPr>
-              <a:t>MathTestClass</a:t>
-            </a:r>
-            <a:endParaRPr lang="en-US" dirty="0">
-              <a:solidFill>
-                <a:schemeClr val="accent4"/>
-              </a:solidFill>
-              <a:latin typeface="Arial" pitchFamily="34" charset="0"/>
-              <a:cs typeface="Arial" pitchFamily="34" charset="0"/>
+              <a:rPr lang="fi-FI" sz="1600" dirty="0" err="1">
+                <a:solidFill>
+                  <a:srgbClr val="4C73A6"/>
+                </a:solidFill>
+                <a:latin typeface="Menlo"/>
+              </a:rPr>
+              <a:t>void</a:t>
+            </a:r>
+            <a:r>
+              <a:rPr lang="fi-FI" sz="1600" dirty="0">
+                <a:solidFill>
+                  <a:srgbClr val="4C73A6"/>
+                </a:solidFill>
+                <a:latin typeface="Menlo"/>
+              </a:rPr>
+              <a:t> </a:t>
+            </a:r>
+            <a:r>
+              <a:rPr lang="fi-FI" sz="1600" dirty="0" err="1">
+                <a:solidFill>
+                  <a:srgbClr val="000000"/>
+                </a:solidFill>
+                <a:latin typeface="Menlo"/>
+              </a:rPr>
+              <a:t>TestNotEquals</a:t>
+            </a:r>
+            <a:r>
+              <a:rPr lang="fi-FI" sz="1600" dirty="0">
+                <a:solidFill>
+                  <a:srgbClr val="000000"/>
+                </a:solidFill>
+                <a:latin typeface="Menlo"/>
+              </a:rPr>
+              <a:t>() {</a:t>
+            </a:r>
+          </a:p>
+          <a:p>
+            <a:r>
+              <a:rPr lang="nb-NO" sz="1600" dirty="0">
+                <a:latin typeface="Menlo"/>
+              </a:rPr>
+              <a:t>        </a:t>
+            </a:r>
+            <a:r>
+              <a:rPr lang="nb-NO" sz="1600" dirty="0" err="1">
+                <a:solidFill>
+                  <a:srgbClr val="000000"/>
+                </a:solidFill>
+                <a:latin typeface="Menlo"/>
+              </a:rPr>
+              <a:t>assertFalse</a:t>
+            </a:r>
+            <a:r>
+              <a:rPr lang="nb-NO" sz="1600" dirty="0">
+                <a:solidFill>
+                  <a:srgbClr val="000000"/>
+                </a:solidFill>
+                <a:latin typeface="Menlo"/>
+              </a:rPr>
+              <a:t>(</a:t>
+            </a:r>
+            <a:r>
+              <a:rPr lang="nb-NO" sz="1600" dirty="0">
+                <a:solidFill>
+                  <a:srgbClr val="0000FF"/>
+                </a:solidFill>
+                <a:latin typeface="Menlo"/>
+              </a:rPr>
+              <a:t>5 </a:t>
+            </a:r>
+            <a:r>
+              <a:rPr lang="nb-NO" sz="1600" dirty="0">
+                <a:solidFill>
+                  <a:srgbClr val="000000"/>
+                </a:solidFill>
+                <a:latin typeface="Menlo"/>
+              </a:rPr>
+              <a:t>== </a:t>
+            </a:r>
+            <a:r>
+              <a:rPr lang="nb-NO" sz="1600" dirty="0">
+                <a:solidFill>
+                  <a:srgbClr val="0000FF"/>
+                </a:solidFill>
+                <a:latin typeface="Menlo"/>
+              </a:rPr>
+              <a:t>2 </a:t>
+            </a:r>
+            <a:r>
+              <a:rPr lang="nb-NO" sz="1600" dirty="0">
+                <a:solidFill>
+                  <a:srgbClr val="000000"/>
+                </a:solidFill>
+                <a:latin typeface="Menlo"/>
+              </a:rPr>
+              <a:t>+ </a:t>
+            </a:r>
+            <a:r>
+              <a:rPr lang="nb-NO" sz="1600" dirty="0">
+                <a:solidFill>
+                  <a:srgbClr val="0000FF"/>
+                </a:solidFill>
+                <a:latin typeface="Menlo"/>
+              </a:rPr>
+              <a:t>2</a:t>
+            </a:r>
+            <a:r>
+              <a:rPr lang="nb-NO" sz="1600" dirty="0">
+                <a:solidFill>
+                  <a:srgbClr val="000000"/>
+                </a:solidFill>
+                <a:latin typeface="Menlo"/>
+              </a:rPr>
+              <a:t>);</a:t>
+            </a:r>
+          </a:p>
+          <a:p>
+            <a:r>
+              <a:rPr lang="en-US" sz="1600" dirty="0">
+                <a:latin typeface="Menlo"/>
+              </a:rPr>
+              <a:t>    </a:t>
+            </a:r>
+            <a:r>
+              <a:rPr lang="en-US" sz="1600" dirty="0">
+                <a:solidFill>
+                  <a:srgbClr val="000000"/>
+                </a:solidFill>
+                <a:latin typeface="Menlo"/>
+              </a:rPr>
+              <a:t>}</a:t>
+            </a:r>
+          </a:p>
+          <a:p>
+            <a:endParaRPr lang="en-US" sz="1600" dirty="0">
+              <a:latin typeface="Menlo"/>
             </a:endParaRPr>
+          </a:p>
+          <a:p>
+            <a:r>
+              <a:rPr lang="en-US" sz="1600" dirty="0">
+                <a:latin typeface="Menlo"/>
+              </a:rPr>
+              <a:t>    </a:t>
+            </a:r>
+            <a:r>
+              <a:rPr lang="en-US" sz="1600" dirty="0">
+                <a:solidFill>
+                  <a:srgbClr val="808000"/>
+                </a:solidFill>
+                <a:latin typeface="Menlo"/>
+              </a:rPr>
+              <a:t>@Test</a:t>
+            </a:r>
+          </a:p>
+          <a:p>
+            <a:r>
+              <a:rPr lang="it-IT" sz="1600" dirty="0">
+                <a:latin typeface="Menlo"/>
+              </a:rPr>
+              <a:t>    </a:t>
+            </a:r>
+            <a:r>
+              <a:rPr lang="it-IT" sz="1600" b="1" dirty="0">
+                <a:solidFill>
+                  <a:srgbClr val="000080"/>
+                </a:solidFill>
+                <a:latin typeface="Menlo"/>
+              </a:rPr>
+              <a:t>public</a:t>
+            </a:r>
+            <a:r>
+              <a:rPr lang="it-IT" sz="1600" dirty="0">
+                <a:solidFill>
+                  <a:srgbClr val="000080"/>
+                </a:solidFill>
+                <a:latin typeface="Menlo"/>
+              </a:rPr>
+              <a:t> </a:t>
+            </a:r>
+            <a:r>
+              <a:rPr lang="it-IT" sz="1600" dirty="0" err="1">
+                <a:solidFill>
+                  <a:srgbClr val="4C73A6"/>
+                </a:solidFill>
+                <a:latin typeface="Menlo"/>
+              </a:rPr>
+              <a:t>void</a:t>
+            </a:r>
+            <a:r>
+              <a:rPr lang="it-IT" sz="1600" dirty="0">
+                <a:solidFill>
+                  <a:srgbClr val="4C73A6"/>
+                </a:solidFill>
+                <a:latin typeface="Menlo"/>
+              </a:rPr>
+              <a:t> </a:t>
+            </a:r>
+            <a:r>
+              <a:rPr lang="it-IT" sz="1600" dirty="0" err="1">
+                <a:solidFill>
+                  <a:srgbClr val="000000"/>
+                </a:solidFill>
+                <a:latin typeface="Menlo"/>
+              </a:rPr>
+              <a:t>DevizionByZeroTest</a:t>
+            </a:r>
+            <a:r>
+              <a:rPr lang="it-IT" sz="1600" dirty="0">
+                <a:solidFill>
+                  <a:srgbClr val="000000"/>
+                </a:solidFill>
+                <a:latin typeface="Menlo"/>
+              </a:rPr>
+              <a:t>() {</a:t>
+            </a:r>
+          </a:p>
+          <a:p>
+            <a:r>
+              <a:rPr lang="en-US" sz="1600" dirty="0">
+                <a:latin typeface="Menlo"/>
+              </a:rPr>
+              <a:t>        </a:t>
+            </a:r>
+            <a:r>
+              <a:rPr lang="en-US" sz="1600" b="1" dirty="0">
+                <a:solidFill>
+                  <a:srgbClr val="000080"/>
+                </a:solidFill>
+                <a:latin typeface="Menlo"/>
+              </a:rPr>
+              <a:t>try</a:t>
+            </a:r>
+            <a:r>
+              <a:rPr lang="en-US" sz="1600" dirty="0">
+                <a:solidFill>
+                  <a:srgbClr val="000080"/>
+                </a:solidFill>
+                <a:latin typeface="Menlo"/>
+              </a:rPr>
+              <a:t> </a:t>
+            </a:r>
+            <a:r>
+              <a:rPr lang="en-US" sz="1600" dirty="0">
+                <a:solidFill>
+                  <a:srgbClr val="000000"/>
+                </a:solidFill>
+                <a:latin typeface="Menlo"/>
+              </a:rPr>
+              <a:t>{</a:t>
+            </a:r>
+          </a:p>
+          <a:p>
+            <a:r>
+              <a:rPr lang="fr-FR" sz="1600" dirty="0">
+                <a:latin typeface="Menlo"/>
+              </a:rPr>
+              <a:t>            </a:t>
+            </a:r>
+            <a:r>
+              <a:rPr lang="fr-FR" sz="1600" dirty="0" err="1">
+                <a:solidFill>
+                  <a:srgbClr val="4C73A6"/>
+                </a:solidFill>
+                <a:latin typeface="Menlo"/>
+              </a:rPr>
+              <a:t>int</a:t>
+            </a:r>
+            <a:r>
+              <a:rPr lang="fr-FR" sz="1600" dirty="0">
+                <a:solidFill>
+                  <a:srgbClr val="4C73A6"/>
+                </a:solidFill>
+                <a:latin typeface="Menlo"/>
+              </a:rPr>
+              <a:t> </a:t>
+            </a:r>
+            <a:r>
+              <a:rPr lang="fr-FR" sz="1600" dirty="0">
+                <a:solidFill>
+                  <a:srgbClr val="000000"/>
+                </a:solidFill>
+                <a:latin typeface="Menlo"/>
+              </a:rPr>
+              <a:t>x = </a:t>
+            </a:r>
+            <a:r>
+              <a:rPr lang="fr-FR" sz="1600" dirty="0">
+                <a:solidFill>
+                  <a:srgbClr val="0000FF"/>
+                </a:solidFill>
+                <a:latin typeface="Menlo"/>
+              </a:rPr>
+              <a:t>1 </a:t>
+            </a:r>
+            <a:r>
+              <a:rPr lang="fr-FR" sz="1600" dirty="0">
+                <a:solidFill>
+                  <a:srgbClr val="000000"/>
+                </a:solidFill>
+                <a:latin typeface="Menlo"/>
+              </a:rPr>
+              <a:t>/ </a:t>
+            </a:r>
+            <a:r>
+              <a:rPr lang="fr-FR" sz="1600" dirty="0">
+                <a:solidFill>
+                  <a:srgbClr val="0000FF"/>
+                </a:solidFill>
+                <a:latin typeface="Menlo"/>
+              </a:rPr>
+              <a:t>0</a:t>
+            </a:r>
+            <a:r>
+              <a:rPr lang="fr-FR" sz="1600" dirty="0">
+                <a:solidFill>
+                  <a:srgbClr val="000000"/>
+                </a:solidFill>
+                <a:latin typeface="Menlo"/>
+              </a:rPr>
+              <a:t>;</a:t>
+            </a:r>
+          </a:p>
+          <a:p>
+            <a:r>
+              <a:rPr lang="fr-FR" sz="1600" dirty="0">
+                <a:latin typeface="Menlo"/>
+              </a:rPr>
+              <a:t>            </a:t>
+            </a:r>
+            <a:r>
+              <a:rPr lang="fr-FR" sz="1600" dirty="0" err="1">
+                <a:solidFill>
+                  <a:srgbClr val="000000"/>
+                </a:solidFill>
+                <a:latin typeface="Menlo"/>
+              </a:rPr>
+              <a:t>fail</a:t>
+            </a:r>
+            <a:r>
+              <a:rPr lang="fr-FR" sz="1600" dirty="0">
+                <a:solidFill>
+                  <a:srgbClr val="000000"/>
+                </a:solidFill>
+                <a:latin typeface="Menlo"/>
+              </a:rPr>
+              <a:t>(</a:t>
+            </a:r>
+            <a:r>
+              <a:rPr lang="fr-FR" sz="1600" b="1" dirty="0" smtClean="0">
+                <a:solidFill>
+                  <a:srgbClr val="009900"/>
+                </a:solidFill>
+                <a:latin typeface="Menlo"/>
+              </a:rPr>
+              <a:t>"</a:t>
+            </a:r>
+            <a:r>
+              <a:rPr lang="ru-RU" sz="1600" b="1" dirty="0">
+                <a:solidFill>
+                  <a:srgbClr val="009900"/>
+                </a:solidFill>
+                <a:latin typeface="Menlo"/>
+              </a:rPr>
+              <a:t>Не поймано исключение при делении на </a:t>
+            </a:r>
+            <a:r>
+              <a:rPr lang="ru-RU" sz="1600" b="1" dirty="0" smtClean="0">
+                <a:solidFill>
+                  <a:srgbClr val="009900"/>
+                </a:solidFill>
+                <a:latin typeface="Menlo"/>
+              </a:rPr>
+              <a:t>0</a:t>
+            </a:r>
+            <a:r>
+              <a:rPr lang="fr-FR" sz="1600" b="1" dirty="0" smtClean="0">
+                <a:solidFill>
+                  <a:srgbClr val="009900"/>
+                </a:solidFill>
+                <a:latin typeface="Menlo"/>
+              </a:rPr>
+              <a:t>"</a:t>
+            </a:r>
+            <a:r>
+              <a:rPr lang="fr-FR" sz="1600" dirty="0">
+                <a:solidFill>
+                  <a:srgbClr val="000000"/>
+                </a:solidFill>
+                <a:latin typeface="Menlo"/>
+              </a:rPr>
+              <a:t>);</a:t>
+            </a:r>
+          </a:p>
+          <a:p>
+            <a:r>
+              <a:rPr lang="fr-FR" sz="1600" dirty="0">
+                <a:latin typeface="Menlo"/>
+              </a:rPr>
+              <a:t>        </a:t>
+            </a:r>
+            <a:r>
+              <a:rPr lang="fr-FR" sz="1600" dirty="0">
+                <a:solidFill>
+                  <a:srgbClr val="000000"/>
+                </a:solidFill>
+                <a:latin typeface="Menlo"/>
+              </a:rPr>
+              <a:t>} </a:t>
+            </a:r>
+            <a:r>
+              <a:rPr lang="fr-FR" sz="1600" b="1" dirty="0">
+                <a:solidFill>
+                  <a:srgbClr val="000080"/>
+                </a:solidFill>
+                <a:latin typeface="Menlo"/>
+              </a:rPr>
+              <a:t>catch</a:t>
+            </a:r>
+            <a:r>
+              <a:rPr lang="fr-FR" sz="1600" dirty="0">
+                <a:solidFill>
+                  <a:srgbClr val="000080"/>
+                </a:solidFill>
+                <a:latin typeface="Menlo"/>
+              </a:rPr>
+              <a:t> </a:t>
+            </a:r>
+            <a:r>
+              <a:rPr lang="fr-FR" sz="1600" dirty="0">
+                <a:solidFill>
+                  <a:srgbClr val="000000"/>
+                </a:solidFill>
+                <a:latin typeface="Menlo"/>
+              </a:rPr>
+              <a:t>(</a:t>
+            </a:r>
+            <a:r>
+              <a:rPr lang="fr-FR" sz="1600" dirty="0">
+                <a:solidFill>
+                  <a:srgbClr val="0000B3"/>
+                </a:solidFill>
+                <a:latin typeface="Menlo"/>
+              </a:rPr>
+              <a:t>Exception </a:t>
+            </a:r>
+            <a:r>
+              <a:rPr lang="fr-FR" sz="1600" dirty="0">
+                <a:solidFill>
+                  <a:srgbClr val="000000"/>
+                </a:solidFill>
+                <a:latin typeface="Menlo"/>
+              </a:rPr>
+              <a:t>e) {</a:t>
+            </a:r>
+          </a:p>
+          <a:p>
+            <a:r>
+              <a:rPr lang="fr-FR" sz="1600" dirty="0">
+                <a:latin typeface="Menlo"/>
+              </a:rPr>
+              <a:t>            </a:t>
+            </a:r>
+            <a:r>
+              <a:rPr lang="fr-FR" sz="1600" dirty="0" err="1">
+                <a:solidFill>
+                  <a:srgbClr val="000000"/>
+                </a:solidFill>
+                <a:latin typeface="Menlo"/>
+              </a:rPr>
+              <a:t>fail</a:t>
+            </a:r>
+            <a:r>
+              <a:rPr lang="fr-FR" sz="1600" dirty="0">
+                <a:solidFill>
+                  <a:srgbClr val="000000"/>
+                </a:solidFill>
+                <a:latin typeface="Menlo"/>
+              </a:rPr>
+              <a:t>(</a:t>
+            </a:r>
+            <a:r>
+              <a:rPr lang="fr-FR" sz="1600" b="1" dirty="0" smtClean="0">
+                <a:solidFill>
+                  <a:srgbClr val="009900"/>
+                </a:solidFill>
+                <a:latin typeface="Menlo"/>
+              </a:rPr>
+              <a:t>"</a:t>
+            </a:r>
+            <a:r>
+              <a:rPr lang="ru-RU" sz="1600" b="1" dirty="0">
+                <a:solidFill>
+                  <a:srgbClr val="009900"/>
+                </a:solidFill>
+                <a:latin typeface="Menlo"/>
+              </a:rPr>
+              <a:t>Неожиданное исключение при делении на 0</a:t>
+            </a:r>
+            <a:r>
+              <a:rPr lang="fr-FR" sz="1600" b="1" dirty="0" smtClean="0">
+                <a:solidFill>
+                  <a:srgbClr val="009900"/>
+                </a:solidFill>
+                <a:latin typeface="Menlo"/>
+              </a:rPr>
+              <a:t>"</a:t>
+            </a:r>
+            <a:r>
+              <a:rPr lang="fr-FR" sz="1600" dirty="0">
+                <a:solidFill>
+                  <a:srgbClr val="000000"/>
+                </a:solidFill>
+                <a:latin typeface="Menlo"/>
+              </a:rPr>
+              <a:t>);</a:t>
+            </a:r>
+          </a:p>
+          <a:p>
+            <a:r>
+              <a:rPr lang="en-US" sz="1600" dirty="0">
+                <a:latin typeface="Menlo"/>
+              </a:rPr>
+              <a:t>        </a:t>
+            </a:r>
+            <a:r>
+              <a:rPr lang="en-US" sz="1600" dirty="0">
+                <a:solidFill>
+                  <a:srgbClr val="000000"/>
+                </a:solidFill>
+                <a:latin typeface="Menlo"/>
+              </a:rPr>
+              <a:t>}</a:t>
+            </a:r>
+          </a:p>
+          <a:p>
+            <a:r>
+              <a:rPr lang="en-US" sz="1600" dirty="0">
+                <a:latin typeface="Menlo"/>
+              </a:rPr>
+              <a:t>    </a:t>
+            </a:r>
+            <a:r>
+              <a:rPr lang="en-US" sz="1600" dirty="0">
+                <a:solidFill>
+                  <a:srgbClr val="000000"/>
+                </a:solidFill>
+                <a:latin typeface="Menlo"/>
+              </a:rPr>
+              <a:t>}</a:t>
+            </a:r>
+          </a:p>
+          <a:p>
+            <a:r>
+              <a:rPr lang="en-US" sz="1600" dirty="0">
+                <a:solidFill>
+                  <a:srgbClr val="000000"/>
+                </a:solidFill>
+                <a:latin typeface="Menlo"/>
+              </a:rPr>
+              <a:t>}</a:t>
+            </a:r>
           </a:p>
         </p:txBody>
       </p:sp>
     </p:spTree>
     <p:extLst>
       <p:ext uri="{BB962C8B-B14F-4D97-AF65-F5344CB8AC3E}">
-        <p14:creationId xmlns:p14="http://schemas.microsoft.com/office/powerpoint/2010/main" val="3419114283"/>
+        <p14:creationId xmlns:p14="http://schemas.microsoft.com/office/powerpoint/2010/main" val="2801473742"/>
       </p:ext>
     </p:extLst>
   </p:cSld>
   <p:clrMapOvr>
     <a:masterClrMapping/>
   </p:clrMapOvr>
-  <mc:AlternateContent xmlns:mc="http://schemas.openxmlformats.org/markup-compatibility/2006">
-    <mc:Choice xmlns:p14="http://schemas.microsoft.com/office/powerpoint/2010/main" Requires="p14">
+  <mc:AlternateContent xmlns:mc="http://schemas.openxmlformats.org/markup-compatibility/2006" xmlns:p14="http://schemas.microsoft.com/office/powerpoint/2010/main">
+    <mc:Choice Requires="p14">
       <p:transition p14:dur="0"/>
     </mc:Choice>
-    <mc:Fallback>
+    <mc:Fallback xmlns="">
       <p:transition/>
     </mc:Fallback>
   </mc:AlternateContent>
   <p:timing>
     <p:tnLst>
       <p:par>
-        <p:cTn id="1" dur="indefinite" restart="never" nodeType="tmRoot"/>
+        <p:cTn xmlns:p14="http://schemas.microsoft.com/office/powerpoint/2010/main" id="1" dur="indefinite" restart="never" nodeType="tmRoot"/>
       </p:par>
     </p:tnLst>
   </p:timing>
@@ -19265,64 +21402,147 @@
           <a:p>
             <a:r>
               <a:rPr lang="ru-RU" dirty="0"/>
-              <a:t>Запуск тестов из консоли</a:t>
+              <a:t>Использование </a:t>
+            </a:r>
+            <a:r>
+              <a:rPr lang="en-US" dirty="0" err="1"/>
+              <a:t>JUnit</a:t>
             </a:r>
             <a:endParaRPr lang="en-US" dirty="0"/>
           </a:p>
         </p:txBody>
       </p:sp>
-      <p:pic>
-        <p:nvPicPr>
-          <p:cNvPr id="4" name="Picture 3" descr="Terminal — bash — 65×20.png"/>
-          <p:cNvPicPr>
-            <a:picLocks noChangeAspect="1"/>
-          </p:cNvPicPr>
-          <p:nvPr/>
-        </p:nvPicPr>
-        <p:blipFill>
-          <a:blip r:embed="rId3">
-            <a:extLst>
-              <a:ext uri="{28A0092B-C50C-407E-A947-70E740481C1C}">
-                <a14:useLocalDpi xmlns:a14="http://schemas.microsoft.com/office/drawing/2010/main" val="0"/>
-              </a:ext>
-            </a:extLst>
-          </a:blip>
-          <a:stretch>
-            <a:fillRect/>
-          </a:stretch>
-        </p:blipFill>
-        <p:spPr>
+      <p:sp>
+        <p:nvSpPr>
+          <p:cNvPr id="5" name="Rectangle 4"/>
+          <p:cNvSpPr>
+            <a:spLocks noChangeArrowheads="1"/>
+          </p:cNvSpPr>
+          <p:nvPr>
+            <p:custDataLst>
+              <p:tags r:id="rId1"/>
+            </p:custDataLst>
+          </p:nvPr>
+        </p:nvSpPr>
+        <p:spPr bwMode="auto">
           <a:xfrm>
-            <a:off x="63500" y="904875"/>
-            <a:ext cx="9144000" cy="6343037"/>
+            <a:off x="1409700" y="2478197"/>
+            <a:ext cx="6324600" cy="2178606"/>
           </a:xfrm>
           <a:prstGeom prst="rect">
             <a:avLst/>
           </a:prstGeom>
+          <a:noFill/>
+          <a:ln w="19050">
+            <a:noFill/>
+            <a:miter lim="800000"/>
+            <a:headEnd/>
+            <a:tailEnd/>
+          </a:ln>
         </p:spPr>
-      </p:pic>
+        <p:txBody>
+          <a:bodyPr wrap="square" lIns="93296" tIns="144000" rIns="93296" bIns="93296">
+            <a:spAutoFit/>
+          </a:bodyPr>
+          <a:lstStyle/>
+          <a:p>
+            <a:pPr marL="285750" indent="-285750" defTabSz="803275">
+              <a:buClr>
+                <a:srgbClr val="FF6600"/>
+              </a:buClr>
+              <a:buSzPct val="125000"/>
+              <a:buFont typeface="Wingdings" pitchFamily="2" charset="2"/>
+              <a:buChar char="§"/>
+            </a:pPr>
+            <a:r>
+              <a:rPr lang="ru-RU" dirty="0">
+                <a:solidFill>
+                  <a:schemeClr val="accent4"/>
+                </a:solidFill>
+                <a:latin typeface="Arial" pitchFamily="34" charset="0"/>
+                <a:cs typeface="Arial" pitchFamily="34" charset="0"/>
+              </a:rPr>
+              <a:t>Как мы видим, в последнем тестовом методе используется метод fail([message</a:t>
+            </a:r>
+            <a:r>
+              <a:rPr lang="ru-RU" dirty="0" smtClean="0">
+                <a:solidFill>
+                  <a:schemeClr val="accent4"/>
+                </a:solidFill>
+                <a:latin typeface="Arial" pitchFamily="34" charset="0"/>
+                <a:cs typeface="Arial" pitchFamily="34" charset="0"/>
+              </a:rPr>
+              <a:t>]);</a:t>
+            </a:r>
+            <a:endParaRPr lang="en-US" dirty="0" smtClean="0">
+              <a:solidFill>
+                <a:schemeClr val="accent4"/>
+              </a:solidFill>
+              <a:latin typeface="Arial" pitchFamily="34" charset="0"/>
+              <a:cs typeface="Arial" pitchFamily="34" charset="0"/>
+            </a:endParaRPr>
+          </a:p>
+          <a:p>
+            <a:pPr marL="285750" indent="-285750" defTabSz="803275">
+              <a:buClr>
+                <a:srgbClr val="FF6600"/>
+              </a:buClr>
+              <a:buSzPct val="125000"/>
+              <a:buFont typeface="Wingdings" pitchFamily="2" charset="2"/>
+              <a:buChar char="§"/>
+            </a:pPr>
+            <a:endParaRPr lang="ru-RU" dirty="0">
+              <a:solidFill>
+                <a:schemeClr val="accent4"/>
+              </a:solidFill>
+              <a:latin typeface="Arial" pitchFamily="34" charset="0"/>
+              <a:cs typeface="Arial" pitchFamily="34" charset="0"/>
+            </a:endParaRPr>
+          </a:p>
+          <a:p>
+            <a:pPr marL="285750" indent="-285750" defTabSz="803275">
+              <a:buClr>
+                <a:srgbClr val="FF6600"/>
+              </a:buClr>
+              <a:buSzPct val="125000"/>
+              <a:buFont typeface="Wingdings" pitchFamily="2" charset="2"/>
+              <a:buChar char="§"/>
+            </a:pPr>
+            <a:r>
+              <a:rPr lang="ru-RU" dirty="0">
+                <a:solidFill>
+                  <a:schemeClr val="accent4"/>
+                </a:solidFill>
+                <a:latin typeface="Arial" pitchFamily="34" charset="0"/>
+                <a:cs typeface="Arial" pitchFamily="34" charset="0"/>
+              </a:rPr>
+              <a:t>Этот метод используется для прямого сообщения фреймворку об ошибке (в данном случае – если не было вызвано ожидаемое исключение, или оно не того типа)</a:t>
+            </a:r>
+          </a:p>
+        </p:txBody>
+      </p:sp>
     </p:spTree>
     <p:extLst>
       <p:ext uri="{BB962C8B-B14F-4D97-AF65-F5344CB8AC3E}">
-        <p14:creationId xmlns:p14="http://schemas.microsoft.com/office/powerpoint/2010/main" val="1635677536"/>
+        <p14:creationId xmlns:p14="http://schemas.microsoft.com/office/powerpoint/2010/main" val="2978130282"/>
       </p:ext>
     </p:extLst>
   </p:cSld>
   <p:clrMapOvr>
     <a:masterClrMapping/>
   </p:clrMapOvr>
-  <mc:AlternateContent xmlns:mc="http://schemas.openxmlformats.org/markup-compatibility/2006">
-    <mc:Choice xmlns:p14="http://schemas.microsoft.com/office/powerpoint/2010/main" Requires="p14">
+  <mc:AlternateContent xmlns:mc="http://schemas.openxmlformats.org/markup-compatibility/2006" xmlns:p14="http://schemas.microsoft.com/office/powerpoint/2010/main">
+    <mc:Choice Requires="p14">
       <p:transition p14:dur="0"/>
     </mc:Choice>
-    <mc:Fallback>
+    <mc:Fallback xmlns="">
       <p:transition/>
     </mc:Fallback>
   </mc:AlternateContent>
   <p:timing>
     <p:tnLst>
       <p:par>
-        <p:cTn id="1" dur="indefinite" restart="never" nodeType="tmRoot"/>
+        <p:cTn xmlns:p14="http://schemas.microsoft.com/office/powerpoint/2010/main" id="1" dur="indefinite" restart="never" nodeType="tmRoot"/>
       </p:par>
     </p:tnLst>
   </p:timing>
@@ -19363,12 +21583,9 @@
           <a:p>
             <a:r>
               <a:rPr lang="ru-RU" dirty="0"/>
-              <a:t>Запуск тестов в </a:t>
-            </a:r>
-            <a:r>
-              <a:rPr lang="en-US" dirty="0"/>
-              <a:t>IDE</a:t>
-            </a:r>
+              <a:t>Запуск тестов из консоли</a:t>
+            </a:r>
+            <a:endParaRPr lang="en-US" dirty="0"/>
           </a:p>
         </p:txBody>
       </p:sp>
@@ -19387,7 +21604,7 @@
         <p:spPr bwMode="auto">
           <a:xfrm>
             <a:off x="381000" y="985400"/>
-            <a:ext cx="6705600" cy="793611"/>
+            <a:ext cx="5023841" cy="1347609"/>
           </a:xfrm>
           <a:prstGeom prst="rect">
             <a:avLst/>
@@ -19413,45 +21630,53 @@
               <a:buSzPct val="125000"/>
             </a:pPr>
             <a:r>
-              <a:rPr lang="ru-RU" dirty="0">
+              <a:rPr lang="en-US" dirty="0">
                 <a:solidFill>
                   <a:schemeClr val="accent4"/>
                 </a:solidFill>
                 <a:latin typeface="Arial" pitchFamily="34" charset="0"/>
                 <a:cs typeface="Arial" pitchFamily="34" charset="0"/>
               </a:rPr>
-              <a:t>В среде </a:t>
-            </a:r>
-            <a:r>
-              <a:rPr lang="ru-RU" dirty="0" smtClean="0">
+              <a:t>java -</a:t>
+            </a:r>
+            <a:r>
+              <a:rPr lang="en-US" dirty="0" err="1">
                 <a:solidFill>
                   <a:schemeClr val="accent4"/>
                 </a:solidFill>
                 <a:latin typeface="Arial" pitchFamily="34" charset="0"/>
                 <a:cs typeface="Arial" pitchFamily="34" charset="0"/>
               </a:rPr>
-              <a:t>Eclipse</a:t>
-            </a:r>
-            <a:r>
-              <a:rPr lang="en-US" dirty="0" smtClean="0">
+              <a:t>cp</a:t>
+            </a:r>
+            <a:r>
+              <a:rPr lang="en-US" dirty="0">
                 <a:solidFill>
                   <a:schemeClr val="accent4"/>
                 </a:solidFill>
                 <a:latin typeface="Arial" pitchFamily="34" charset="0"/>
                 <a:cs typeface="Arial" pitchFamily="34" charset="0"/>
               </a:rPr>
-              <a:t>\</a:t>
-            </a:r>
-            <a:r>
-              <a:rPr lang="en-US" dirty="0" err="1" smtClean="0">
+              <a:t> </a:t>
+            </a:r>
+            <a:r>
+              <a:rPr lang="en-US" dirty="0" smtClean="0">
                 <a:solidFill>
                   <a:schemeClr val="accent4"/>
                 </a:solidFill>
                 <a:latin typeface="Arial" pitchFamily="34" charset="0"/>
                 <a:cs typeface="Arial" pitchFamily="34" charset="0"/>
               </a:rPr>
-              <a:t>IntelliJ</a:t>
-            </a:r>
+              <a:t>\</a:t>
+            </a:r>
+          </a:p>
+          <a:p>
+            <a:pPr defTabSz="803275">
+              <a:buClr>
+                <a:srgbClr val="FF6600"/>
+              </a:buClr>
+              <a:buSzPct val="125000"/>
+            </a:pPr>
             <a:r>
               <a:rPr lang="en-US" dirty="0" smtClean="0">
                 <a:solidFill>
@@ -19460,53 +21685,136 @@
                 <a:latin typeface="Arial" pitchFamily="34" charset="0"/>
                 <a:cs typeface="Arial" pitchFamily="34" charset="0"/>
               </a:rPr>
-              <a:t> IDEA</a:t>
-            </a:r>
-            <a:r>
-              <a:rPr lang="ru-RU" dirty="0" smtClean="0">
+              <a:t>C</a:t>
+            </a:r>
+            <a:r>
+              <a:rPr lang="en-US" dirty="0">
                 <a:solidFill>
                   <a:schemeClr val="accent4"/>
                 </a:solidFill>
                 <a:latin typeface="Arial" pitchFamily="34" charset="0"/>
                 <a:cs typeface="Arial" pitchFamily="34" charset="0"/>
               </a:rPr>
-              <a:t> </a:t>
-            </a:r>
-            <a:r>
-              <a:rPr lang="ru-RU" dirty="0">
+              <a:t>:\</a:t>
+            </a:r>
+            <a:r>
+              <a:rPr lang="en-US" dirty="0" smtClean="0">
                 <a:solidFill>
                   <a:schemeClr val="accent4"/>
                 </a:solidFill>
                 <a:latin typeface="Arial" pitchFamily="34" charset="0"/>
                 <a:cs typeface="Arial" pitchFamily="34" charset="0"/>
               </a:rPr>
-              <a:t>достаточно кликнуть правой кнопкой на тестовом классе и выбрать Run As -&gt; JUnit Test</a:t>
-            </a:r>
+              <a:t>testing\lib\junit-4.5.jar; \</a:t>
+            </a:r>
+          </a:p>
+          <a:p>
+            <a:pPr defTabSz="803275">
+              <a:buClr>
+                <a:srgbClr val="FF6600"/>
+              </a:buClr>
+              <a:buSzPct val="125000"/>
+            </a:pPr>
+            <a:r>
+              <a:rPr lang="en-US" dirty="0" smtClean="0">
+                <a:solidFill>
+                  <a:schemeClr val="accent4"/>
+                </a:solidFill>
+                <a:latin typeface="Arial" pitchFamily="34" charset="0"/>
+                <a:cs typeface="Arial" pitchFamily="34" charset="0"/>
+              </a:rPr>
+              <a:t>C</a:t>
+            </a:r>
+            <a:r>
+              <a:rPr lang="en-US" dirty="0">
+                <a:solidFill>
+                  <a:schemeClr val="accent4"/>
+                </a:solidFill>
+                <a:latin typeface="Arial" pitchFamily="34" charset="0"/>
+                <a:cs typeface="Arial" pitchFamily="34" charset="0"/>
+              </a:rPr>
+              <a:t>:\testing\bin </a:t>
+            </a:r>
+            <a:r>
+              <a:rPr lang="en-US" dirty="0" err="1">
+                <a:solidFill>
+                  <a:schemeClr val="accent4"/>
+                </a:solidFill>
+                <a:latin typeface="Arial" pitchFamily="34" charset="0"/>
+                <a:cs typeface="Arial" pitchFamily="34" charset="0"/>
+              </a:rPr>
+              <a:t>org.junit.runner.JUnitCore</a:t>
+            </a:r>
+            <a:r>
+              <a:rPr lang="en-US" dirty="0">
+                <a:solidFill>
+                  <a:schemeClr val="accent4"/>
+                </a:solidFill>
+                <a:latin typeface="Arial" pitchFamily="34" charset="0"/>
+                <a:cs typeface="Arial" pitchFamily="34" charset="0"/>
+              </a:rPr>
+              <a:t> </a:t>
+            </a:r>
+            <a:r>
+              <a:rPr lang="en-US" dirty="0" smtClean="0">
+                <a:solidFill>
+                  <a:schemeClr val="accent4"/>
+                </a:solidFill>
+                <a:latin typeface="Arial" pitchFamily="34" charset="0"/>
+                <a:cs typeface="Arial" pitchFamily="34" charset="0"/>
+              </a:rPr>
+              <a:t>\</a:t>
+            </a:r>
+          </a:p>
+          <a:p>
+            <a:pPr defTabSz="803275">
+              <a:buClr>
+                <a:srgbClr val="FF6600"/>
+              </a:buClr>
+              <a:buSzPct val="125000"/>
+            </a:pPr>
+            <a:r>
+              <a:rPr lang="en-US" dirty="0" err="1" smtClean="0">
+                <a:solidFill>
+                  <a:schemeClr val="accent4"/>
+                </a:solidFill>
+                <a:latin typeface="Arial" pitchFamily="34" charset="0"/>
+                <a:cs typeface="Arial" pitchFamily="34" charset="0"/>
+              </a:rPr>
+              <a:t>MathTestClass</a:t>
+            </a:r>
+            <a:endParaRPr lang="en-US" dirty="0">
+              <a:solidFill>
+                <a:schemeClr val="accent4"/>
+              </a:solidFill>
+              <a:latin typeface="Arial" pitchFamily="34" charset="0"/>
+              <a:cs typeface="Arial" pitchFamily="34" charset="0"/>
+            </a:endParaRPr>
           </a:p>
         </p:txBody>
       </p:sp>
     </p:spTree>
     <p:extLst>
       <p:ext uri="{BB962C8B-B14F-4D97-AF65-F5344CB8AC3E}">
-        <p14:creationId xmlns:p14="http://schemas.microsoft.com/office/powerpoint/2010/main" val="3747642213"/>
+        <p14:creationId xmlns:p14="http://schemas.microsoft.com/office/powerpoint/2010/main" val="3419114283"/>
       </p:ext>
     </p:extLst>
   </p:cSld>
   <p:clrMapOvr>
     <a:masterClrMapping/>
   </p:clrMapOvr>
-  <mc:AlternateContent xmlns:mc="http://schemas.openxmlformats.org/markup-compatibility/2006">
-    <mc:Choice xmlns:p14="http://schemas.microsoft.com/office/powerpoint/2010/main" Requires="p14">
+  <mc:AlternateContent xmlns:mc="http://schemas.openxmlformats.org/markup-compatibility/2006" xmlns:p14="http://schemas.microsoft.com/office/powerpoint/2010/main">
+    <mc:Choice Requires="p14">
       <p:transition p14:dur="0"/>
     </mc:Choice>
-    <mc:Fallback>
+    <mc:Fallback xmlns="">
       <p:transition/>
     </mc:Fallback>
   </mc:AlternateContent>
   <p:timing>
     <p:tnLst>
       <p:par>
-        <p:cTn id="1" dur="indefinite" restart="never" nodeType="tmRoot"/>
+        <p:cTn xmlns:p14="http://schemas.microsoft.com/office/powerpoint/2010/main" id="1" dur="indefinite" restart="never" nodeType="tmRoot"/>
       </p:par>
     </p:tnLst>
   </p:timing>
@@ -20427,11 +22735,6 @@
                 </a:rPr>
                 <a:t>assert*</a:t>
               </a:r>
-              <a:endParaRPr lang="en-US" dirty="0" smtClean="0">
-                <a:solidFill>
-                  <a:srgbClr val="004080"/>
-                </a:solidFill>
-              </a:endParaRPr>
             </a:p>
           </p:txBody>
         </p:sp>
@@ -21570,18 +23873,18 @@
   <p:clrMapOvr>
     <a:masterClrMapping/>
   </p:clrMapOvr>
-  <mc:AlternateContent xmlns:mc="http://schemas.openxmlformats.org/markup-compatibility/2006">
-    <mc:Choice xmlns:p14="http://schemas.microsoft.com/office/powerpoint/2010/main" Requires="p14">
+  <mc:AlternateContent xmlns:mc="http://schemas.openxmlformats.org/markup-compatibility/2006" xmlns:p14="http://schemas.microsoft.com/office/powerpoint/2010/main">
+    <mc:Choice Requires="p14">
       <p:transition p14:dur="0"/>
     </mc:Choice>
-    <mc:Fallback>
+    <mc:Fallback xmlns="">
       <p:transition/>
     </mc:Fallback>
   </mc:AlternateContent>
   <p:timing>
     <p:tnLst>
       <p:par>
-        <p:cTn id="1" dur="indefinite" restart="never" nodeType="tmRoot"/>
+        <p:cTn xmlns:p14="http://schemas.microsoft.com/office/powerpoint/2010/main" id="1" dur="indefinite" restart="never" nodeType="tmRoot"/>
       </p:par>
     </p:tnLst>
   </p:timing>
@@ -21622,6 +23925,318 @@
           <a:p>
             <a:r>
               <a:rPr lang="ru-RU" dirty="0"/>
+              <a:t>Запуск тестов из консоли</a:t>
+            </a:r>
+            <a:endParaRPr lang="en-US" dirty="0"/>
+          </a:p>
+        </p:txBody>
+      </p:sp>
+      <p:pic>
+        <p:nvPicPr>
+          <p:cNvPr id="4" name="Picture 3" descr="Terminal — bash — 65×20.png"/>
+          <p:cNvPicPr>
+            <a:picLocks noChangeAspect="1"/>
+          </p:cNvPicPr>
+          <p:nvPr/>
+        </p:nvPicPr>
+        <p:blipFill>
+          <a:blip r:embed="rId3">
+            <a:extLst>
+              <a:ext uri="{28A0092B-C50C-407E-A947-70E740481C1C}">
+                <a14:useLocalDpi xmlns:a14="http://schemas.microsoft.com/office/drawing/2010/main" val="0"/>
+              </a:ext>
+            </a:extLst>
+          </a:blip>
+          <a:stretch>
+            <a:fillRect/>
+          </a:stretch>
+        </p:blipFill>
+        <p:spPr>
+          <a:xfrm>
+            <a:off x="63500" y="904875"/>
+            <a:ext cx="9144000" cy="6343037"/>
+          </a:xfrm>
+          <a:prstGeom prst="rect">
+            <a:avLst/>
+          </a:prstGeom>
+        </p:spPr>
+      </p:pic>
+    </p:spTree>
+    <p:extLst>
+      <p:ext uri="{BB962C8B-B14F-4D97-AF65-F5344CB8AC3E}">
+        <p14:creationId xmlns:p14="http://schemas.microsoft.com/office/powerpoint/2010/main" val="1635677536"/>
+      </p:ext>
+    </p:extLst>
+  </p:cSld>
+  <p:clrMapOvr>
+    <a:masterClrMapping/>
+  </p:clrMapOvr>
+  <mc:AlternateContent xmlns:mc="http://schemas.openxmlformats.org/markup-compatibility/2006" xmlns:p14="http://schemas.microsoft.com/office/powerpoint/2010/main">
+    <mc:Choice Requires="p14">
+      <p:transition p14:dur="0"/>
+    </mc:Choice>
+    <mc:Fallback xmlns="">
+      <p:transition/>
+    </mc:Fallback>
+  </mc:AlternateContent>
+  <p:timing>
+    <p:tnLst>
+      <p:par>
+        <p:cTn xmlns:p14="http://schemas.microsoft.com/office/powerpoint/2010/main" id="1" dur="indefinite" restart="never" nodeType="tmRoot"/>
+      </p:par>
+    </p:tnLst>
+  </p:timing>
+</p:sld>
+</file>
+
+<file path=ppt/slides/slide21.xml><?xml version="1.0" encoding="utf-8"?>
+<p:sld xmlns:a="http://schemas.openxmlformats.org/drawingml/2006/main" xmlns:r="http://schemas.openxmlformats.org/officeDocument/2006/relationships" xmlns:p="http://schemas.openxmlformats.org/presentationml/2006/main">
+  <p:cSld>
+    <p:spTree>
+      <p:nvGrpSpPr>
+        <p:cNvPr id="1" name=""/>
+        <p:cNvGrpSpPr/>
+        <p:nvPr/>
+      </p:nvGrpSpPr>
+      <p:grpSpPr>
+        <a:xfrm>
+          <a:off x="0" y="0"/>
+          <a:ext cx="0" cy="0"/>
+          <a:chOff x="0" y="0"/>
+          <a:chExt cx="0" cy="0"/>
+        </a:xfrm>
+      </p:grpSpPr>
+      <p:sp>
+        <p:nvSpPr>
+          <p:cNvPr id="2" name="Title 1"/>
+          <p:cNvSpPr>
+            <a:spLocks noGrp="1"/>
+          </p:cNvSpPr>
+          <p:nvPr>
+            <p:ph type="title"/>
+          </p:nvPr>
+        </p:nvSpPr>
+        <p:spPr/>
+        <p:txBody>
+          <a:bodyPr/>
+          <a:lstStyle/>
+          <a:p>
+            <a:r>
+              <a:rPr lang="ru-RU" dirty="0"/>
+              <a:t>Запуск тестов в </a:t>
+            </a:r>
+            <a:r>
+              <a:rPr lang="en-US" dirty="0"/>
+              <a:t>IDE</a:t>
+            </a:r>
+          </a:p>
+        </p:txBody>
+      </p:sp>
+      <p:sp>
+        <p:nvSpPr>
+          <p:cNvPr id="5" name="Rectangle 4"/>
+          <p:cNvSpPr>
+            <a:spLocks noChangeArrowheads="1"/>
+          </p:cNvSpPr>
+          <p:nvPr>
+            <p:custDataLst>
+              <p:tags r:id="rId1"/>
+            </p:custDataLst>
+          </p:nvPr>
+        </p:nvSpPr>
+        <p:spPr bwMode="auto">
+          <a:xfrm>
+            <a:off x="381000" y="985400"/>
+            <a:ext cx="6705600" cy="793611"/>
+          </a:xfrm>
+          <a:prstGeom prst="rect">
+            <a:avLst/>
+          </a:prstGeom>
+          <a:noFill/>
+          <a:ln w="19050">
+            <a:noFill/>
+            <a:miter lim="800000"/>
+            <a:headEnd/>
+            <a:tailEnd/>
+          </a:ln>
+        </p:spPr>
+        <p:txBody>
+          <a:bodyPr wrap="square" lIns="93296" tIns="144000" rIns="93296" bIns="93296">
+            <a:spAutoFit/>
+          </a:bodyPr>
+          <a:lstStyle/>
+          <a:p>
+            <a:pPr defTabSz="803275">
+              <a:buClr>
+                <a:srgbClr val="FF6600"/>
+              </a:buClr>
+              <a:buSzPct val="125000"/>
+            </a:pPr>
+            <a:r>
+              <a:rPr lang="ru-RU" dirty="0">
+                <a:solidFill>
+                  <a:schemeClr val="accent4"/>
+                </a:solidFill>
+                <a:latin typeface="Arial" pitchFamily="34" charset="0"/>
+                <a:cs typeface="Arial" pitchFamily="34" charset="0"/>
+              </a:rPr>
+              <a:t>В среде </a:t>
+            </a:r>
+            <a:r>
+              <a:rPr lang="ru-RU" dirty="0" smtClean="0">
+                <a:solidFill>
+                  <a:schemeClr val="accent4"/>
+                </a:solidFill>
+                <a:latin typeface="Arial" pitchFamily="34" charset="0"/>
+                <a:cs typeface="Arial" pitchFamily="34" charset="0"/>
+              </a:rPr>
+              <a:t>Eclipse</a:t>
+            </a:r>
+            <a:r>
+              <a:rPr lang="en-US" dirty="0" smtClean="0">
+                <a:solidFill>
+                  <a:schemeClr val="accent4"/>
+                </a:solidFill>
+                <a:latin typeface="Arial" pitchFamily="34" charset="0"/>
+                <a:cs typeface="Arial" pitchFamily="34" charset="0"/>
+              </a:rPr>
+              <a:t>\</a:t>
+            </a:r>
+            <a:r>
+              <a:rPr lang="en-US" dirty="0" err="1" smtClean="0">
+                <a:solidFill>
+                  <a:schemeClr val="accent4"/>
+                </a:solidFill>
+                <a:latin typeface="Arial" pitchFamily="34" charset="0"/>
+                <a:cs typeface="Arial" pitchFamily="34" charset="0"/>
+              </a:rPr>
+              <a:t>IntelliJ</a:t>
+            </a:r>
+            <a:r>
+              <a:rPr lang="en-US" dirty="0" smtClean="0">
+                <a:solidFill>
+                  <a:schemeClr val="accent4"/>
+                </a:solidFill>
+                <a:latin typeface="Arial" pitchFamily="34" charset="0"/>
+                <a:cs typeface="Arial" pitchFamily="34" charset="0"/>
+              </a:rPr>
+              <a:t> IDEA</a:t>
+            </a:r>
+            <a:r>
+              <a:rPr lang="ru-RU" dirty="0" smtClean="0">
+                <a:solidFill>
+                  <a:schemeClr val="accent4"/>
+                </a:solidFill>
+                <a:latin typeface="Arial" pitchFamily="34" charset="0"/>
+                <a:cs typeface="Arial" pitchFamily="34" charset="0"/>
+              </a:rPr>
+              <a:t> </a:t>
+            </a:r>
+            <a:r>
+              <a:rPr lang="ru-RU" dirty="0">
+                <a:solidFill>
+                  <a:schemeClr val="accent4"/>
+                </a:solidFill>
+                <a:latin typeface="Arial" pitchFamily="34" charset="0"/>
+                <a:cs typeface="Arial" pitchFamily="34" charset="0"/>
+              </a:rPr>
+              <a:t>достаточно кликнуть правой кнопкой на тестовом классе и выбрать Run As -&gt; JUnit Test</a:t>
+            </a:r>
+          </a:p>
+        </p:txBody>
+      </p:sp>
+      <p:pic>
+        <p:nvPicPr>
+          <p:cNvPr id="4" name="Picture 3" descr="Screen Shot 2012-12-16 at 7.20.19 PM.png"/>
+          <p:cNvPicPr>
+            <a:picLocks noChangeAspect="1"/>
+          </p:cNvPicPr>
+          <p:nvPr/>
+        </p:nvPicPr>
+        <p:blipFill>
+          <a:blip r:embed="rId4">
+            <a:extLst>
+              <a:ext uri="{28A0092B-C50C-407E-A947-70E740481C1C}">
+                <a14:useLocalDpi xmlns:a14="http://schemas.microsoft.com/office/drawing/2010/main" val="0"/>
+              </a:ext>
+            </a:extLst>
+          </a:blip>
+          <a:stretch>
+            <a:fillRect/>
+          </a:stretch>
+        </p:blipFill>
+        <p:spPr>
+          <a:xfrm>
+            <a:off x="1828800" y="1783022"/>
+            <a:ext cx="5638800" cy="4866362"/>
+          </a:xfrm>
+          <a:prstGeom prst="rect">
+            <a:avLst/>
+          </a:prstGeom>
+        </p:spPr>
+      </p:pic>
+    </p:spTree>
+    <p:extLst>
+      <p:ext uri="{BB962C8B-B14F-4D97-AF65-F5344CB8AC3E}">
+        <p14:creationId xmlns:p14="http://schemas.microsoft.com/office/powerpoint/2010/main" val="3747642213"/>
+      </p:ext>
+    </p:extLst>
+  </p:cSld>
+  <p:clrMapOvr>
+    <a:masterClrMapping/>
+  </p:clrMapOvr>
+  <mc:AlternateContent xmlns:mc="http://schemas.openxmlformats.org/markup-compatibility/2006" xmlns:p14="http://schemas.microsoft.com/office/powerpoint/2010/main">
+    <mc:Choice Requires="p14">
+      <p:transition p14:dur="0"/>
+    </mc:Choice>
+    <mc:Fallback xmlns="">
+      <p:transition/>
+    </mc:Fallback>
+  </mc:AlternateContent>
+  <p:timing>
+    <p:tnLst>
+      <p:par>
+        <p:cTn xmlns:p14="http://schemas.microsoft.com/office/powerpoint/2010/main" id="1" dur="indefinite" restart="never" nodeType="tmRoot"/>
+      </p:par>
+    </p:tnLst>
+  </p:timing>
+</p:sld>
+</file>
+
+<file path=ppt/slides/slide22.xml><?xml version="1.0" encoding="utf-8"?>
+<p:sld xmlns:a="http://schemas.openxmlformats.org/drawingml/2006/main" xmlns:r="http://schemas.openxmlformats.org/officeDocument/2006/relationships" xmlns:p="http://schemas.openxmlformats.org/presentationml/2006/main">
+  <p:cSld>
+    <p:spTree>
+      <p:nvGrpSpPr>
+        <p:cNvPr id="1" name=""/>
+        <p:cNvGrpSpPr/>
+        <p:nvPr/>
+      </p:nvGrpSpPr>
+      <p:grpSpPr>
+        <a:xfrm>
+          <a:off x="0" y="0"/>
+          <a:ext cx="0" cy="0"/>
+          <a:chOff x="0" y="0"/>
+          <a:chExt cx="0" cy="0"/>
+        </a:xfrm>
+      </p:grpSpPr>
+      <p:sp>
+        <p:nvSpPr>
+          <p:cNvPr id="2" name="Title 1"/>
+          <p:cNvSpPr>
+            <a:spLocks noGrp="1"/>
+          </p:cNvSpPr>
+          <p:nvPr>
+            <p:ph type="title"/>
+          </p:nvPr>
+        </p:nvSpPr>
+        <p:spPr/>
+        <p:txBody>
+          <a:bodyPr/>
+          <a:lstStyle/>
+          <a:p>
+            <a:r>
+              <a:rPr lang="ru-RU" dirty="0"/>
               <a:t>Запуск тестов в </a:t>
             </a:r>
             <a:r>
@@ -21665,25 +24280,25 @@
   <p:clrMapOvr>
     <a:masterClrMapping/>
   </p:clrMapOvr>
-  <mc:AlternateContent xmlns:mc="http://schemas.openxmlformats.org/markup-compatibility/2006">
-    <mc:Choice xmlns:p14="http://schemas.microsoft.com/office/powerpoint/2010/main" Requires="p14">
+  <mc:AlternateContent xmlns:mc="http://schemas.openxmlformats.org/markup-compatibility/2006" xmlns:p14="http://schemas.microsoft.com/office/powerpoint/2010/main">
+    <mc:Choice Requires="p14">
       <p:transition p14:dur="0"/>
     </mc:Choice>
-    <mc:Fallback>
+    <mc:Fallback xmlns="">
       <p:transition/>
     </mc:Fallback>
   </mc:AlternateContent>
   <p:timing>
     <p:tnLst>
       <p:par>
-        <p:cTn id="1" dur="indefinite" restart="never" nodeType="tmRoot"/>
+        <p:cTn xmlns:p14="http://schemas.microsoft.com/office/powerpoint/2010/main" id="1" dur="indefinite" restart="never" nodeType="tmRoot"/>
       </p:par>
     </p:tnLst>
   </p:timing>
 </p:sld>
 </file>
 
-<file path=ppt/slides/slide21.xml><?xml version="1.0" encoding="utf-8"?>
+<file path=ppt/slides/slide23.xml><?xml version="1.0" encoding="utf-8"?>
 <p:sld xmlns:a="http://schemas.openxmlformats.org/drawingml/2006/main" xmlns:r="http://schemas.openxmlformats.org/officeDocument/2006/relationships" xmlns:p="http://schemas.openxmlformats.org/presentationml/2006/main">
   <p:cSld>
     <p:spTree>
@@ -21738,25 +24353,25 @@
   <p:clrMapOvr>
     <a:masterClrMapping/>
   </p:clrMapOvr>
-  <mc:AlternateContent xmlns:mc="http://schemas.openxmlformats.org/markup-compatibility/2006">
-    <mc:Choice xmlns:p14="http://schemas.microsoft.com/office/powerpoint/2010/main" Requires="p14">
+  <mc:AlternateContent xmlns:mc="http://schemas.openxmlformats.org/markup-compatibility/2006" xmlns:p14="http://schemas.microsoft.com/office/powerpoint/2010/main">
+    <mc:Choice Requires="p14">
       <p:transition p14:dur="0"/>
     </mc:Choice>
-    <mc:Fallback>
+    <mc:Fallback xmlns="">
       <p:transition/>
     </mc:Fallback>
   </mc:AlternateContent>
   <p:timing>
     <p:tnLst>
       <p:par>
-        <p:cTn id="1" dur="indefinite" restart="never" nodeType="tmRoot"/>
+        <p:cTn xmlns:p14="http://schemas.microsoft.com/office/powerpoint/2010/main" id="1" dur="indefinite" restart="never" nodeType="tmRoot"/>
       </p:par>
     </p:tnLst>
   </p:timing>
 </p:sld>
 </file>
 
-<file path=ppt/slides/slide22.xml><?xml version="1.0" encoding="utf-8"?>
+<file path=ppt/slides/slide24.xml><?xml version="1.0" encoding="utf-8"?>
 <p:sld xmlns:a="http://schemas.openxmlformats.org/drawingml/2006/main" xmlns:r="http://schemas.openxmlformats.org/officeDocument/2006/relationships" xmlns:p="http://schemas.openxmlformats.org/presentationml/2006/main">
   <p:cSld>
     <p:spTree>
@@ -21967,11 +24582,11 @@
   <p:clrMapOvr>
     <a:masterClrMapping/>
   </p:clrMapOvr>
-  <mc:AlternateContent xmlns:mc="http://schemas.openxmlformats.org/markup-compatibility/2006">
-    <mc:Choice xmlns:p14="http://schemas.microsoft.com/office/powerpoint/2010/main" Requires="p14">
+  <mc:AlternateContent xmlns:mc="http://schemas.openxmlformats.org/markup-compatibility/2006" xmlns:p14="http://schemas.microsoft.com/office/powerpoint/2010/main">
+    <mc:Choice Requires="p14">
       <p:transition p14:dur="0"/>
     </mc:Choice>
-    <mc:Fallback>
+    <mc:Fallback xmlns="">
       <p:transition/>
     </mc:Fallback>
   </mc:AlternateContent>
@@ -22140,18 +24755,18 @@
   <p:clrMapOvr>
     <a:masterClrMapping/>
   </p:clrMapOvr>
-  <mc:AlternateContent xmlns:mc="http://schemas.openxmlformats.org/markup-compatibility/2006">
-    <mc:Choice xmlns:p14="http://schemas.microsoft.com/office/powerpoint/2010/main" Requires="p14">
+  <mc:AlternateContent xmlns:mc="http://schemas.openxmlformats.org/markup-compatibility/2006" xmlns:p14="http://schemas.microsoft.com/office/powerpoint/2010/main">
+    <mc:Choice Requires="p14">
       <p:transition p14:dur="0"/>
     </mc:Choice>
-    <mc:Fallback>
+    <mc:Fallback xmlns="">
       <p:transition/>
     </mc:Fallback>
   </mc:AlternateContent>
   <p:timing>
     <p:tnLst>
       <p:par>
-        <p:cTn id="1" dur="indefinite" restart="never" nodeType="tmRoot"/>
+        <p:cTn xmlns:p14="http://schemas.microsoft.com/office/powerpoint/2010/main" id="1" dur="indefinite" restart="never" nodeType="tmRoot"/>
       </p:par>
     </p:tnLst>
   </p:timing>
@@ -22341,18 +24956,18 @@
   <p:clrMapOvr>
     <a:masterClrMapping/>
   </p:clrMapOvr>
-  <mc:AlternateContent xmlns:mc="http://schemas.openxmlformats.org/markup-compatibility/2006">
-    <mc:Choice xmlns:p14="http://schemas.microsoft.com/office/powerpoint/2010/main" Requires="p14">
+  <mc:AlternateContent xmlns:mc="http://schemas.openxmlformats.org/markup-compatibility/2006" xmlns:p14="http://schemas.microsoft.com/office/powerpoint/2010/main">
+    <mc:Choice Requires="p14">
       <p:transition p14:dur="0"/>
     </mc:Choice>
-    <mc:Fallback>
+    <mc:Fallback xmlns="">
       <p:transition/>
     </mc:Fallback>
   </mc:AlternateContent>
   <p:timing>
     <p:tnLst>
       <p:par>
-        <p:cTn id="1" dur="indefinite" restart="never" nodeType="tmRoot"/>
+        <p:cTn xmlns:p14="http://schemas.microsoft.com/office/powerpoint/2010/main" id="1" dur="indefinite" restart="never" nodeType="tmRoot"/>
       </p:par>
     </p:tnLst>
   </p:timing>
@@ -22576,18 +25191,18 @@
   <p:clrMapOvr>
     <a:masterClrMapping/>
   </p:clrMapOvr>
-  <mc:AlternateContent xmlns:mc="http://schemas.openxmlformats.org/markup-compatibility/2006">
-    <mc:Choice xmlns:p14="http://schemas.microsoft.com/office/powerpoint/2010/main" Requires="p14">
+  <mc:AlternateContent xmlns:mc="http://schemas.openxmlformats.org/markup-compatibility/2006" xmlns:p14="http://schemas.microsoft.com/office/powerpoint/2010/main">
+    <mc:Choice Requires="p14">
       <p:transition p14:dur="0"/>
     </mc:Choice>
-    <mc:Fallback>
+    <mc:Fallback xmlns="">
       <p:transition/>
     </mc:Fallback>
   </mc:AlternateContent>
   <p:timing>
     <p:tnLst>
       <p:par>
-        <p:cTn id="1" dur="indefinite" restart="never" nodeType="tmRoot"/>
+        <p:cTn xmlns:p14="http://schemas.microsoft.com/office/powerpoint/2010/main" id="1" dur="indefinite" restart="never" nodeType="tmRoot"/>
       </p:par>
     </p:tnLst>
   </p:timing>
@@ -22697,18 +25312,18 @@
   <p:clrMapOvr>
     <a:masterClrMapping/>
   </p:clrMapOvr>
-  <mc:AlternateContent xmlns:mc="http://schemas.openxmlformats.org/markup-compatibility/2006">
-    <mc:Choice xmlns:p14="http://schemas.microsoft.com/office/powerpoint/2010/main" Requires="p14">
+  <mc:AlternateContent xmlns:mc="http://schemas.openxmlformats.org/markup-compatibility/2006" xmlns:p14="http://schemas.microsoft.com/office/powerpoint/2010/main">
+    <mc:Choice Requires="p14">
       <p:transition p14:dur="0"/>
     </mc:Choice>
-    <mc:Fallback>
+    <mc:Fallback xmlns="">
       <p:transition/>
     </mc:Fallback>
   </mc:AlternateContent>
   <p:timing>
     <p:tnLst>
       <p:par>
-        <p:cTn id="1" dur="indefinite" restart="never" nodeType="tmRoot"/>
+        <p:cTn xmlns:p14="http://schemas.microsoft.com/office/powerpoint/2010/main" id="1" dur="indefinite" restart="never" nodeType="tmRoot"/>
       </p:par>
     </p:tnLst>
   </p:timing>
@@ -23203,18 +25818,18 @@
   <p:clrMapOvr>
     <a:masterClrMapping/>
   </p:clrMapOvr>
-  <mc:AlternateContent xmlns:mc="http://schemas.openxmlformats.org/markup-compatibility/2006">
-    <mc:Choice xmlns:p14="http://schemas.microsoft.com/office/powerpoint/2010/main" Requires="p14">
+  <mc:AlternateContent xmlns:mc="http://schemas.openxmlformats.org/markup-compatibility/2006" xmlns:p14="http://schemas.microsoft.com/office/powerpoint/2010/main">
+    <mc:Choice Requires="p14">
       <p:transition p14:dur="0"/>
     </mc:Choice>
-    <mc:Fallback>
+    <mc:Fallback xmlns="">
       <p:transition/>
     </mc:Fallback>
   </mc:AlternateContent>
   <p:timing>
     <p:tnLst>
       <p:par>
-        <p:cTn id="1" dur="indefinite" restart="never" nodeType="tmRoot"/>
+        <p:cTn xmlns:p14="http://schemas.microsoft.com/office/powerpoint/2010/main" id="1" dur="indefinite" restart="never" nodeType="tmRoot"/>
       </p:par>
     </p:tnLst>
   </p:timing>
@@ -23760,18 +26375,18 @@
   <p:clrMapOvr>
     <a:masterClrMapping/>
   </p:clrMapOvr>
-  <mc:AlternateContent xmlns:mc="http://schemas.openxmlformats.org/markup-compatibility/2006">
-    <mc:Choice xmlns:p14="http://schemas.microsoft.com/office/powerpoint/2010/main" Requires="p14">
+  <mc:AlternateContent xmlns:mc="http://schemas.openxmlformats.org/markup-compatibility/2006" xmlns:p14="http://schemas.microsoft.com/office/powerpoint/2010/main">
+    <mc:Choice Requires="p14">
       <p:transition p14:dur="0"/>
     </mc:Choice>
-    <mc:Fallback>
+    <mc:Fallback xmlns="">
       <p:transition/>
     </mc:Fallback>
   </mc:AlternateContent>
   <p:timing>
     <p:tnLst>
       <p:par>
-        <p:cTn id="1" dur="indefinite" restart="never" nodeType="tmRoot"/>
+        <p:cTn xmlns:p14="http://schemas.microsoft.com/office/powerpoint/2010/main" id="1" dur="indefinite" restart="never" nodeType="tmRoot"/>
       </p:par>
     </p:tnLst>
   </p:timing>
@@ -23980,7 +26595,7 @@
             </a:ln>
             <a:extLst>
               <a:ext uri="{FAA26D3D-D897-4be2-8F04-BA451C77F1D7}">
-                <ma14:placeholderFlag xmlns:ma14="http://schemas.microsoft.com/office/mac/drawingml/2011/main" xmlns="" val="1"/>
+                <ma14:placeholderFlag xmlns:ma14="http://schemas.microsoft.com/office/mac/drawingml/2011/main" val="1"/>
               </a:ext>
             </a:extLst>
           </p:spPr>
@@ -24318,7 +26933,7 @@
             </a:ln>
             <a:extLst>
               <a:ext uri="{FAA26D3D-D897-4be2-8F04-BA451C77F1D7}">
-                <ma14:placeholderFlag xmlns:ma14="http://schemas.microsoft.com/office/mac/drawingml/2011/main" xmlns="" val="1"/>
+                <ma14:placeholderFlag xmlns:ma14="http://schemas.microsoft.com/office/mac/drawingml/2011/main" val="1"/>
               </a:ext>
             </a:extLst>
           </p:spPr>
@@ -24653,7 +27268,7 @@
             </a:ln>
             <a:extLst>
               <a:ext uri="{FAA26D3D-D897-4be2-8F04-BA451C77F1D7}">
-                <ma14:placeholderFlag xmlns:ma14="http://schemas.microsoft.com/office/mac/drawingml/2011/main" xmlns="" val="1"/>
+                <ma14:placeholderFlag xmlns:ma14="http://schemas.microsoft.com/office/mac/drawingml/2011/main" val="1"/>
               </a:ext>
             </a:extLst>
           </p:spPr>
@@ -24981,7 +27596,7 @@
             </a:ln>
             <a:extLst>
               <a:ext uri="{FAA26D3D-D897-4be2-8F04-BA451C77F1D7}">
-                <ma14:placeholderFlag xmlns:ma14="http://schemas.microsoft.com/office/mac/drawingml/2011/main" xmlns="" val="1"/>
+                <ma14:placeholderFlag xmlns:ma14="http://schemas.microsoft.com/office/mac/drawingml/2011/main" val="1"/>
               </a:ext>
             </a:extLst>
           </p:spPr>
@@ -25309,7 +27924,7 @@
             </a:ln>
             <a:extLst>
               <a:ext uri="{FAA26D3D-D897-4be2-8F04-BA451C77F1D7}">
-                <ma14:placeholderFlag xmlns:ma14="http://schemas.microsoft.com/office/mac/drawingml/2011/main" xmlns="" val="1"/>
+                <ma14:placeholderFlag xmlns:ma14="http://schemas.microsoft.com/office/mac/drawingml/2011/main" val="1"/>
               </a:ext>
             </a:extLst>
           </p:spPr>
@@ -25720,18 +28335,18 @@
   <p:clrMapOvr>
     <a:masterClrMapping/>
   </p:clrMapOvr>
-  <mc:AlternateContent xmlns:mc="http://schemas.openxmlformats.org/markup-compatibility/2006">
-    <mc:Choice xmlns:p14="http://schemas.microsoft.com/office/powerpoint/2010/main" Requires="p14">
+  <mc:AlternateContent xmlns:mc="http://schemas.openxmlformats.org/markup-compatibility/2006" xmlns:p14="http://schemas.microsoft.com/office/powerpoint/2010/main">
+    <mc:Choice Requires="p14">
       <p:transition p14:dur="0"/>
     </mc:Choice>
-    <mc:Fallback>
+    <mc:Fallback xmlns="">
       <p:transition/>
     </mc:Fallback>
   </mc:AlternateContent>
   <p:timing>
     <p:tnLst>
       <p:par>
-        <p:cTn id="1" dur="indefinite" restart="never" nodeType="tmRoot"/>
+        <p:cTn xmlns:p14="http://schemas.microsoft.com/office/powerpoint/2010/main" id="1" dur="indefinite" restart="never" nodeType="tmRoot"/>
       </p:par>
     </p:tnLst>
   </p:timing>
@@ -25808,21 +28423,7 @@
 </p:tagLst>
 </file>
 
-<file path=ppt/tags/tag19.xml><?xml version="1.0" encoding="utf-8"?>
-<p:tagLst xmlns:a="http://schemas.openxmlformats.org/drawingml/2006/main" xmlns:r="http://schemas.openxmlformats.org/officeDocument/2006/relationships" xmlns:p="http://schemas.openxmlformats.org/presentationml/2006/main">
-  <p:tag name="LTOP" val=" 238.25"/>
-  <p:tag name="LLEFT" val=" 144.125"/>
-</p:tagLst>
-</file>
-
 <file path=ppt/tags/tag2.xml><?xml version="1.0" encoding="utf-8"?>
-<p:tagLst xmlns:a="http://schemas.openxmlformats.org/drawingml/2006/main" xmlns:r="http://schemas.openxmlformats.org/officeDocument/2006/relationships" xmlns:p="http://schemas.openxmlformats.org/presentationml/2006/main">
-  <p:tag name="LTOP" val=" 238.25"/>
-  <p:tag name="LLEFT" val=" 144.125"/>
-</p:tagLst>
-</file>
-
-<file path=ppt/tags/tag20.xml><?xml version="1.0" encoding="utf-8"?>
 <p:tagLst xmlns:a="http://schemas.openxmlformats.org/drawingml/2006/main" xmlns:r="http://schemas.openxmlformats.org/officeDocument/2006/relationships" xmlns:p="http://schemas.openxmlformats.org/presentationml/2006/main">
   <p:tag name="LTOP" val=" 238.25"/>
   <p:tag name="LLEFT" val=" 144.125"/>
